--- a/Presentation.pptx
+++ b/Presentation.pptx
@@ -5,7 +5,7 @@
     <p:sldMasterId id="2147483840" r:id="rId1"/>
   </p:sldMasterIdLst>
   <p:notesMasterIdLst>
-    <p:notesMasterId r:id="rId12"/>
+    <p:notesMasterId r:id="rId18"/>
   </p:notesMasterIdLst>
   <p:sldIdLst>
     <p:sldId id="256" r:id="rId2"/>
@@ -18,6 +18,12 @@
     <p:sldId id="263" r:id="rId9"/>
     <p:sldId id="264" r:id="rId10"/>
     <p:sldId id="265" r:id="rId11"/>
+    <p:sldId id="267" r:id="rId12"/>
+    <p:sldId id="268" r:id="rId13"/>
+    <p:sldId id="269" r:id="rId14"/>
+    <p:sldId id="270" r:id="rId15"/>
+    <p:sldId id="271" r:id="rId16"/>
+    <p:sldId id="272" r:id="rId17"/>
   </p:sldIdLst>
   <p:sldSz cx="12192000" cy="6858000"/>
   <p:notesSz cx="6858000" cy="9144000"/>
@@ -138,7 +144,14 @@
           </p14:sldIdLst>
         </p14:section>
         <p14:section name="C#" id="{CB5CBFF5-64F3-4465-AC11-D9DD80FB7583}">
-          <p14:sldIdLst/>
+          <p14:sldIdLst>
+            <p14:sldId id="267"/>
+            <p14:sldId id="268"/>
+            <p14:sldId id="269"/>
+            <p14:sldId id="270"/>
+            <p14:sldId id="271"/>
+            <p14:sldId id="272"/>
+          </p14:sldIdLst>
         </p14:section>
       </p14:sectionLst>
     </p:ext>
@@ -231,7 +244,7 @@
           <a:p>
             <a:fld id="{A27FBE8F-6136-40DC-AF55-4DBA9E8E089E}" type="datetimeFigureOut">
               <a:rPr lang="en-BE" smtClean="0"/>
-              <a:t>08/01/2020</a:t>
+              <a:t>10/01/2020</a:t>
             </a:fld>
             <a:endParaRPr lang="en-BE"/>
           </a:p>
@@ -812,7 +825,7 @@
             <a:fld id="{5586B75A-687E-405C-8A0B-8D00578BA2C3}" type="datetimeFigureOut">
               <a:rPr lang="en-US" dirty="0"/>
               <a:pPr/>
-              <a:t>1/8/2020</a:t>
+              <a:t>1/10/2020</a:t>
             </a:fld>
             <a:endParaRPr lang="en-US" dirty="0"/>
           </a:p>
@@ -979,7 +992,7 @@
             <a:fld id="{5586B75A-687E-405C-8A0B-8D00578BA2C3}" type="datetimeFigureOut">
               <a:rPr lang="en-US" dirty="0"/>
               <a:pPr/>
-              <a:t>1/8/2020</a:t>
+              <a:t>1/10/2020</a:t>
             </a:fld>
             <a:endParaRPr lang="en-US" dirty="0"/>
           </a:p>
@@ -1156,7 +1169,7 @@
             <a:fld id="{5586B75A-687E-405C-8A0B-8D00578BA2C3}" type="datetimeFigureOut">
               <a:rPr lang="en-US" dirty="0"/>
               <a:pPr/>
-              <a:t>1/8/2020</a:t>
+              <a:t>1/10/2020</a:t>
             </a:fld>
             <a:endParaRPr lang="en-US" dirty="0"/>
           </a:p>
@@ -1323,7 +1336,7 @@
             <a:fld id="{5586B75A-687E-405C-8A0B-8D00578BA2C3}" type="datetimeFigureOut">
               <a:rPr lang="en-US" dirty="0"/>
               <a:pPr/>
-              <a:t>1/8/2020</a:t>
+              <a:t>1/10/2020</a:t>
             </a:fld>
             <a:endParaRPr lang="en-US" dirty="0"/>
           </a:p>
@@ -1574,7 +1587,7 @@
             <a:fld id="{5586B75A-687E-405C-8A0B-8D00578BA2C3}" type="datetimeFigureOut">
               <a:rPr lang="en-US" dirty="0"/>
               <a:pPr/>
-              <a:t>1/8/2020</a:t>
+              <a:t>1/10/2020</a:t>
             </a:fld>
             <a:endParaRPr lang="en-US" dirty="0"/>
           </a:p>
@@ -1859,7 +1872,7 @@
             <a:fld id="{5586B75A-687E-405C-8A0B-8D00578BA2C3}" type="datetimeFigureOut">
               <a:rPr lang="en-US" dirty="0"/>
               <a:pPr/>
-              <a:t>1/8/2020</a:t>
+              <a:t>1/10/2020</a:t>
             </a:fld>
             <a:endParaRPr lang="en-US" dirty="0"/>
           </a:p>
@@ -2298,7 +2311,7 @@
             <a:fld id="{5586B75A-687E-405C-8A0B-8D00578BA2C3}" type="datetimeFigureOut">
               <a:rPr lang="en-US" dirty="0"/>
               <a:pPr/>
-              <a:t>1/8/2020</a:t>
+              <a:t>1/10/2020</a:t>
             </a:fld>
             <a:endParaRPr lang="en-US" dirty="0"/>
           </a:p>
@@ -2413,7 +2426,7 @@
             <a:fld id="{5586B75A-687E-405C-8A0B-8D00578BA2C3}" type="datetimeFigureOut">
               <a:rPr lang="en-US" dirty="0"/>
               <a:pPr/>
-              <a:t>1/8/2020</a:t>
+              <a:t>1/10/2020</a:t>
             </a:fld>
             <a:endParaRPr lang="en-US" dirty="0"/>
           </a:p>
@@ -2505,7 +2518,7 @@
             <a:fld id="{5586B75A-687E-405C-8A0B-8D00578BA2C3}" type="datetimeFigureOut">
               <a:rPr lang="en-US" dirty="0"/>
               <a:pPr/>
-              <a:t>1/8/2020</a:t>
+              <a:t>1/10/2020</a:t>
             </a:fld>
             <a:endParaRPr lang="en-US" dirty="0"/>
           </a:p>
@@ -2790,7 +2803,7 @@
             <a:fld id="{5586B75A-687E-405C-8A0B-8D00578BA2C3}" type="datetimeFigureOut">
               <a:rPr lang="en-US" dirty="0"/>
               <a:pPr/>
-              <a:t>1/8/2020</a:t>
+              <a:t>1/10/2020</a:t>
             </a:fld>
             <a:endParaRPr lang="en-US" dirty="0"/>
           </a:p>
@@ -3060,7 +3073,7 @@
             <a:fld id="{5586B75A-687E-405C-8A0B-8D00578BA2C3}" type="datetimeFigureOut">
               <a:rPr lang="en-US" dirty="0"/>
               <a:pPr/>
-              <a:t>1/8/2020</a:t>
+              <a:t>1/10/2020</a:t>
             </a:fld>
             <a:endParaRPr lang="en-US" dirty="0"/>
           </a:p>
@@ -3354,7 +3367,7 @@
             <a:fld id="{5586B75A-687E-405C-8A0B-8D00578BA2C3}" type="datetimeFigureOut">
               <a:rPr lang="en-US" dirty="0"/>
               <a:pPr/>
-              <a:t>1/8/2020</a:t>
+              <a:t>1/10/2020</a:t>
             </a:fld>
             <a:endParaRPr lang="en-US" dirty="0"/>
           </a:p>
@@ -4002,6 +4015,672 @@
     <p:extLst>
       <p:ext uri="{BB962C8B-B14F-4D97-AF65-F5344CB8AC3E}">
         <p14:creationId xmlns:p14="http://schemas.microsoft.com/office/powerpoint/2010/main" val="422201848"/>
+      </p:ext>
+    </p:extLst>
+  </p:cSld>
+  <p:clrMapOvr>
+    <a:masterClrMapping/>
+  </p:clrMapOvr>
+</p:sld>
+</file>
+
+<file path=ppt/slides/slide11.xml><?xml version="1.0" encoding="utf-8"?>
+<p:sld xmlns:a="http://schemas.openxmlformats.org/drawingml/2006/main" xmlns:r="http://schemas.openxmlformats.org/officeDocument/2006/relationships" xmlns:p="http://schemas.openxmlformats.org/presentationml/2006/main">
+  <p:cSld>
+    <p:spTree>
+      <p:nvGrpSpPr>
+        <p:cNvPr id="1" name=""/>
+        <p:cNvGrpSpPr/>
+        <p:nvPr/>
+      </p:nvGrpSpPr>
+      <p:grpSpPr>
+        <a:xfrm>
+          <a:off x="0" y="0"/>
+          <a:ext cx="0" cy="0"/>
+          <a:chOff x="0" y="0"/>
+          <a:chExt cx="0" cy="0"/>
+        </a:xfrm>
+      </p:grpSpPr>
+      <p:sp>
+        <p:nvSpPr>
+          <p:cNvPr id="2" name="Title 1">
+            <a:extLst>
+              <a:ext uri="{FF2B5EF4-FFF2-40B4-BE49-F238E27FC236}">
+                <a16:creationId xmlns:a16="http://schemas.microsoft.com/office/drawing/2014/main" id="{AF5CDFF2-E7DB-41C0-9003-441E4B263659}"/>
+              </a:ext>
+            </a:extLst>
+          </p:cNvPr>
+          <p:cNvSpPr>
+            <a:spLocks noGrp="1"/>
+          </p:cNvSpPr>
+          <p:nvPr>
+            <p:ph type="title"/>
+          </p:nvPr>
+        </p:nvSpPr>
+        <p:spPr/>
+        <p:txBody>
+          <a:bodyPr/>
+          <a:lstStyle/>
+          <a:p>
+            <a:r>
+              <a:rPr lang="en-US" dirty="0"/>
+              <a:t>C#</a:t>
+            </a:r>
+            <a:endParaRPr lang="en-BE" dirty="0"/>
+          </a:p>
+        </p:txBody>
+      </p:sp>
+      <p:sp>
+        <p:nvSpPr>
+          <p:cNvPr id="3" name="Content Placeholder 2">
+            <a:extLst>
+              <a:ext uri="{FF2B5EF4-FFF2-40B4-BE49-F238E27FC236}">
+                <a16:creationId xmlns:a16="http://schemas.microsoft.com/office/drawing/2014/main" id="{37464614-9DFD-4FBB-9B89-E9D404B57187}"/>
+              </a:ext>
+            </a:extLst>
+          </p:cNvPr>
+          <p:cNvSpPr>
+            <a:spLocks noGrp="1"/>
+          </p:cNvSpPr>
+          <p:nvPr>
+            <p:ph idx="1"/>
+          </p:nvPr>
+        </p:nvSpPr>
+        <p:spPr>
+          <a:xfrm>
+            <a:off x="3869268" y="864108"/>
+            <a:ext cx="7452324" cy="5120640"/>
+          </a:xfrm>
+        </p:spPr>
+        <p:txBody>
+          <a:bodyPr/>
+          <a:lstStyle/>
+          <a:p>
+            <a:r>
+              <a:rPr lang="en-US" dirty="0"/>
+              <a:t>What is C#?</a:t>
+            </a:r>
+          </a:p>
+          <a:p>
+            <a:r>
+              <a:rPr lang="en-US" dirty="0"/>
+              <a:t>What is Visual Studio?</a:t>
+            </a:r>
+          </a:p>
+          <a:p>
+            <a:r>
+              <a:rPr lang="en-US" dirty="0"/>
+              <a:t>How do you start a .NET application in C#?</a:t>
+            </a:r>
+          </a:p>
+          <a:p>
+            <a:r>
+              <a:rPr lang="en-US" dirty="0"/>
+              <a:t>What’s the difference between solutions, projects and namespaces?</a:t>
+            </a:r>
+          </a:p>
+          <a:p>
+            <a:r>
+              <a:rPr lang="en-US" dirty="0"/>
+              <a:t>Exercises</a:t>
+            </a:r>
+          </a:p>
+          <a:p>
+            <a:endParaRPr lang="en-BE" dirty="0"/>
+          </a:p>
+        </p:txBody>
+      </p:sp>
+    </p:spTree>
+    <p:extLst>
+      <p:ext uri="{BB962C8B-B14F-4D97-AF65-F5344CB8AC3E}">
+        <p14:creationId xmlns:p14="http://schemas.microsoft.com/office/powerpoint/2010/main" val="3925757356"/>
+      </p:ext>
+    </p:extLst>
+  </p:cSld>
+  <p:clrMapOvr>
+    <a:masterClrMapping/>
+  </p:clrMapOvr>
+</p:sld>
+</file>
+
+<file path=ppt/slides/slide12.xml><?xml version="1.0" encoding="utf-8"?>
+<p:sld xmlns:a="http://schemas.openxmlformats.org/drawingml/2006/main" xmlns:r="http://schemas.openxmlformats.org/officeDocument/2006/relationships" xmlns:p="http://schemas.openxmlformats.org/presentationml/2006/main">
+  <p:cSld>
+    <p:spTree>
+      <p:nvGrpSpPr>
+        <p:cNvPr id="1" name=""/>
+        <p:cNvGrpSpPr/>
+        <p:nvPr/>
+      </p:nvGrpSpPr>
+      <p:grpSpPr>
+        <a:xfrm>
+          <a:off x="0" y="0"/>
+          <a:ext cx="0" cy="0"/>
+          <a:chOff x="0" y="0"/>
+          <a:chExt cx="0" cy="0"/>
+        </a:xfrm>
+      </p:grpSpPr>
+      <p:sp>
+        <p:nvSpPr>
+          <p:cNvPr id="2" name="Title 1">
+            <a:extLst>
+              <a:ext uri="{FF2B5EF4-FFF2-40B4-BE49-F238E27FC236}">
+                <a16:creationId xmlns:a16="http://schemas.microsoft.com/office/drawing/2014/main" id="{8ECAD267-11C2-452F-8738-EA7DC6E2C20C}"/>
+              </a:ext>
+            </a:extLst>
+          </p:cNvPr>
+          <p:cNvSpPr>
+            <a:spLocks noGrp="1"/>
+          </p:cNvSpPr>
+          <p:nvPr>
+            <p:ph type="title"/>
+          </p:nvPr>
+        </p:nvSpPr>
+        <p:spPr/>
+        <p:txBody>
+          <a:bodyPr/>
+          <a:lstStyle/>
+          <a:p>
+            <a:r>
+              <a:rPr lang="en-US" dirty="0"/>
+              <a:t>What is C#?</a:t>
+            </a:r>
+            <a:endParaRPr lang="en-BE" dirty="0"/>
+          </a:p>
+        </p:txBody>
+      </p:sp>
+      <p:sp>
+        <p:nvSpPr>
+          <p:cNvPr id="3" name="Content Placeholder 2">
+            <a:extLst>
+              <a:ext uri="{FF2B5EF4-FFF2-40B4-BE49-F238E27FC236}">
+                <a16:creationId xmlns:a16="http://schemas.microsoft.com/office/drawing/2014/main" id="{3F4E8530-74B1-4224-B9DF-9C7E29BAE228}"/>
+              </a:ext>
+            </a:extLst>
+          </p:cNvPr>
+          <p:cNvSpPr>
+            <a:spLocks noGrp="1"/>
+          </p:cNvSpPr>
+          <p:nvPr>
+            <p:ph idx="1"/>
+          </p:nvPr>
+        </p:nvSpPr>
+        <p:spPr/>
+        <p:txBody>
+          <a:bodyPr/>
+          <a:lstStyle/>
+          <a:p>
+            <a:r>
+              <a:rPr lang="en-US" dirty="0"/>
+              <a:t>Programming language developed in 2000 to be used in the .NET environment with the CLI</a:t>
+            </a:r>
+          </a:p>
+          <a:p>
+            <a:r>
+              <a:rPr lang="en-US" dirty="0"/>
+              <a:t>Strong typed and object oriented</a:t>
+            </a:r>
+          </a:p>
+          <a:p>
+            <a:r>
+              <a:rPr lang="en-US" dirty="0"/>
+              <a:t>General purpose language; you can build almost anything with it</a:t>
+            </a:r>
+          </a:p>
+          <a:p>
+            <a:endParaRPr lang="en-US" dirty="0"/>
+          </a:p>
+        </p:txBody>
+      </p:sp>
+    </p:spTree>
+    <p:extLst>
+      <p:ext uri="{BB962C8B-B14F-4D97-AF65-F5344CB8AC3E}">
+        <p14:creationId xmlns:p14="http://schemas.microsoft.com/office/powerpoint/2010/main" val="2788489396"/>
+      </p:ext>
+    </p:extLst>
+  </p:cSld>
+  <p:clrMapOvr>
+    <a:masterClrMapping/>
+  </p:clrMapOvr>
+</p:sld>
+</file>
+
+<file path=ppt/slides/slide13.xml><?xml version="1.0" encoding="utf-8"?>
+<p:sld xmlns:a="http://schemas.openxmlformats.org/drawingml/2006/main" xmlns:r="http://schemas.openxmlformats.org/officeDocument/2006/relationships" xmlns:p="http://schemas.openxmlformats.org/presentationml/2006/main">
+  <p:cSld>
+    <p:spTree>
+      <p:nvGrpSpPr>
+        <p:cNvPr id="1" name=""/>
+        <p:cNvGrpSpPr/>
+        <p:nvPr/>
+      </p:nvGrpSpPr>
+      <p:grpSpPr>
+        <a:xfrm>
+          <a:off x="0" y="0"/>
+          <a:ext cx="0" cy="0"/>
+          <a:chOff x="0" y="0"/>
+          <a:chExt cx="0" cy="0"/>
+        </a:xfrm>
+      </p:grpSpPr>
+      <p:sp>
+        <p:nvSpPr>
+          <p:cNvPr id="2" name="Title 1">
+            <a:extLst>
+              <a:ext uri="{FF2B5EF4-FFF2-40B4-BE49-F238E27FC236}">
+                <a16:creationId xmlns:a16="http://schemas.microsoft.com/office/drawing/2014/main" id="{030104FF-7788-4C96-A3F8-D701C296831B}"/>
+              </a:ext>
+            </a:extLst>
+          </p:cNvPr>
+          <p:cNvSpPr>
+            <a:spLocks noGrp="1"/>
+          </p:cNvSpPr>
+          <p:nvPr>
+            <p:ph type="title"/>
+          </p:nvPr>
+        </p:nvSpPr>
+        <p:spPr/>
+        <p:txBody>
+          <a:bodyPr/>
+          <a:lstStyle/>
+          <a:p>
+            <a:r>
+              <a:rPr lang="en-US" dirty="0"/>
+              <a:t>What is Visual Studio?</a:t>
+            </a:r>
+            <a:endParaRPr lang="en-BE" dirty="0"/>
+          </a:p>
+        </p:txBody>
+      </p:sp>
+      <p:sp>
+        <p:nvSpPr>
+          <p:cNvPr id="3" name="Content Placeholder 2">
+            <a:extLst>
+              <a:ext uri="{FF2B5EF4-FFF2-40B4-BE49-F238E27FC236}">
+                <a16:creationId xmlns:a16="http://schemas.microsoft.com/office/drawing/2014/main" id="{0617275E-A2BF-493B-8520-31CEA41418C6}"/>
+              </a:ext>
+            </a:extLst>
+          </p:cNvPr>
+          <p:cNvSpPr>
+            <a:spLocks noGrp="1"/>
+          </p:cNvSpPr>
+          <p:nvPr>
+            <p:ph idx="1"/>
+          </p:nvPr>
+        </p:nvSpPr>
+        <p:spPr/>
+        <p:txBody>
+          <a:bodyPr/>
+          <a:lstStyle/>
+          <a:p>
+            <a:r>
+              <a:rPr lang="en-US" dirty="0"/>
+              <a:t>Integrated Development Environment (IDE) created by Microsoft</a:t>
+            </a:r>
+          </a:p>
+          <a:p>
+            <a:r>
+              <a:rPr lang="en-US" dirty="0"/>
+              <a:t>Microsoft Visual Studio has 3 IDE for Windows and Visual Studio Code</a:t>
+            </a:r>
+          </a:p>
+          <a:p>
+            <a:r>
+              <a:rPr lang="en-US" dirty="0"/>
+              <a:t>Visual Studio Code is light-weight and faster</a:t>
+            </a:r>
+          </a:p>
+          <a:p>
+            <a:r>
+              <a:rPr lang="en-US" dirty="0"/>
+              <a:t>Microsoft Visual Studio has more features but slower</a:t>
+            </a:r>
+            <a:endParaRPr lang="en-BE" dirty="0"/>
+          </a:p>
+        </p:txBody>
+      </p:sp>
+    </p:spTree>
+    <p:extLst>
+      <p:ext uri="{BB962C8B-B14F-4D97-AF65-F5344CB8AC3E}">
+        <p14:creationId xmlns:p14="http://schemas.microsoft.com/office/powerpoint/2010/main" val="2714670302"/>
+      </p:ext>
+    </p:extLst>
+  </p:cSld>
+  <p:clrMapOvr>
+    <a:masterClrMapping/>
+  </p:clrMapOvr>
+</p:sld>
+</file>
+
+<file path=ppt/slides/slide14.xml><?xml version="1.0" encoding="utf-8"?>
+<p:sld xmlns:a="http://schemas.openxmlformats.org/drawingml/2006/main" xmlns:r="http://schemas.openxmlformats.org/officeDocument/2006/relationships" xmlns:p="http://schemas.openxmlformats.org/presentationml/2006/main">
+  <p:cSld>
+    <p:spTree>
+      <p:nvGrpSpPr>
+        <p:cNvPr id="1" name=""/>
+        <p:cNvGrpSpPr/>
+        <p:nvPr/>
+      </p:nvGrpSpPr>
+      <p:grpSpPr>
+        <a:xfrm>
+          <a:off x="0" y="0"/>
+          <a:ext cx="0" cy="0"/>
+          <a:chOff x="0" y="0"/>
+          <a:chExt cx="0" cy="0"/>
+        </a:xfrm>
+      </p:grpSpPr>
+      <p:sp>
+        <p:nvSpPr>
+          <p:cNvPr id="2" name="Title 1">
+            <a:extLst>
+              <a:ext uri="{FF2B5EF4-FFF2-40B4-BE49-F238E27FC236}">
+                <a16:creationId xmlns:a16="http://schemas.microsoft.com/office/drawing/2014/main" id="{24B8765F-14E4-4DEF-84C8-5C849D7C68AA}"/>
+              </a:ext>
+            </a:extLst>
+          </p:cNvPr>
+          <p:cNvSpPr>
+            <a:spLocks noGrp="1"/>
+          </p:cNvSpPr>
+          <p:nvPr>
+            <p:ph type="title"/>
+          </p:nvPr>
+        </p:nvSpPr>
+        <p:spPr>
+          <a:xfrm>
+            <a:off x="131975" y="1123837"/>
+            <a:ext cx="3214540" cy="4601183"/>
+          </a:xfrm>
+        </p:spPr>
+        <p:txBody>
+          <a:bodyPr/>
+          <a:lstStyle/>
+          <a:p>
+            <a:r>
+              <a:rPr lang="en-US" dirty="0"/>
+              <a:t>How to start a .NET application (Windows)</a:t>
+            </a:r>
+            <a:endParaRPr lang="en-BE" dirty="0"/>
+          </a:p>
+        </p:txBody>
+      </p:sp>
+      <p:sp>
+        <p:nvSpPr>
+          <p:cNvPr id="3" name="Content Placeholder 2">
+            <a:extLst>
+              <a:ext uri="{FF2B5EF4-FFF2-40B4-BE49-F238E27FC236}">
+                <a16:creationId xmlns:a16="http://schemas.microsoft.com/office/drawing/2014/main" id="{AF53DB91-1834-4EC2-8A30-0729724E4493}"/>
+              </a:ext>
+            </a:extLst>
+          </p:cNvPr>
+          <p:cNvSpPr>
+            <a:spLocks noGrp="1"/>
+          </p:cNvSpPr>
+          <p:nvPr>
+            <p:ph idx="1"/>
+          </p:nvPr>
+        </p:nvSpPr>
+        <p:spPr/>
+        <p:txBody>
+          <a:bodyPr/>
+          <a:lstStyle/>
+          <a:p>
+            <a:r>
+              <a:rPr lang="en-US" dirty="0"/>
+              <a:t>Open Microsoft Visual Studio Community 2019</a:t>
+            </a:r>
+          </a:p>
+          <a:p>
+            <a:r>
+              <a:rPr lang="en-US" dirty="0"/>
+              <a:t>Click ‘Create New Project’</a:t>
+            </a:r>
+          </a:p>
+          <a:p>
+            <a:r>
+              <a:rPr lang="en-US" dirty="0"/>
+              <a:t>Double Click on ‘Console App (.NET Core)’</a:t>
+            </a:r>
+          </a:p>
+          <a:p>
+            <a:r>
+              <a:rPr lang="en-US" dirty="0"/>
+              <a:t>Give a project and a solution name</a:t>
+            </a:r>
+          </a:p>
+          <a:p>
+            <a:r>
+              <a:rPr lang="en-US" dirty="0"/>
+              <a:t>Click on ‘Create’</a:t>
+            </a:r>
+          </a:p>
+          <a:p>
+            <a:r>
+              <a:rPr lang="en-US" dirty="0"/>
+              <a:t>Click on the green start button at the top center</a:t>
+            </a:r>
+          </a:p>
+        </p:txBody>
+      </p:sp>
+    </p:spTree>
+    <p:extLst>
+      <p:ext uri="{BB962C8B-B14F-4D97-AF65-F5344CB8AC3E}">
+        <p14:creationId xmlns:p14="http://schemas.microsoft.com/office/powerpoint/2010/main" val="4034069565"/>
+      </p:ext>
+    </p:extLst>
+  </p:cSld>
+  <p:clrMapOvr>
+    <a:masterClrMapping/>
+  </p:clrMapOvr>
+</p:sld>
+</file>
+
+<file path=ppt/slides/slide15.xml><?xml version="1.0" encoding="utf-8"?>
+<p:sld xmlns:a="http://schemas.openxmlformats.org/drawingml/2006/main" xmlns:r="http://schemas.openxmlformats.org/officeDocument/2006/relationships" xmlns:p="http://schemas.openxmlformats.org/presentationml/2006/main">
+  <p:cSld>
+    <p:spTree>
+      <p:nvGrpSpPr>
+        <p:cNvPr id="1" name=""/>
+        <p:cNvGrpSpPr/>
+        <p:nvPr/>
+      </p:nvGrpSpPr>
+      <p:grpSpPr>
+        <a:xfrm>
+          <a:off x="0" y="0"/>
+          <a:ext cx="0" cy="0"/>
+          <a:chOff x="0" y="0"/>
+          <a:chExt cx="0" cy="0"/>
+        </a:xfrm>
+      </p:grpSpPr>
+      <p:sp>
+        <p:nvSpPr>
+          <p:cNvPr id="2" name="Title 1">
+            <a:extLst>
+              <a:ext uri="{FF2B5EF4-FFF2-40B4-BE49-F238E27FC236}">
+                <a16:creationId xmlns:a16="http://schemas.microsoft.com/office/drawing/2014/main" id="{D7C06D19-A120-4434-B941-7250AA9AE445}"/>
+              </a:ext>
+            </a:extLst>
+          </p:cNvPr>
+          <p:cNvSpPr>
+            <a:spLocks noGrp="1"/>
+          </p:cNvSpPr>
+          <p:nvPr>
+            <p:ph type="title"/>
+          </p:nvPr>
+        </p:nvSpPr>
+        <p:spPr>
+          <a:xfrm>
+            <a:off x="113122" y="1123837"/>
+            <a:ext cx="3214539" cy="4601183"/>
+          </a:xfrm>
+        </p:spPr>
+        <p:txBody>
+          <a:bodyPr/>
+          <a:lstStyle/>
+          <a:p>
+            <a:r>
+              <a:rPr lang="en-US" dirty="0"/>
+              <a:t>How to start a .NET application (Linux)</a:t>
+            </a:r>
+            <a:endParaRPr lang="en-BE" dirty="0"/>
+          </a:p>
+        </p:txBody>
+      </p:sp>
+      <p:sp>
+        <p:nvSpPr>
+          <p:cNvPr id="3" name="Content Placeholder 2">
+            <a:extLst>
+              <a:ext uri="{FF2B5EF4-FFF2-40B4-BE49-F238E27FC236}">
+                <a16:creationId xmlns:a16="http://schemas.microsoft.com/office/drawing/2014/main" id="{6CE6333F-EC56-45D9-912D-AD2A6095F4A6}"/>
+              </a:ext>
+            </a:extLst>
+          </p:cNvPr>
+          <p:cNvSpPr>
+            <a:spLocks noGrp="1"/>
+          </p:cNvSpPr>
+          <p:nvPr>
+            <p:ph idx="1"/>
+          </p:nvPr>
+        </p:nvSpPr>
+        <p:spPr/>
+        <p:txBody>
+          <a:bodyPr/>
+          <a:lstStyle/>
+          <a:p>
+            <a:r>
+              <a:rPr lang="en-US" dirty="0"/>
+              <a:t>Open Visual Studio Code</a:t>
+            </a:r>
+          </a:p>
+          <a:p>
+            <a:r>
+              <a:rPr lang="en-US" dirty="0"/>
+              <a:t>Open terminal from the top menu</a:t>
+            </a:r>
+          </a:p>
+          <a:p>
+            <a:r>
+              <a:rPr lang="en-US" dirty="0"/>
+              <a:t>Move through the terminal to the folder where you want to place your solution</a:t>
+            </a:r>
+          </a:p>
+          <a:p>
+            <a:r>
+              <a:rPr lang="en-US" dirty="0"/>
+              <a:t>Type ‘dotnet new console –o </a:t>
+            </a:r>
+            <a:r>
+              <a:rPr lang="en-US" i="1" dirty="0"/>
+              <a:t>Solution Name’</a:t>
+            </a:r>
+          </a:p>
+          <a:p>
+            <a:r>
+              <a:rPr lang="en-US" dirty="0"/>
+              <a:t>Change your directory to your solution with ‘cd </a:t>
+            </a:r>
+            <a:r>
+              <a:rPr lang="en-US" i="1" dirty="0"/>
+              <a:t>Solution Name’</a:t>
+            </a:r>
+            <a:endParaRPr lang="en-US" dirty="0"/>
+          </a:p>
+          <a:p>
+            <a:r>
+              <a:rPr lang="en-US" dirty="0"/>
+              <a:t>Type dotnet run in terminal to run the program</a:t>
+            </a:r>
+          </a:p>
+          <a:p>
+            <a:r>
+              <a:rPr lang="en-US" dirty="0"/>
+              <a:t>When opening the solution make sure to install the plugin for C#</a:t>
+            </a:r>
+          </a:p>
+        </p:txBody>
+      </p:sp>
+    </p:spTree>
+    <p:extLst>
+      <p:ext uri="{BB962C8B-B14F-4D97-AF65-F5344CB8AC3E}">
+        <p14:creationId xmlns:p14="http://schemas.microsoft.com/office/powerpoint/2010/main" val="1924550638"/>
+      </p:ext>
+    </p:extLst>
+  </p:cSld>
+  <p:clrMapOvr>
+    <a:masterClrMapping/>
+  </p:clrMapOvr>
+</p:sld>
+</file>
+
+<file path=ppt/slides/slide16.xml><?xml version="1.0" encoding="utf-8"?>
+<p:sld xmlns:a="http://schemas.openxmlformats.org/drawingml/2006/main" xmlns:r="http://schemas.openxmlformats.org/officeDocument/2006/relationships" xmlns:p="http://schemas.openxmlformats.org/presentationml/2006/main">
+  <p:cSld>
+    <p:spTree>
+      <p:nvGrpSpPr>
+        <p:cNvPr id="1" name=""/>
+        <p:cNvGrpSpPr/>
+        <p:nvPr/>
+      </p:nvGrpSpPr>
+      <p:grpSpPr>
+        <a:xfrm>
+          <a:off x="0" y="0"/>
+          <a:ext cx="0" cy="0"/>
+          <a:chOff x="0" y="0"/>
+          <a:chExt cx="0" cy="0"/>
+        </a:xfrm>
+      </p:grpSpPr>
+      <p:sp>
+        <p:nvSpPr>
+          <p:cNvPr id="2" name="Title 1">
+            <a:extLst>
+              <a:ext uri="{FF2B5EF4-FFF2-40B4-BE49-F238E27FC236}">
+                <a16:creationId xmlns:a16="http://schemas.microsoft.com/office/drawing/2014/main" id="{1F83F837-3AB3-4E0A-9842-99A658E05F20}"/>
+              </a:ext>
+            </a:extLst>
+          </p:cNvPr>
+          <p:cNvSpPr>
+            <a:spLocks noGrp="1"/>
+          </p:cNvSpPr>
+          <p:nvPr>
+            <p:ph type="title"/>
+          </p:nvPr>
+        </p:nvSpPr>
+        <p:spPr/>
+        <p:txBody>
+          <a:bodyPr/>
+          <a:lstStyle/>
+          <a:p>
+            <a:endParaRPr lang="en-BE"/>
+          </a:p>
+        </p:txBody>
+      </p:sp>
+      <p:sp>
+        <p:nvSpPr>
+          <p:cNvPr id="3" name="Content Placeholder 2">
+            <a:extLst>
+              <a:ext uri="{FF2B5EF4-FFF2-40B4-BE49-F238E27FC236}">
+                <a16:creationId xmlns:a16="http://schemas.microsoft.com/office/drawing/2014/main" id="{1F626BDD-7074-48E8-B030-CAB5BBBE8C6D}"/>
+              </a:ext>
+            </a:extLst>
+          </p:cNvPr>
+          <p:cNvSpPr>
+            <a:spLocks noGrp="1"/>
+          </p:cNvSpPr>
+          <p:nvPr>
+            <p:ph idx="1"/>
+          </p:nvPr>
+        </p:nvSpPr>
+        <p:spPr/>
+        <p:txBody>
+          <a:bodyPr/>
+          <a:lstStyle/>
+          <a:p>
+            <a:endParaRPr lang="en-BE"/>
+          </a:p>
+        </p:txBody>
+      </p:sp>
+    </p:spTree>
+    <p:extLst>
+      <p:ext uri="{BB962C8B-B14F-4D97-AF65-F5344CB8AC3E}">
+        <p14:creationId xmlns:p14="http://schemas.microsoft.com/office/powerpoint/2010/main" val="3124997776"/>
       </p:ext>
     </p:extLst>
   </p:cSld>

--- a/Presentation.pptx
+++ b/Presentation.pptx
@@ -5,7 +5,7 @@
     <p:sldMasterId id="2147483840" r:id="rId1"/>
   </p:sldMasterIdLst>
   <p:notesMasterIdLst>
-    <p:notesMasterId r:id="rId18"/>
+    <p:notesMasterId r:id="rId20"/>
   </p:notesMasterIdLst>
   <p:sldIdLst>
     <p:sldId id="256" r:id="rId2"/>
@@ -24,6 +24,8 @@
     <p:sldId id="270" r:id="rId15"/>
     <p:sldId id="271" r:id="rId16"/>
     <p:sldId id="272" r:id="rId17"/>
+    <p:sldId id="273" r:id="rId18"/>
+    <p:sldId id="274" r:id="rId19"/>
   </p:sldIdLst>
   <p:sldSz cx="12192000" cy="6858000"/>
   <p:notesSz cx="6858000" cy="9144000"/>
@@ -151,6 +153,12 @@
             <p14:sldId id="270"/>
             <p14:sldId id="271"/>
             <p14:sldId id="272"/>
+            <p14:sldId id="273"/>
+          </p14:sldIdLst>
+        </p14:section>
+        <p14:section name="Exercises" id="{2FA21AB3-10A1-4219-9939-A272B3DBACEC}">
+          <p14:sldIdLst>
+            <p14:sldId id="274"/>
           </p14:sldIdLst>
         </p14:section>
       </p14:sectionLst>
@@ -244,7 +252,7 @@
           <a:p>
             <a:fld id="{A27FBE8F-6136-40DC-AF55-4DBA9E8E089E}" type="datetimeFigureOut">
               <a:rPr lang="en-BE" smtClean="0"/>
-              <a:t>10/01/2020</a:t>
+              <a:t>11/01/2020</a:t>
             </a:fld>
             <a:endParaRPr lang="en-BE"/>
           </a:p>
@@ -825,7 +833,7 @@
             <a:fld id="{5586B75A-687E-405C-8A0B-8D00578BA2C3}" type="datetimeFigureOut">
               <a:rPr lang="en-US" dirty="0"/>
               <a:pPr/>
-              <a:t>1/10/2020</a:t>
+              <a:t>1/11/2020</a:t>
             </a:fld>
             <a:endParaRPr lang="en-US" dirty="0"/>
           </a:p>
@@ -992,7 +1000,7 @@
             <a:fld id="{5586B75A-687E-405C-8A0B-8D00578BA2C3}" type="datetimeFigureOut">
               <a:rPr lang="en-US" dirty="0"/>
               <a:pPr/>
-              <a:t>1/10/2020</a:t>
+              <a:t>1/11/2020</a:t>
             </a:fld>
             <a:endParaRPr lang="en-US" dirty="0"/>
           </a:p>
@@ -1169,7 +1177,7 @@
             <a:fld id="{5586B75A-687E-405C-8A0B-8D00578BA2C3}" type="datetimeFigureOut">
               <a:rPr lang="en-US" dirty="0"/>
               <a:pPr/>
-              <a:t>1/10/2020</a:t>
+              <a:t>1/11/2020</a:t>
             </a:fld>
             <a:endParaRPr lang="en-US" dirty="0"/>
           </a:p>
@@ -1336,7 +1344,7 @@
             <a:fld id="{5586B75A-687E-405C-8A0B-8D00578BA2C3}" type="datetimeFigureOut">
               <a:rPr lang="en-US" dirty="0"/>
               <a:pPr/>
-              <a:t>1/10/2020</a:t>
+              <a:t>1/11/2020</a:t>
             </a:fld>
             <a:endParaRPr lang="en-US" dirty="0"/>
           </a:p>
@@ -1587,7 +1595,7 @@
             <a:fld id="{5586B75A-687E-405C-8A0B-8D00578BA2C3}" type="datetimeFigureOut">
               <a:rPr lang="en-US" dirty="0"/>
               <a:pPr/>
-              <a:t>1/10/2020</a:t>
+              <a:t>1/11/2020</a:t>
             </a:fld>
             <a:endParaRPr lang="en-US" dirty="0"/>
           </a:p>
@@ -1872,7 +1880,7 @@
             <a:fld id="{5586B75A-687E-405C-8A0B-8D00578BA2C3}" type="datetimeFigureOut">
               <a:rPr lang="en-US" dirty="0"/>
               <a:pPr/>
-              <a:t>1/10/2020</a:t>
+              <a:t>1/11/2020</a:t>
             </a:fld>
             <a:endParaRPr lang="en-US" dirty="0"/>
           </a:p>
@@ -2311,7 +2319,7 @@
             <a:fld id="{5586B75A-687E-405C-8A0B-8D00578BA2C3}" type="datetimeFigureOut">
               <a:rPr lang="en-US" dirty="0"/>
               <a:pPr/>
-              <a:t>1/10/2020</a:t>
+              <a:t>1/11/2020</a:t>
             </a:fld>
             <a:endParaRPr lang="en-US" dirty="0"/>
           </a:p>
@@ -2426,7 +2434,7 @@
             <a:fld id="{5586B75A-687E-405C-8A0B-8D00578BA2C3}" type="datetimeFigureOut">
               <a:rPr lang="en-US" dirty="0"/>
               <a:pPr/>
-              <a:t>1/10/2020</a:t>
+              <a:t>1/11/2020</a:t>
             </a:fld>
             <a:endParaRPr lang="en-US" dirty="0"/>
           </a:p>
@@ -2518,7 +2526,7 @@
             <a:fld id="{5586B75A-687E-405C-8A0B-8D00578BA2C3}" type="datetimeFigureOut">
               <a:rPr lang="en-US" dirty="0"/>
               <a:pPr/>
-              <a:t>1/10/2020</a:t>
+              <a:t>1/11/2020</a:t>
             </a:fld>
             <a:endParaRPr lang="en-US" dirty="0"/>
           </a:p>
@@ -2803,7 +2811,7 @@
             <a:fld id="{5586B75A-687E-405C-8A0B-8D00578BA2C3}" type="datetimeFigureOut">
               <a:rPr lang="en-US" dirty="0"/>
               <a:pPr/>
-              <a:t>1/10/2020</a:t>
+              <a:t>1/11/2020</a:t>
             </a:fld>
             <a:endParaRPr lang="en-US" dirty="0"/>
           </a:p>
@@ -3073,7 +3081,7 @@
             <a:fld id="{5586B75A-687E-405C-8A0B-8D00578BA2C3}" type="datetimeFigureOut">
               <a:rPr lang="en-US" dirty="0"/>
               <a:pPr/>
-              <a:t>1/10/2020</a:t>
+              <a:t>1/11/2020</a:t>
             </a:fld>
             <a:endParaRPr lang="en-US" dirty="0"/>
           </a:p>
@@ -3367,7 +3375,7 @@
             <a:fld id="{5586B75A-687E-405C-8A0B-8D00578BA2C3}" type="datetimeFigureOut">
               <a:rPr lang="en-US" dirty="0"/>
               <a:pPr/>
-              <a:t>1/10/2020</a:t>
+              <a:t>1/11/2020</a:t>
             </a:fld>
             <a:endParaRPr lang="en-US" dirty="0"/>
           </a:p>
@@ -4613,6 +4621,14 @@
 <file path=ppt/slides/slide16.xml><?xml version="1.0" encoding="utf-8"?>
 <p:sld xmlns:a="http://schemas.openxmlformats.org/drawingml/2006/main" xmlns:r="http://schemas.openxmlformats.org/officeDocument/2006/relationships" xmlns:p="http://schemas.openxmlformats.org/presentationml/2006/main">
   <p:cSld>
+    <p:bg>
+      <p:bgPr>
+        <a:solidFill>
+          <a:schemeClr val="bg1"/>
+        </a:solidFill>
+        <a:effectLst/>
+      </p:bgPr>
+    </p:bg>
     <p:spTree>
       <p:nvGrpSpPr>
         <p:cNvPr id="1" name=""/>
@@ -4629,6 +4645,173 @@
       </p:grpSpPr>
       <p:sp>
         <p:nvSpPr>
+          <p:cNvPr id="34" name="Rectangle 33">
+            <a:extLst>
+              <a:ext uri="{FF2B5EF4-FFF2-40B4-BE49-F238E27FC236}">
+                <a16:creationId xmlns:a16="http://schemas.microsoft.com/office/drawing/2014/main" id="{C9EC6C74-53A2-4F7F-B1BA-11496B105E94}"/>
+              </a:ext>
+              <a:ext uri="{C183D7F6-B498-43B3-948B-1728B52AA6E4}">
+                <adec:decorative xmlns:adec="http://schemas.microsoft.com/office/drawing/2017/decorative" val="1"/>
+              </a:ext>
+            </a:extLst>
+          </p:cNvPr>
+          <p:cNvSpPr>
+            <a:spLocks noGrp="1" noRot="1" noChangeAspect="1" noMove="1" noResize="1" noEditPoints="1" noAdjustHandles="1" noChangeArrowheads="1" noChangeShapeType="1" noTextEdit="1"/>
+          </p:cNvSpPr>
+          <p:nvPr>
+            <p:extLst>
+              <p:ext uri="{386F3935-93C4-4BCD-93E2-E3B085C9AB24}">
+                <p16:designElem xmlns:p16="http://schemas.microsoft.com/office/powerpoint/2015/main" val="1"/>
+              </p:ext>
+            </p:extLst>
+          </p:nvPr>
+        </p:nvSpPr>
+        <p:spPr>
+          <a:xfrm>
+            <a:off x="1" y="758952"/>
+            <a:ext cx="3443590" cy="5330952"/>
+          </a:xfrm>
+          <a:prstGeom prst="rect">
+            <a:avLst/>
+          </a:prstGeom>
+          <a:solidFill>
+            <a:schemeClr val="accent1"/>
+          </a:solidFill>
+          <a:ln>
+            <a:noFill/>
+          </a:ln>
+        </p:spPr>
+        <p:style>
+          <a:lnRef idx="2">
+            <a:schemeClr val="accent1">
+              <a:shade val="50000"/>
+            </a:schemeClr>
+          </a:lnRef>
+          <a:fillRef idx="1">
+            <a:schemeClr val="accent1"/>
+          </a:fillRef>
+          <a:effectRef idx="0">
+            <a:schemeClr val="accent1"/>
+          </a:effectRef>
+          <a:fontRef idx="minor">
+            <a:schemeClr val="lt1"/>
+          </a:fontRef>
+        </p:style>
+      </p:sp>
+      <p:sp>
+        <p:nvSpPr>
+          <p:cNvPr id="36" name="Rectangle 35">
+            <a:extLst>
+              <a:ext uri="{FF2B5EF4-FFF2-40B4-BE49-F238E27FC236}">
+                <a16:creationId xmlns:a16="http://schemas.microsoft.com/office/drawing/2014/main" id="{6B21CDB9-62E9-478E-ADD6-D1595D57A3A8}"/>
+              </a:ext>
+              <a:ext uri="{C183D7F6-B498-43B3-948B-1728B52AA6E4}">
+                <adec:decorative xmlns:adec="http://schemas.microsoft.com/office/drawing/2017/decorative" val="1"/>
+              </a:ext>
+            </a:extLst>
+          </p:cNvPr>
+          <p:cNvSpPr>
+            <a:spLocks noGrp="1" noRot="1" noChangeAspect="1" noMove="1" noResize="1" noEditPoints="1" noAdjustHandles="1" noChangeArrowheads="1" noChangeShapeType="1" noTextEdit="1"/>
+          </p:cNvSpPr>
+          <p:nvPr>
+            <p:extLst>
+              <p:ext uri="{386F3935-93C4-4BCD-93E2-E3B085C9AB24}">
+                <p16:designElem xmlns:p16="http://schemas.microsoft.com/office/powerpoint/2015/main" val="1"/>
+              </p:ext>
+            </p:extLst>
+          </p:nvPr>
+        </p:nvSpPr>
+        <p:spPr>
+          <a:xfrm>
+            <a:off x="11815864" y="758952"/>
+            <a:ext cx="384048" cy="5330952"/>
+          </a:xfrm>
+          <a:prstGeom prst="rect">
+            <a:avLst/>
+          </a:prstGeom>
+          <a:solidFill>
+            <a:srgbClr val="C8C8C8">
+              <a:alpha val="49804"/>
+            </a:srgbClr>
+          </a:solidFill>
+          <a:ln>
+            <a:noFill/>
+          </a:ln>
+        </p:spPr>
+        <p:style>
+          <a:lnRef idx="2">
+            <a:schemeClr val="accent1">
+              <a:shade val="50000"/>
+            </a:schemeClr>
+          </a:lnRef>
+          <a:fillRef idx="1">
+            <a:schemeClr val="accent1"/>
+          </a:fillRef>
+          <a:effectRef idx="0">
+            <a:schemeClr val="accent1"/>
+          </a:effectRef>
+          <a:fontRef idx="minor">
+            <a:schemeClr val="lt1"/>
+          </a:fontRef>
+        </p:style>
+      </p:sp>
+      <p:sp>
+        <p:nvSpPr>
+          <p:cNvPr id="38" name="Rectangle 37">
+            <a:extLst>
+              <a:ext uri="{FF2B5EF4-FFF2-40B4-BE49-F238E27FC236}">
+                <a16:creationId xmlns:a16="http://schemas.microsoft.com/office/drawing/2014/main" id="{2C646E12-0101-4F38-BE55-A8B73816D400}"/>
+              </a:ext>
+              <a:ext uri="{C183D7F6-B498-43B3-948B-1728B52AA6E4}">
+                <adec:decorative xmlns:adec="http://schemas.microsoft.com/office/drawing/2017/decorative" val="1"/>
+              </a:ext>
+            </a:extLst>
+          </p:cNvPr>
+          <p:cNvSpPr>
+            <a:spLocks noGrp="1" noRot="1" noChangeAspect="1" noMove="1" noResize="1" noEditPoints="1" noAdjustHandles="1" noChangeArrowheads="1" noChangeShapeType="1" noTextEdit="1"/>
+          </p:cNvSpPr>
+          <p:nvPr>
+            <p:extLst>
+              <p:ext uri="{386F3935-93C4-4BCD-93E2-E3B085C9AB24}">
+                <p16:designElem xmlns:p16="http://schemas.microsoft.com/office/powerpoint/2015/main" val="1"/>
+              </p:ext>
+            </p:extLst>
+          </p:nvPr>
+        </p:nvSpPr>
+        <p:spPr>
+          <a:xfrm>
+            <a:off x="1" y="759599"/>
+            <a:ext cx="4642228" cy="5334001"/>
+          </a:xfrm>
+          <a:prstGeom prst="rect">
+            <a:avLst/>
+          </a:prstGeom>
+          <a:solidFill>
+            <a:schemeClr val="accent1"/>
+          </a:solidFill>
+          <a:ln>
+            <a:noFill/>
+          </a:ln>
+        </p:spPr>
+        <p:style>
+          <a:lnRef idx="2">
+            <a:schemeClr val="accent1">
+              <a:shade val="50000"/>
+            </a:schemeClr>
+          </a:lnRef>
+          <a:fillRef idx="1">
+            <a:schemeClr val="accent1"/>
+          </a:fillRef>
+          <a:effectRef idx="0">
+            <a:schemeClr val="accent1"/>
+          </a:effectRef>
+          <a:fontRef idx="minor">
+            <a:schemeClr val="lt1"/>
+          </a:fontRef>
+        </p:style>
+      </p:sp>
+      <p:sp>
+        <p:nvSpPr>
           <p:cNvPr id="2" name="Title 1">
             <a:extLst>
               <a:ext uri="{FF2B5EF4-FFF2-40B4-BE49-F238E27FC236}">
@@ -4643,21 +4826,31 @@
             <p:ph type="title"/>
           </p:nvPr>
         </p:nvSpPr>
-        <p:spPr/>
-        <p:txBody>
-          <a:bodyPr/>
-          <a:lstStyle/>
-          <a:p>
-            <a:endParaRPr lang="en-BE"/>
-          </a:p>
-        </p:txBody>
-      </p:sp>
-      <p:sp>
-        <p:nvSpPr>
-          <p:cNvPr id="3" name="Content Placeholder 2">
+        <p:spPr>
+          <a:xfrm>
+            <a:off x="289249" y="1123837"/>
+            <a:ext cx="4016116" cy="1255469"/>
+          </a:xfrm>
+        </p:spPr>
+        <p:txBody>
+          <a:bodyPr vert="horz" lIns="91440" tIns="45720" rIns="91440" bIns="45720" rtlCol="0" anchor="ctr">
+            <a:normAutofit/>
+          </a:bodyPr>
+          <a:lstStyle/>
+          <a:p>
+            <a:r>
+              <a:rPr lang="en-US"/>
+              <a:t>How to start a .NET application</a:t>
+            </a:r>
+          </a:p>
+        </p:txBody>
+      </p:sp>
+      <p:sp>
+        <p:nvSpPr>
+          <p:cNvPr id="19" name="Content Placeholder 2">
             <a:extLst>
               <a:ext uri="{FF2B5EF4-FFF2-40B4-BE49-F238E27FC236}">
-                <a16:creationId xmlns:a16="http://schemas.microsoft.com/office/drawing/2014/main" id="{1F626BDD-7074-48E8-B030-CAB5BBBE8C6D}"/>
+                <a16:creationId xmlns:a16="http://schemas.microsoft.com/office/drawing/2014/main" id="{569FE6F4-9E74-4AFC-A41A-D8918F6A91DA}"/>
               </a:ext>
             </a:extLst>
           </p:cNvPr>
@@ -4668,19 +4861,689 @@
             <p:ph idx="1"/>
           </p:nvPr>
         </p:nvSpPr>
-        <p:spPr/>
-        <p:txBody>
-          <a:bodyPr/>
-          <a:lstStyle/>
-          <a:p>
-            <a:endParaRPr lang="en-BE"/>
-          </a:p>
-        </p:txBody>
-      </p:sp>
+        <p:spPr>
+          <a:xfrm>
+            <a:off x="289249" y="2510395"/>
+            <a:ext cx="4016116" cy="3274586"/>
+          </a:xfrm>
+        </p:spPr>
+        <p:txBody>
+          <a:bodyPr vert="horz" lIns="91440" tIns="45720" rIns="91440" bIns="45720" rtlCol="0" anchor="t">
+            <a:normAutofit/>
+          </a:bodyPr>
+          <a:lstStyle/>
+          <a:p>
+            <a:r>
+              <a:rPr lang="en-US" dirty="0">
+                <a:solidFill>
+                  <a:srgbClr val="FFFFFF"/>
+                </a:solidFill>
+              </a:rPr>
+              <a:t>Reference / Dependency to be used</a:t>
+            </a:r>
+          </a:p>
+          <a:p>
+            <a:r>
+              <a:rPr lang="en-US" dirty="0">
+                <a:solidFill>
+                  <a:srgbClr val="FFFFFF"/>
+                </a:solidFill>
+              </a:rPr>
+              <a:t>Namespace, referring to the project name</a:t>
+            </a:r>
+          </a:p>
+          <a:p>
+            <a:r>
+              <a:rPr lang="en-US" dirty="0">
+                <a:solidFill>
+                  <a:srgbClr val="FFFFFF"/>
+                </a:solidFill>
+              </a:rPr>
+              <a:t>Class Name</a:t>
+            </a:r>
+          </a:p>
+          <a:p>
+            <a:r>
+              <a:rPr lang="en-US" dirty="0">
+                <a:solidFill>
+                  <a:srgbClr val="FFFFFF"/>
+                </a:solidFill>
+              </a:rPr>
+              <a:t>Entry point of a project</a:t>
+            </a:r>
+          </a:p>
+          <a:p>
+            <a:r>
+              <a:rPr lang="en-US" dirty="0">
+                <a:solidFill>
+                  <a:srgbClr val="FFFFFF"/>
+                </a:solidFill>
+              </a:rPr>
+              <a:t>Scope of your code</a:t>
+            </a:r>
+          </a:p>
+        </p:txBody>
+      </p:sp>
+      <p:pic>
+        <p:nvPicPr>
+          <p:cNvPr id="9" name="Content Placeholder 8" descr="A screenshot of a computer screen&#10;&#10;Description automatically generated">
+            <a:extLst>
+              <a:ext uri="{FF2B5EF4-FFF2-40B4-BE49-F238E27FC236}">
+                <a16:creationId xmlns:a16="http://schemas.microsoft.com/office/drawing/2014/main" id="{5F9059BD-235E-4A8B-8F1C-A7D2E2BA417F}"/>
+              </a:ext>
+            </a:extLst>
+          </p:cNvPr>
+          <p:cNvPicPr>
+            <a:picLocks noGrp="1" noChangeAspect="1"/>
+          </p:cNvPicPr>
+          <p:nvPr>
+            <p:ph sz="half" idx="2"/>
+          </p:nvPr>
+        </p:nvPicPr>
+        <p:blipFill>
+          <a:blip r:embed="rId2"/>
+          <a:stretch>
+            <a:fillRect/>
+          </a:stretch>
+        </p:blipFill>
+        <p:spPr>
+          <a:xfrm>
+            <a:off x="5137463" y="1853256"/>
+            <a:ext cx="6193767" cy="3143336"/>
+          </a:xfrm>
+          <a:prstGeom prst="rect">
+            <a:avLst/>
+          </a:prstGeom>
+        </p:spPr>
+      </p:pic>
+      <p:cxnSp>
+        <p:nvCxnSpPr>
+          <p:cNvPr id="31" name="Straight Arrow Connector 30">
+            <a:extLst>
+              <a:ext uri="{FF2B5EF4-FFF2-40B4-BE49-F238E27FC236}">
+                <a16:creationId xmlns:a16="http://schemas.microsoft.com/office/drawing/2014/main" id="{D06EAEC6-7AB7-4DCF-A1D4-C46DBB8A569C}"/>
+              </a:ext>
+            </a:extLst>
+          </p:cNvPr>
+          <p:cNvCxnSpPr/>
+          <p:nvPr/>
+        </p:nvCxnSpPr>
+        <p:spPr>
+          <a:xfrm flipV="1">
+            <a:off x="4305365" y="2379306"/>
+            <a:ext cx="1661802" cy="307333"/>
+          </a:xfrm>
+          <a:prstGeom prst="straightConnector1">
+            <a:avLst/>
+          </a:prstGeom>
+          <a:ln>
+            <a:solidFill>
+              <a:srgbClr val="FF0000"/>
+            </a:solidFill>
+            <a:tailEnd type="triangle"/>
+          </a:ln>
+        </p:spPr>
+        <p:style>
+          <a:lnRef idx="1">
+            <a:schemeClr val="accent1"/>
+          </a:lnRef>
+          <a:fillRef idx="0">
+            <a:schemeClr val="accent1"/>
+          </a:fillRef>
+          <a:effectRef idx="0">
+            <a:schemeClr val="accent1"/>
+          </a:effectRef>
+          <a:fontRef idx="minor">
+            <a:schemeClr val="tx1"/>
+          </a:fontRef>
+        </p:style>
+      </p:cxnSp>
+      <p:cxnSp>
+        <p:nvCxnSpPr>
+          <p:cNvPr id="33" name="Straight Arrow Connector 32">
+            <a:extLst>
+              <a:ext uri="{FF2B5EF4-FFF2-40B4-BE49-F238E27FC236}">
+                <a16:creationId xmlns:a16="http://schemas.microsoft.com/office/drawing/2014/main" id="{2135D4AF-18D5-4D2E-94E1-2C3A6E178E56}"/>
+              </a:ext>
+            </a:extLst>
+          </p:cNvPr>
+          <p:cNvCxnSpPr>
+            <a:cxnSpLocks/>
+          </p:cNvCxnSpPr>
+          <p:nvPr/>
+        </p:nvCxnSpPr>
+        <p:spPr>
+          <a:xfrm flipV="1">
+            <a:off x="3572759" y="2762054"/>
+            <a:ext cx="2290713" cy="666946"/>
+          </a:xfrm>
+          <a:prstGeom prst="straightConnector1">
+            <a:avLst/>
+          </a:prstGeom>
+          <a:ln>
+            <a:solidFill>
+              <a:srgbClr val="FF0000"/>
+            </a:solidFill>
+            <a:tailEnd type="triangle"/>
+          </a:ln>
+        </p:spPr>
+        <p:style>
+          <a:lnRef idx="1">
+            <a:schemeClr val="accent1"/>
+          </a:lnRef>
+          <a:fillRef idx="0">
+            <a:schemeClr val="accent1"/>
+          </a:fillRef>
+          <a:effectRef idx="0">
+            <a:schemeClr val="accent1"/>
+          </a:effectRef>
+          <a:fontRef idx="minor">
+            <a:schemeClr val="tx1"/>
+          </a:fontRef>
+        </p:style>
+      </p:cxnSp>
+      <p:cxnSp>
+        <p:nvCxnSpPr>
+          <p:cNvPr id="37" name="Straight Arrow Connector 36">
+            <a:extLst>
+              <a:ext uri="{FF2B5EF4-FFF2-40B4-BE49-F238E27FC236}">
+                <a16:creationId xmlns:a16="http://schemas.microsoft.com/office/drawing/2014/main" id="{E55ADD46-23B6-49B8-A7B3-E8E3AE81F7A9}"/>
+              </a:ext>
+            </a:extLst>
+          </p:cNvPr>
+          <p:cNvCxnSpPr/>
+          <p:nvPr/>
+        </p:nvCxnSpPr>
+        <p:spPr>
+          <a:xfrm flipV="1">
+            <a:off x="2111604" y="3214540"/>
+            <a:ext cx="4091233" cy="886120"/>
+          </a:xfrm>
+          <a:prstGeom prst="straightConnector1">
+            <a:avLst/>
+          </a:prstGeom>
+          <a:ln>
+            <a:solidFill>
+              <a:srgbClr val="FF0000"/>
+            </a:solidFill>
+            <a:tailEnd type="triangle"/>
+          </a:ln>
+        </p:spPr>
+        <p:style>
+          <a:lnRef idx="1">
+            <a:schemeClr val="accent1"/>
+          </a:lnRef>
+          <a:fillRef idx="0">
+            <a:schemeClr val="accent1"/>
+          </a:fillRef>
+          <a:effectRef idx="0">
+            <a:schemeClr val="accent1"/>
+          </a:effectRef>
+          <a:fontRef idx="minor">
+            <a:schemeClr val="tx1"/>
+          </a:fontRef>
+        </p:style>
+      </p:cxnSp>
+      <p:cxnSp>
+        <p:nvCxnSpPr>
+          <p:cNvPr id="41" name="Straight Arrow Connector 40">
+            <a:extLst>
+              <a:ext uri="{FF2B5EF4-FFF2-40B4-BE49-F238E27FC236}">
+                <a16:creationId xmlns:a16="http://schemas.microsoft.com/office/drawing/2014/main" id="{657AB582-1BCA-4A4D-954A-87F59AAB2933}"/>
+              </a:ext>
+            </a:extLst>
+          </p:cNvPr>
+          <p:cNvCxnSpPr/>
+          <p:nvPr/>
+        </p:nvCxnSpPr>
+        <p:spPr>
+          <a:xfrm flipV="1">
+            <a:off x="3167406" y="3676454"/>
+            <a:ext cx="3308808" cy="848412"/>
+          </a:xfrm>
+          <a:prstGeom prst="straightConnector1">
+            <a:avLst/>
+          </a:prstGeom>
+          <a:ln>
+            <a:solidFill>
+              <a:srgbClr val="FF0000"/>
+            </a:solidFill>
+            <a:tailEnd type="triangle"/>
+          </a:ln>
+        </p:spPr>
+        <p:style>
+          <a:lnRef idx="1">
+            <a:schemeClr val="accent1"/>
+          </a:lnRef>
+          <a:fillRef idx="0">
+            <a:schemeClr val="accent1"/>
+          </a:fillRef>
+          <a:effectRef idx="0">
+            <a:schemeClr val="accent1"/>
+          </a:effectRef>
+          <a:fontRef idx="minor">
+            <a:schemeClr val="tx1"/>
+          </a:fontRef>
+        </p:style>
+      </p:cxnSp>
+      <p:cxnSp>
+        <p:nvCxnSpPr>
+          <p:cNvPr id="43" name="Straight Arrow Connector 42">
+            <a:extLst>
+              <a:ext uri="{FF2B5EF4-FFF2-40B4-BE49-F238E27FC236}">
+                <a16:creationId xmlns:a16="http://schemas.microsoft.com/office/drawing/2014/main" id="{0D365A39-8D46-490C-9DD5-47B4C87352B3}"/>
+              </a:ext>
+            </a:extLst>
+          </p:cNvPr>
+          <p:cNvCxnSpPr/>
+          <p:nvPr/>
+        </p:nvCxnSpPr>
+        <p:spPr>
+          <a:xfrm flipV="1">
+            <a:off x="2733773" y="4025245"/>
+            <a:ext cx="4044099" cy="971347"/>
+          </a:xfrm>
+          <a:prstGeom prst="straightConnector1">
+            <a:avLst/>
+          </a:prstGeom>
+          <a:ln>
+            <a:solidFill>
+              <a:srgbClr val="FF0000"/>
+            </a:solidFill>
+            <a:tailEnd type="triangle"/>
+          </a:ln>
+        </p:spPr>
+        <p:style>
+          <a:lnRef idx="1">
+            <a:schemeClr val="accent1"/>
+          </a:lnRef>
+          <a:fillRef idx="0">
+            <a:schemeClr val="accent1"/>
+          </a:fillRef>
+          <a:effectRef idx="0">
+            <a:schemeClr val="accent1"/>
+          </a:effectRef>
+          <a:fontRef idx="minor">
+            <a:schemeClr val="tx1"/>
+          </a:fontRef>
+        </p:style>
+      </p:cxnSp>
     </p:spTree>
     <p:extLst>
       <p:ext uri="{BB962C8B-B14F-4D97-AF65-F5344CB8AC3E}">
         <p14:creationId xmlns:p14="http://schemas.microsoft.com/office/powerpoint/2010/main" val="3124997776"/>
+      </p:ext>
+    </p:extLst>
+  </p:cSld>
+  <p:clrMapOvr>
+    <a:masterClrMapping/>
+  </p:clrMapOvr>
+</p:sld>
+</file>
+
+<file path=ppt/slides/slide17.xml><?xml version="1.0" encoding="utf-8"?>
+<p:sld xmlns:a="http://schemas.openxmlformats.org/drawingml/2006/main" xmlns:r="http://schemas.openxmlformats.org/officeDocument/2006/relationships" xmlns:p="http://schemas.openxmlformats.org/presentationml/2006/main">
+  <p:cSld>
+    <p:bg>
+      <p:bgPr>
+        <a:solidFill>
+          <a:schemeClr val="bg1"/>
+        </a:solidFill>
+        <a:effectLst/>
+      </p:bgPr>
+    </p:bg>
+    <p:spTree>
+      <p:nvGrpSpPr>
+        <p:cNvPr id="1" name=""/>
+        <p:cNvGrpSpPr/>
+        <p:nvPr/>
+      </p:nvGrpSpPr>
+      <p:grpSpPr>
+        <a:xfrm>
+          <a:off x="0" y="0"/>
+          <a:ext cx="0" cy="0"/>
+          <a:chOff x="0" y="0"/>
+          <a:chExt cx="0" cy="0"/>
+        </a:xfrm>
+      </p:grpSpPr>
+      <p:sp>
+        <p:nvSpPr>
+          <p:cNvPr id="22" name="Rectangle 21">
+            <a:extLst>
+              <a:ext uri="{FF2B5EF4-FFF2-40B4-BE49-F238E27FC236}">
+                <a16:creationId xmlns:a16="http://schemas.microsoft.com/office/drawing/2014/main" id="{2C646E12-0101-4F38-BE55-A8B73816D400}"/>
+              </a:ext>
+              <a:ext uri="{C183D7F6-B498-43B3-948B-1728B52AA6E4}">
+                <adec:decorative xmlns:adec="http://schemas.microsoft.com/office/drawing/2017/decorative" val="1"/>
+              </a:ext>
+            </a:extLst>
+          </p:cNvPr>
+          <p:cNvSpPr>
+            <a:spLocks noGrp="1" noRot="1" noChangeAspect="1" noMove="1" noResize="1" noEditPoints="1" noAdjustHandles="1" noChangeArrowheads="1" noChangeShapeType="1" noTextEdit="1"/>
+          </p:cNvSpPr>
+          <p:nvPr>
+            <p:extLst>
+              <p:ext uri="{386F3935-93C4-4BCD-93E2-E3B085C9AB24}">
+                <p16:designElem xmlns:p16="http://schemas.microsoft.com/office/powerpoint/2015/main" val="1"/>
+              </p:ext>
+            </p:extLst>
+          </p:nvPr>
+        </p:nvSpPr>
+        <p:spPr>
+          <a:xfrm>
+            <a:off x="1" y="759599"/>
+            <a:ext cx="4642228" cy="5334001"/>
+          </a:xfrm>
+          <a:prstGeom prst="rect">
+            <a:avLst/>
+          </a:prstGeom>
+          <a:solidFill>
+            <a:schemeClr val="accent1"/>
+          </a:solidFill>
+          <a:ln>
+            <a:noFill/>
+          </a:ln>
+        </p:spPr>
+        <p:style>
+          <a:lnRef idx="2">
+            <a:schemeClr val="accent1">
+              <a:shade val="50000"/>
+            </a:schemeClr>
+          </a:lnRef>
+          <a:fillRef idx="1">
+            <a:schemeClr val="accent1"/>
+          </a:fillRef>
+          <a:effectRef idx="0">
+            <a:schemeClr val="accent1"/>
+          </a:effectRef>
+          <a:fontRef idx="minor">
+            <a:schemeClr val="lt1"/>
+          </a:fontRef>
+        </p:style>
+      </p:sp>
+      <p:sp>
+        <p:nvSpPr>
+          <p:cNvPr id="8" name="Title 7">
+            <a:extLst>
+              <a:ext uri="{FF2B5EF4-FFF2-40B4-BE49-F238E27FC236}">
+                <a16:creationId xmlns:a16="http://schemas.microsoft.com/office/drawing/2014/main" id="{4E0D11F0-278C-4825-AF5A-45645407A46D}"/>
+              </a:ext>
+            </a:extLst>
+          </p:cNvPr>
+          <p:cNvSpPr>
+            <a:spLocks noGrp="1"/>
+          </p:cNvSpPr>
+          <p:nvPr>
+            <p:ph type="title"/>
+          </p:nvPr>
+        </p:nvSpPr>
+        <p:spPr>
+          <a:xfrm>
+            <a:off x="289249" y="1123837"/>
+            <a:ext cx="4016116" cy="1255469"/>
+          </a:xfrm>
+        </p:spPr>
+        <p:txBody>
+          <a:bodyPr>
+            <a:normAutofit/>
+          </a:bodyPr>
+          <a:lstStyle/>
+          <a:p>
+            <a:r>
+              <a:rPr lang="en-US" dirty="0"/>
+              <a:t>Solution vs Project vs  Class </a:t>
+            </a:r>
+            <a:endParaRPr lang="en-BE" dirty="0"/>
+          </a:p>
+        </p:txBody>
+      </p:sp>
+      <p:sp>
+        <p:nvSpPr>
+          <p:cNvPr id="19" name="Content Placeholder 18">
+            <a:extLst>
+              <a:ext uri="{FF2B5EF4-FFF2-40B4-BE49-F238E27FC236}">
+                <a16:creationId xmlns:a16="http://schemas.microsoft.com/office/drawing/2014/main" id="{4E384A84-A8A1-4E18-9292-4AC42993F2DD}"/>
+              </a:ext>
+            </a:extLst>
+          </p:cNvPr>
+          <p:cNvSpPr>
+            <a:spLocks noGrp="1"/>
+          </p:cNvSpPr>
+          <p:nvPr>
+            <p:ph idx="1"/>
+          </p:nvPr>
+        </p:nvSpPr>
+        <p:spPr>
+          <a:xfrm>
+            <a:off x="289249" y="2510395"/>
+            <a:ext cx="4016116" cy="3274586"/>
+          </a:xfrm>
+        </p:spPr>
+        <p:txBody>
+          <a:bodyPr anchor="t">
+            <a:normAutofit/>
+          </a:bodyPr>
+          <a:lstStyle/>
+          <a:p>
+            <a:r>
+              <a:rPr lang="en-US" dirty="0">
+                <a:solidFill>
+                  <a:srgbClr val="FFFFFF"/>
+                </a:solidFill>
+              </a:rPr>
+              <a:t>Solution groups several related projects</a:t>
+            </a:r>
+          </a:p>
+          <a:p>
+            <a:r>
+              <a:rPr lang="en-US" dirty="0">
+                <a:solidFill>
+                  <a:srgbClr val="FFFFFF"/>
+                </a:solidFill>
+              </a:rPr>
+              <a:t>You open Visual Studio from the solution level</a:t>
+            </a:r>
+          </a:p>
+          <a:p>
+            <a:r>
+              <a:rPr lang="en-US" dirty="0">
+                <a:solidFill>
+                  <a:srgbClr val="FFFFFF"/>
+                </a:solidFill>
+              </a:rPr>
+              <a:t>Projects is where you group code related classes together</a:t>
+            </a:r>
+          </a:p>
+          <a:p>
+            <a:r>
+              <a:rPr lang="en-US" dirty="0">
+                <a:solidFill>
+                  <a:srgbClr val="FFFFFF"/>
+                </a:solidFill>
+              </a:rPr>
+              <a:t>Class is where you write your code</a:t>
+            </a:r>
+          </a:p>
+        </p:txBody>
+      </p:sp>
+      <p:pic>
+        <p:nvPicPr>
+          <p:cNvPr id="15" name="Content Placeholder 14" descr="A screen shot of a smart phone&#10;&#10;Description automatically generated">
+            <a:extLst>
+              <a:ext uri="{FF2B5EF4-FFF2-40B4-BE49-F238E27FC236}">
+                <a16:creationId xmlns:a16="http://schemas.microsoft.com/office/drawing/2014/main" id="{DE3B9940-677E-4FF5-9F14-6C6A94D57628}"/>
+              </a:ext>
+            </a:extLst>
+          </p:cNvPr>
+          <p:cNvPicPr>
+            <a:picLocks noChangeAspect="1"/>
+          </p:cNvPicPr>
+          <p:nvPr/>
+        </p:nvPicPr>
+        <p:blipFill>
+          <a:blip r:embed="rId2"/>
+          <a:stretch>
+            <a:fillRect/>
+          </a:stretch>
+        </p:blipFill>
+        <p:spPr>
+          <a:xfrm>
+            <a:off x="5137463" y="951439"/>
+            <a:ext cx="6193767" cy="4946969"/>
+          </a:xfrm>
+          <a:prstGeom prst="rect">
+            <a:avLst/>
+          </a:prstGeom>
+        </p:spPr>
+      </p:pic>
+    </p:spTree>
+    <p:extLst>
+      <p:ext uri="{BB962C8B-B14F-4D97-AF65-F5344CB8AC3E}">
+        <p14:creationId xmlns:p14="http://schemas.microsoft.com/office/powerpoint/2010/main" val="3462096277"/>
+      </p:ext>
+    </p:extLst>
+  </p:cSld>
+  <p:clrMapOvr>
+    <a:masterClrMapping/>
+  </p:clrMapOvr>
+</p:sld>
+</file>
+
+<file path=ppt/slides/slide18.xml><?xml version="1.0" encoding="utf-8"?>
+<p:sld xmlns:a="http://schemas.openxmlformats.org/drawingml/2006/main" xmlns:r="http://schemas.openxmlformats.org/officeDocument/2006/relationships" xmlns:p="http://schemas.openxmlformats.org/presentationml/2006/main">
+  <p:cSld>
+    <p:spTree>
+      <p:nvGrpSpPr>
+        <p:cNvPr id="1" name=""/>
+        <p:cNvGrpSpPr/>
+        <p:nvPr/>
+      </p:nvGrpSpPr>
+      <p:grpSpPr>
+        <a:xfrm>
+          <a:off x="0" y="0"/>
+          <a:ext cx="0" cy="0"/>
+          <a:chOff x="0" y="0"/>
+          <a:chExt cx="0" cy="0"/>
+        </a:xfrm>
+      </p:grpSpPr>
+      <p:sp>
+        <p:nvSpPr>
+          <p:cNvPr id="2" name="Title 1">
+            <a:extLst>
+              <a:ext uri="{FF2B5EF4-FFF2-40B4-BE49-F238E27FC236}">
+                <a16:creationId xmlns:a16="http://schemas.microsoft.com/office/drawing/2014/main" id="{161C468A-4651-4300-9A13-25EB6E0E165B}"/>
+              </a:ext>
+            </a:extLst>
+          </p:cNvPr>
+          <p:cNvSpPr>
+            <a:spLocks noGrp="1"/>
+          </p:cNvSpPr>
+          <p:nvPr>
+            <p:ph type="title"/>
+          </p:nvPr>
+        </p:nvSpPr>
+        <p:spPr/>
+        <p:txBody>
+          <a:bodyPr/>
+          <a:lstStyle/>
+          <a:p>
+            <a:r>
+              <a:rPr lang="en-US" dirty="0"/>
+              <a:t>Exercises</a:t>
+            </a:r>
+            <a:endParaRPr lang="en-BE" dirty="0"/>
+          </a:p>
+        </p:txBody>
+      </p:sp>
+      <p:sp>
+        <p:nvSpPr>
+          <p:cNvPr id="3" name="Content Placeholder 2">
+            <a:extLst>
+              <a:ext uri="{FF2B5EF4-FFF2-40B4-BE49-F238E27FC236}">
+                <a16:creationId xmlns:a16="http://schemas.microsoft.com/office/drawing/2014/main" id="{9F76277A-830E-4645-82DD-7B5CCEA15E0A}"/>
+              </a:ext>
+            </a:extLst>
+          </p:cNvPr>
+          <p:cNvSpPr>
+            <a:spLocks noGrp="1"/>
+          </p:cNvSpPr>
+          <p:nvPr>
+            <p:ph idx="1"/>
+          </p:nvPr>
+        </p:nvSpPr>
+        <p:spPr/>
+        <p:txBody>
+          <a:bodyPr/>
+          <a:lstStyle/>
+          <a:p>
+            <a:r>
+              <a:rPr lang="en-US" dirty="0"/>
+              <a:t>Console Class</a:t>
+            </a:r>
+          </a:p>
+          <a:p>
+            <a:r>
+              <a:rPr lang="en-US" dirty="0"/>
+              <a:t>Data Types</a:t>
+            </a:r>
+          </a:p>
+          <a:p>
+            <a:r>
+              <a:rPr lang="en-US" dirty="0"/>
+              <a:t>Functions</a:t>
+            </a:r>
+          </a:p>
+          <a:p>
+            <a:r>
+              <a:rPr lang="en-US" dirty="0"/>
+              <a:t>Loops</a:t>
+            </a:r>
+          </a:p>
+          <a:p>
+            <a:r>
+              <a:rPr lang="en-US" dirty="0"/>
+              <a:t>Collections (Array, List, etc.)</a:t>
+            </a:r>
+          </a:p>
+          <a:p>
+            <a:r>
+              <a:rPr lang="en-US" dirty="0"/>
+              <a:t>LINQ</a:t>
+            </a:r>
+          </a:p>
+          <a:p>
+            <a:r>
+              <a:rPr lang="en-US" dirty="0"/>
+              <a:t>Classes</a:t>
+            </a:r>
+          </a:p>
+          <a:p>
+            <a:r>
+              <a:rPr lang="en-US" dirty="0"/>
+              <a:t>Access modifiers</a:t>
+            </a:r>
+          </a:p>
+          <a:p>
+            <a:r>
+              <a:rPr lang="en-US" dirty="0"/>
+              <a:t>Unit Testing</a:t>
+            </a:r>
+          </a:p>
+          <a:p>
+            <a:r>
+              <a:rPr lang="en-US" dirty="0"/>
+              <a:t>NuGet Packages</a:t>
+            </a:r>
+          </a:p>
+          <a:p>
+            <a:endParaRPr lang="en-BE" dirty="0"/>
+          </a:p>
+        </p:txBody>
+      </p:sp>
+    </p:spTree>
+    <p:extLst>
+      <p:ext uri="{BB962C8B-B14F-4D97-AF65-F5344CB8AC3E}">
+        <p14:creationId xmlns:p14="http://schemas.microsoft.com/office/powerpoint/2010/main" val="1905365514"/>
       </p:ext>
     </p:extLst>
   </p:cSld>

--- a/Presentation.pptx
+++ b/Presentation.pptx
@@ -5,7 +5,7 @@
     <p:sldMasterId id="2147483840" r:id="rId1"/>
   </p:sldMasterIdLst>
   <p:notesMasterIdLst>
-    <p:notesMasterId r:id="rId20"/>
+    <p:notesMasterId r:id="rId22"/>
   </p:notesMasterIdLst>
   <p:sldIdLst>
     <p:sldId id="256" r:id="rId2"/>
@@ -26,6 +26,8 @@
     <p:sldId id="272" r:id="rId17"/>
     <p:sldId id="273" r:id="rId18"/>
     <p:sldId id="274" r:id="rId19"/>
+    <p:sldId id="275" r:id="rId20"/>
+    <p:sldId id="276" r:id="rId21"/>
   </p:sldIdLst>
   <p:sldSz cx="12192000" cy="6858000"/>
   <p:notesSz cx="6858000" cy="9144000"/>
@@ -159,6 +161,8 @@
         <p14:section name="Exercises" id="{2FA21AB3-10A1-4219-9939-A272B3DBACEC}">
           <p14:sldIdLst>
             <p14:sldId id="274"/>
+            <p14:sldId id="275"/>
+            <p14:sldId id="276"/>
           </p14:sldIdLst>
         </p14:section>
       </p14:sectionLst>
@@ -252,7 +256,7 @@
           <a:p>
             <a:fld id="{A27FBE8F-6136-40DC-AF55-4DBA9E8E089E}" type="datetimeFigureOut">
               <a:rPr lang="en-BE" smtClean="0"/>
-              <a:t>11/01/2020</a:t>
+              <a:t>13/01/2020</a:t>
             </a:fld>
             <a:endParaRPr lang="en-BE"/>
           </a:p>
@@ -833,7 +837,7 @@
             <a:fld id="{5586B75A-687E-405C-8A0B-8D00578BA2C3}" type="datetimeFigureOut">
               <a:rPr lang="en-US" dirty="0"/>
               <a:pPr/>
-              <a:t>1/11/2020</a:t>
+              <a:t>1/13/2020</a:t>
             </a:fld>
             <a:endParaRPr lang="en-US" dirty="0"/>
           </a:p>
@@ -1000,7 +1004,7 @@
             <a:fld id="{5586B75A-687E-405C-8A0B-8D00578BA2C3}" type="datetimeFigureOut">
               <a:rPr lang="en-US" dirty="0"/>
               <a:pPr/>
-              <a:t>1/11/2020</a:t>
+              <a:t>1/13/2020</a:t>
             </a:fld>
             <a:endParaRPr lang="en-US" dirty="0"/>
           </a:p>
@@ -1177,7 +1181,7 @@
             <a:fld id="{5586B75A-687E-405C-8A0B-8D00578BA2C3}" type="datetimeFigureOut">
               <a:rPr lang="en-US" dirty="0"/>
               <a:pPr/>
-              <a:t>1/11/2020</a:t>
+              <a:t>1/13/2020</a:t>
             </a:fld>
             <a:endParaRPr lang="en-US" dirty="0"/>
           </a:p>
@@ -1344,7 +1348,7 @@
             <a:fld id="{5586B75A-687E-405C-8A0B-8D00578BA2C3}" type="datetimeFigureOut">
               <a:rPr lang="en-US" dirty="0"/>
               <a:pPr/>
-              <a:t>1/11/2020</a:t>
+              <a:t>1/13/2020</a:t>
             </a:fld>
             <a:endParaRPr lang="en-US" dirty="0"/>
           </a:p>
@@ -1595,7 +1599,7 @@
             <a:fld id="{5586B75A-687E-405C-8A0B-8D00578BA2C3}" type="datetimeFigureOut">
               <a:rPr lang="en-US" dirty="0"/>
               <a:pPr/>
-              <a:t>1/11/2020</a:t>
+              <a:t>1/13/2020</a:t>
             </a:fld>
             <a:endParaRPr lang="en-US" dirty="0"/>
           </a:p>
@@ -1880,7 +1884,7 @@
             <a:fld id="{5586B75A-687E-405C-8A0B-8D00578BA2C3}" type="datetimeFigureOut">
               <a:rPr lang="en-US" dirty="0"/>
               <a:pPr/>
-              <a:t>1/11/2020</a:t>
+              <a:t>1/13/2020</a:t>
             </a:fld>
             <a:endParaRPr lang="en-US" dirty="0"/>
           </a:p>
@@ -2319,7 +2323,7 @@
             <a:fld id="{5586B75A-687E-405C-8A0B-8D00578BA2C3}" type="datetimeFigureOut">
               <a:rPr lang="en-US" dirty="0"/>
               <a:pPr/>
-              <a:t>1/11/2020</a:t>
+              <a:t>1/13/2020</a:t>
             </a:fld>
             <a:endParaRPr lang="en-US" dirty="0"/>
           </a:p>
@@ -2434,7 +2438,7 @@
             <a:fld id="{5586B75A-687E-405C-8A0B-8D00578BA2C3}" type="datetimeFigureOut">
               <a:rPr lang="en-US" dirty="0"/>
               <a:pPr/>
-              <a:t>1/11/2020</a:t>
+              <a:t>1/13/2020</a:t>
             </a:fld>
             <a:endParaRPr lang="en-US" dirty="0"/>
           </a:p>
@@ -2526,7 +2530,7 @@
             <a:fld id="{5586B75A-687E-405C-8A0B-8D00578BA2C3}" type="datetimeFigureOut">
               <a:rPr lang="en-US" dirty="0"/>
               <a:pPr/>
-              <a:t>1/11/2020</a:t>
+              <a:t>1/13/2020</a:t>
             </a:fld>
             <a:endParaRPr lang="en-US" dirty="0"/>
           </a:p>
@@ -2811,7 +2815,7 @@
             <a:fld id="{5586B75A-687E-405C-8A0B-8D00578BA2C3}" type="datetimeFigureOut">
               <a:rPr lang="en-US" dirty="0"/>
               <a:pPr/>
-              <a:t>1/11/2020</a:t>
+              <a:t>1/13/2020</a:t>
             </a:fld>
             <a:endParaRPr lang="en-US" dirty="0"/>
           </a:p>
@@ -3081,7 +3085,7 @@
             <a:fld id="{5586B75A-687E-405C-8A0B-8D00578BA2C3}" type="datetimeFigureOut">
               <a:rPr lang="en-US" dirty="0"/>
               <a:pPr/>
-              <a:t>1/11/2020</a:t>
+              <a:t>1/13/2020</a:t>
             </a:fld>
             <a:endParaRPr lang="en-US" dirty="0"/>
           </a:p>
@@ -3375,7 +3379,7 @@
             <a:fld id="{5586B75A-687E-405C-8A0B-8D00578BA2C3}" type="datetimeFigureOut">
               <a:rPr lang="en-US" dirty="0"/>
               <a:pPr/>
-              <a:t>1/11/2020</a:t>
+              <a:t>1/13/2020</a:t>
             </a:fld>
             <a:endParaRPr lang="en-US" dirty="0"/>
           </a:p>
@@ -4555,13 +4559,7 @@
           <a:p>
             <a:r>
               <a:rPr lang="en-US" dirty="0"/>
-              <a:t>Open Visual Studio Code</a:t>
-            </a:r>
-          </a:p>
-          <a:p>
-            <a:r>
-              <a:rPr lang="en-US" dirty="0"/>
-              <a:t>Open terminal from the top menu</a:t>
+              <a:t>Open terminal</a:t>
             </a:r>
           </a:p>
           <a:p>
@@ -4573,34 +4571,96 @@
           <a:p>
             <a:r>
               <a:rPr lang="en-US" dirty="0"/>
-              <a:t>Type ‘dotnet new console –o </a:t>
+              <a:t>Type ‘dotnet new </a:t>
+            </a:r>
+            <a:r>
+              <a:rPr lang="en-US" dirty="0" err="1"/>
+              <a:t>sln</a:t>
+            </a:r>
+            <a:r>
+              <a:rPr lang="en-US" dirty="0"/>
+              <a:t> –n “</a:t>
+            </a:r>
+            <a:r>
+              <a:rPr lang="en-US" i="1" dirty="0"/>
+              <a:t>Solution Name</a:t>
+            </a:r>
+            <a:r>
+              <a:rPr lang="en-US" dirty="0"/>
+              <a:t>”’</a:t>
+            </a:r>
+          </a:p>
+          <a:p>
+            <a:r>
+              <a:rPr lang="en-US" dirty="0"/>
+              <a:t>Type ‘dotnet new console –n “</a:t>
+            </a:r>
+            <a:r>
+              <a:rPr lang="en-US" i="1" dirty="0"/>
+              <a:t>Project Name</a:t>
+            </a:r>
+            <a:r>
+              <a:rPr lang="en-US" dirty="0"/>
+              <a:t>”’</a:t>
+            </a:r>
+          </a:p>
+          <a:p>
+            <a:r>
+              <a:rPr lang="en-US" dirty="0"/>
+              <a:t>Type ‘dotnet </a:t>
+            </a:r>
+            <a:r>
+              <a:rPr lang="en-US" dirty="0" err="1"/>
+              <a:t>sln</a:t>
+            </a:r>
+            <a:r>
+              <a:rPr lang="en-US" dirty="0"/>
+              <a:t> “</a:t>
+            </a:r>
+            <a:r>
+              <a:rPr lang="en-US" i="1" dirty="0"/>
+              <a:t>Solution Name</a:t>
+            </a:r>
+            <a:r>
+              <a:rPr lang="en-US" dirty="0"/>
+              <a:t>” add **/*.</a:t>
+            </a:r>
+            <a:r>
+              <a:rPr lang="en-US" dirty="0" err="1"/>
+              <a:t>csproj</a:t>
+            </a:r>
+            <a:r>
+              <a:rPr lang="en-US" dirty="0"/>
+              <a:t>’</a:t>
+            </a:r>
+          </a:p>
+          <a:p>
+            <a:r>
+              <a:rPr lang="en-US" dirty="0"/>
+              <a:t>Change your directory to your solution with ‘cd </a:t>
             </a:r>
             <a:r>
               <a:rPr lang="en-US" i="1" dirty="0"/>
               <a:t>Solution Name’</a:t>
             </a:r>
-          </a:p>
-          <a:p>
-            <a:r>
-              <a:rPr lang="en-US" dirty="0"/>
-              <a:t>Change your directory to your solution with ‘cd </a:t>
-            </a:r>
-            <a:r>
-              <a:rPr lang="en-US" i="1" dirty="0"/>
-              <a:t>Solution Name’</a:t>
-            </a:r>
             <a:endParaRPr lang="en-US" dirty="0"/>
           </a:p>
           <a:p>
             <a:r>
               <a:rPr lang="en-US" dirty="0"/>
-              <a:t>Type dotnet run in terminal to run the program</a:t>
-            </a:r>
-          </a:p>
-          <a:p>
-            <a:r>
-              <a:rPr lang="en-US" dirty="0"/>
-              <a:t>When opening the solution make sure to install the plugin for C#</a:t>
+              <a:t>Type ‘dotnet run’ to run the program</a:t>
+            </a:r>
+          </a:p>
+          <a:p>
+            <a:r>
+              <a:rPr lang="en-US" dirty="0"/>
+              <a:t>Type ‘code .’ to open the solution or project in Visual Studio Code</a:t>
+            </a:r>
+          </a:p>
+          <a:p>
+            <a:r>
+              <a:rPr lang="en-US" dirty="0"/>
+              <a:t>If on the bottom right, there’s a popup to create build and debug options, click yes</a:t>
             </a:r>
           </a:p>
         </p:txBody>
@@ -5553,6 +5613,150 @@
 </p:sld>
 </file>
 
+<file path=ppt/slides/slide19.xml><?xml version="1.0" encoding="utf-8"?>
+<p:sld xmlns:a="http://schemas.openxmlformats.org/drawingml/2006/main" xmlns:r="http://schemas.openxmlformats.org/officeDocument/2006/relationships" xmlns:p="http://schemas.openxmlformats.org/presentationml/2006/main">
+  <p:cSld>
+    <p:spTree>
+      <p:nvGrpSpPr>
+        <p:cNvPr id="1" name=""/>
+        <p:cNvGrpSpPr/>
+        <p:nvPr/>
+      </p:nvGrpSpPr>
+      <p:grpSpPr>
+        <a:xfrm>
+          <a:off x="0" y="0"/>
+          <a:ext cx="0" cy="0"/>
+          <a:chOff x="0" y="0"/>
+          <a:chExt cx="0" cy="0"/>
+        </a:xfrm>
+      </p:grpSpPr>
+      <p:sp>
+        <p:nvSpPr>
+          <p:cNvPr id="2" name="Title 1">
+            <a:extLst>
+              <a:ext uri="{FF2B5EF4-FFF2-40B4-BE49-F238E27FC236}">
+                <a16:creationId xmlns:a16="http://schemas.microsoft.com/office/drawing/2014/main" id="{171E3910-07C9-43A6-BFBC-0EEDEF3BB3E5}"/>
+              </a:ext>
+            </a:extLst>
+          </p:cNvPr>
+          <p:cNvSpPr>
+            <a:spLocks noGrp="1"/>
+          </p:cNvSpPr>
+          <p:nvPr>
+            <p:ph type="title"/>
+          </p:nvPr>
+        </p:nvSpPr>
+        <p:spPr/>
+        <p:txBody>
+          <a:bodyPr/>
+          <a:lstStyle/>
+          <a:p>
+            <a:r>
+              <a:rPr lang="en-US" dirty="0"/>
+              <a:t>Console Class</a:t>
+            </a:r>
+            <a:endParaRPr lang="en-BE" dirty="0"/>
+          </a:p>
+        </p:txBody>
+      </p:sp>
+      <p:sp>
+        <p:nvSpPr>
+          <p:cNvPr id="3" name="Content Placeholder 2">
+            <a:extLst>
+              <a:ext uri="{FF2B5EF4-FFF2-40B4-BE49-F238E27FC236}">
+                <a16:creationId xmlns:a16="http://schemas.microsoft.com/office/drawing/2014/main" id="{05BAA6EE-C2A2-4259-BC5F-DD600E4D4A77}"/>
+              </a:ext>
+            </a:extLst>
+          </p:cNvPr>
+          <p:cNvSpPr>
+            <a:spLocks noGrp="1"/>
+          </p:cNvSpPr>
+          <p:nvPr>
+            <p:ph idx="1"/>
+          </p:nvPr>
+        </p:nvSpPr>
+        <p:spPr>
+          <a:xfrm>
+            <a:off x="3869268" y="864108"/>
+            <a:ext cx="7782262" cy="5120640"/>
+          </a:xfrm>
+        </p:spPr>
+        <p:txBody>
+          <a:bodyPr/>
+          <a:lstStyle/>
+          <a:p>
+            <a:r>
+              <a:rPr lang="en-US" dirty="0"/>
+              <a:t>Console is a class to easily write and read data from the terminal</a:t>
+            </a:r>
+          </a:p>
+          <a:p>
+            <a:r>
+              <a:rPr lang="en-US" dirty="0"/>
+              <a:t>Examples</a:t>
+            </a:r>
+          </a:p>
+          <a:p>
+            <a:pPr lvl="1"/>
+            <a:r>
+              <a:rPr lang="en-US" dirty="0" err="1"/>
+              <a:t>Console.Write</a:t>
+            </a:r>
+            <a:r>
+              <a:rPr lang="en-US" dirty="0"/>
+              <a:t>(“”); 	-&gt; Write data on the console</a:t>
+            </a:r>
+          </a:p>
+          <a:p>
+            <a:pPr lvl="1"/>
+            <a:r>
+              <a:rPr lang="en-US" dirty="0" err="1"/>
+              <a:t>Console.WriteLine</a:t>
+            </a:r>
+            <a:r>
+              <a:rPr lang="en-US" dirty="0"/>
+              <a:t>(“”);-&gt; Write data on the console and add extra line</a:t>
+            </a:r>
+          </a:p>
+          <a:p>
+            <a:pPr lvl="1"/>
+            <a:r>
+              <a:rPr lang="en-US" dirty="0" err="1"/>
+              <a:t>Console.ReadLine</a:t>
+            </a:r>
+            <a:r>
+              <a:rPr lang="en-US" dirty="0"/>
+              <a:t>();	-&gt; Reads data on console after pressing enter</a:t>
+            </a:r>
+          </a:p>
+          <a:p>
+            <a:r>
+              <a:rPr lang="en-US" dirty="0"/>
+              <a:t>Tips</a:t>
+            </a:r>
+          </a:p>
+          <a:p>
+            <a:pPr lvl="1"/>
+            <a:r>
+              <a:rPr lang="en-US" dirty="0"/>
+              <a:t>Check what \n and \s do</a:t>
+            </a:r>
+          </a:p>
+        </p:txBody>
+      </p:sp>
+    </p:spTree>
+    <p:extLst>
+      <p:ext uri="{BB962C8B-B14F-4D97-AF65-F5344CB8AC3E}">
+        <p14:creationId xmlns:p14="http://schemas.microsoft.com/office/powerpoint/2010/main" val="1934231727"/>
+      </p:ext>
+    </p:extLst>
+  </p:cSld>
+  <p:clrMapOvr>
+    <a:masterClrMapping/>
+  </p:clrMapOvr>
+</p:sld>
+</file>
+
 <file path=ppt/slides/slide2.xml><?xml version="1.0" encoding="utf-8"?>
 <p:sld xmlns:a="http://schemas.openxmlformats.org/drawingml/2006/main" xmlns:r="http://schemas.openxmlformats.org/officeDocument/2006/relationships" xmlns:p="http://schemas.openxmlformats.org/presentationml/2006/main">
   <p:cSld>
@@ -5649,6 +5853,122 @@
     <p:extLst>
       <p:ext uri="{BB962C8B-B14F-4D97-AF65-F5344CB8AC3E}">
         <p14:creationId xmlns:p14="http://schemas.microsoft.com/office/powerpoint/2010/main" val="1521735029"/>
+      </p:ext>
+    </p:extLst>
+  </p:cSld>
+  <p:clrMapOvr>
+    <a:masterClrMapping/>
+  </p:clrMapOvr>
+</p:sld>
+</file>
+
+<file path=ppt/slides/slide20.xml><?xml version="1.0" encoding="utf-8"?>
+<p:sld xmlns:a="http://schemas.openxmlformats.org/drawingml/2006/main" xmlns:r="http://schemas.openxmlformats.org/officeDocument/2006/relationships" xmlns:p="http://schemas.openxmlformats.org/presentationml/2006/main">
+  <p:cSld>
+    <p:spTree>
+      <p:nvGrpSpPr>
+        <p:cNvPr id="1" name=""/>
+        <p:cNvGrpSpPr/>
+        <p:nvPr/>
+      </p:nvGrpSpPr>
+      <p:grpSpPr>
+        <a:xfrm>
+          <a:off x="0" y="0"/>
+          <a:ext cx="0" cy="0"/>
+          <a:chOff x="0" y="0"/>
+          <a:chExt cx="0" cy="0"/>
+        </a:xfrm>
+      </p:grpSpPr>
+      <p:sp>
+        <p:nvSpPr>
+          <p:cNvPr id="2" name="Title 1">
+            <a:extLst>
+              <a:ext uri="{FF2B5EF4-FFF2-40B4-BE49-F238E27FC236}">
+                <a16:creationId xmlns:a16="http://schemas.microsoft.com/office/drawing/2014/main" id="{533F79C5-F98D-4C9C-8D92-5B44808E011D}"/>
+              </a:ext>
+            </a:extLst>
+          </p:cNvPr>
+          <p:cNvSpPr>
+            <a:spLocks noGrp="1"/>
+          </p:cNvSpPr>
+          <p:nvPr>
+            <p:ph type="title"/>
+          </p:nvPr>
+        </p:nvSpPr>
+        <p:spPr/>
+        <p:txBody>
+          <a:bodyPr/>
+          <a:lstStyle/>
+          <a:p>
+            <a:r>
+              <a:rPr lang="en-US" dirty="0"/>
+              <a:t>Console Class</a:t>
+            </a:r>
+            <a:endParaRPr lang="en-BE" dirty="0"/>
+          </a:p>
+        </p:txBody>
+      </p:sp>
+      <p:sp>
+        <p:nvSpPr>
+          <p:cNvPr id="3" name="Content Placeholder 2">
+            <a:extLst>
+              <a:ext uri="{FF2B5EF4-FFF2-40B4-BE49-F238E27FC236}">
+                <a16:creationId xmlns:a16="http://schemas.microsoft.com/office/drawing/2014/main" id="{FCFC8C45-55CD-4CB9-BF7A-783D04B5FC0E}"/>
+              </a:ext>
+            </a:extLst>
+          </p:cNvPr>
+          <p:cNvSpPr>
+            <a:spLocks noGrp="1"/>
+          </p:cNvSpPr>
+          <p:nvPr>
+            <p:ph idx="1"/>
+          </p:nvPr>
+        </p:nvSpPr>
+        <p:spPr/>
+        <p:txBody>
+          <a:bodyPr/>
+          <a:lstStyle/>
+          <a:p>
+            <a:r>
+              <a:rPr lang="en-US" dirty="0"/>
+              <a:t>Exercise 1:</a:t>
+            </a:r>
+          </a:p>
+          <a:p>
+            <a:pPr lvl="1"/>
+            <a:r>
+              <a:rPr lang="en-US" dirty="0"/>
+              <a:t>Show your own name in the console (windows) or terminal (</a:t>
+            </a:r>
+            <a:r>
+              <a:rPr lang="en-US" dirty="0" err="1"/>
+              <a:t>linux</a:t>
+            </a:r>
+            <a:r>
+              <a:rPr lang="en-US" dirty="0"/>
+              <a:t>)</a:t>
+            </a:r>
+          </a:p>
+          <a:p>
+            <a:r>
+              <a:rPr lang="en-US" dirty="0"/>
+              <a:t>Exercise 2:</a:t>
+            </a:r>
+          </a:p>
+          <a:p>
+            <a:pPr lvl="1"/>
+            <a:r>
+              <a:rPr lang="en-US" dirty="0"/>
+              <a:t>After pushing enter 5 times in the console show your name in the console</a:t>
+            </a:r>
+            <a:endParaRPr lang="en-BE" dirty="0"/>
+          </a:p>
+        </p:txBody>
+      </p:sp>
+    </p:spTree>
+    <p:extLst>
+      <p:ext uri="{BB962C8B-B14F-4D97-AF65-F5344CB8AC3E}">
+        <p14:creationId xmlns:p14="http://schemas.microsoft.com/office/powerpoint/2010/main" val="1903170352"/>
       </p:ext>
     </p:extLst>
   </p:cSld>

--- a/Presentation.pptx
+++ b/Presentation.pptx
@@ -5,7 +5,7 @@
     <p:sldMasterId id="2147483840" r:id="rId1"/>
   </p:sldMasterIdLst>
   <p:notesMasterIdLst>
-    <p:notesMasterId r:id="rId22"/>
+    <p:notesMasterId r:id="rId25"/>
   </p:notesMasterIdLst>
   <p:sldIdLst>
     <p:sldId id="256" r:id="rId2"/>
@@ -28,6 +28,9 @@
     <p:sldId id="274" r:id="rId19"/>
     <p:sldId id="275" r:id="rId20"/>
     <p:sldId id="276" r:id="rId21"/>
+    <p:sldId id="277" r:id="rId22"/>
+    <p:sldId id="278" r:id="rId23"/>
+    <p:sldId id="279" r:id="rId24"/>
   </p:sldIdLst>
   <p:sldSz cx="12192000" cy="6858000"/>
   <p:notesSz cx="6858000" cy="9144000"/>
@@ -163,6 +166,9 @@
             <p14:sldId id="274"/>
             <p14:sldId id="275"/>
             <p14:sldId id="276"/>
+            <p14:sldId id="277"/>
+            <p14:sldId id="278"/>
+            <p14:sldId id="279"/>
           </p14:sldIdLst>
         </p14:section>
       </p14:sectionLst>
@@ -5739,7 +5745,7 @@
             <a:pPr lvl="1"/>
             <a:r>
               <a:rPr lang="en-US" dirty="0"/>
-              <a:t>Check what \n and \s do</a:t>
+              <a:t>Check what \n and \r do</a:t>
             </a:r>
           </a:p>
         </p:txBody>
@@ -5969,6 +5975,881 @@
     <p:extLst>
       <p:ext uri="{BB962C8B-B14F-4D97-AF65-F5344CB8AC3E}">
         <p14:creationId xmlns:p14="http://schemas.microsoft.com/office/powerpoint/2010/main" val="1903170352"/>
+      </p:ext>
+    </p:extLst>
+  </p:cSld>
+  <p:clrMapOvr>
+    <a:masterClrMapping/>
+  </p:clrMapOvr>
+</p:sld>
+</file>
+
+<file path=ppt/slides/slide21.xml><?xml version="1.0" encoding="utf-8"?>
+<p:sld xmlns:a="http://schemas.openxmlformats.org/drawingml/2006/main" xmlns:r="http://schemas.openxmlformats.org/officeDocument/2006/relationships" xmlns:p="http://schemas.openxmlformats.org/presentationml/2006/main">
+  <p:cSld>
+    <p:spTree>
+      <p:nvGrpSpPr>
+        <p:cNvPr id="1" name=""/>
+        <p:cNvGrpSpPr/>
+        <p:nvPr/>
+      </p:nvGrpSpPr>
+      <p:grpSpPr>
+        <a:xfrm>
+          <a:off x="0" y="0"/>
+          <a:ext cx="0" cy="0"/>
+          <a:chOff x="0" y="0"/>
+          <a:chExt cx="0" cy="0"/>
+        </a:xfrm>
+      </p:grpSpPr>
+      <p:sp>
+        <p:nvSpPr>
+          <p:cNvPr id="2" name="Title 1">
+            <a:extLst>
+              <a:ext uri="{FF2B5EF4-FFF2-40B4-BE49-F238E27FC236}">
+                <a16:creationId xmlns:a16="http://schemas.microsoft.com/office/drawing/2014/main" id="{0157B576-6B39-49DA-BD6C-5C08DCBE5B09}"/>
+              </a:ext>
+            </a:extLst>
+          </p:cNvPr>
+          <p:cNvSpPr>
+            <a:spLocks noGrp="1"/>
+          </p:cNvSpPr>
+          <p:nvPr>
+            <p:ph type="title"/>
+          </p:nvPr>
+        </p:nvSpPr>
+        <p:spPr/>
+        <p:txBody>
+          <a:bodyPr/>
+          <a:lstStyle/>
+          <a:p>
+            <a:r>
+              <a:rPr lang="en-US" dirty="0"/>
+              <a:t>Data Types</a:t>
+            </a:r>
+            <a:endParaRPr lang="en-BE" dirty="0"/>
+          </a:p>
+        </p:txBody>
+      </p:sp>
+      <p:sp>
+        <p:nvSpPr>
+          <p:cNvPr id="3" name="Content Placeholder 2">
+            <a:extLst>
+              <a:ext uri="{FF2B5EF4-FFF2-40B4-BE49-F238E27FC236}">
+                <a16:creationId xmlns:a16="http://schemas.microsoft.com/office/drawing/2014/main" id="{E050C594-5E49-4268-B43B-8DBCEB370C5B}"/>
+              </a:ext>
+            </a:extLst>
+          </p:cNvPr>
+          <p:cNvSpPr>
+            <a:spLocks noGrp="1"/>
+          </p:cNvSpPr>
+          <p:nvPr>
+            <p:ph sz="half" idx="1"/>
+          </p:nvPr>
+        </p:nvSpPr>
+        <p:spPr>
+          <a:xfrm>
+            <a:off x="3902477" y="746132"/>
+            <a:ext cx="7424928" cy="799864"/>
+          </a:xfrm>
+        </p:spPr>
+        <p:txBody>
+          <a:bodyPr/>
+          <a:lstStyle/>
+          <a:p>
+            <a:r>
+              <a:rPr lang="en-US" dirty="0"/>
+              <a:t>To declare a variable you have to say what type of variable</a:t>
+            </a:r>
+          </a:p>
+          <a:p>
+            <a:r>
+              <a:rPr lang="en-US" dirty="0"/>
+              <a:t>You can use var for type declaration and it will guess the datatype  </a:t>
+            </a:r>
+            <a:endParaRPr lang="en-BE" dirty="0"/>
+          </a:p>
+        </p:txBody>
+      </p:sp>
+      <p:graphicFrame>
+        <p:nvGraphicFramePr>
+          <p:cNvPr id="5" name="Table 5">
+            <a:extLst>
+              <a:ext uri="{FF2B5EF4-FFF2-40B4-BE49-F238E27FC236}">
+                <a16:creationId xmlns:a16="http://schemas.microsoft.com/office/drawing/2014/main" id="{E83A43B0-7E09-46C8-8573-6D2112D43E49}"/>
+              </a:ext>
+            </a:extLst>
+          </p:cNvPr>
+          <p:cNvGraphicFramePr>
+            <a:graphicFrameLocks noGrp="1"/>
+          </p:cNvGraphicFramePr>
+          <p:nvPr>
+            <p:ph sz="half" idx="2"/>
+            <p:extLst>
+              <p:ext uri="{D42A27DB-BD31-4B8C-83A1-F6EECF244321}">
+                <p14:modId xmlns:p14="http://schemas.microsoft.com/office/powerpoint/2010/main" val="2445459410"/>
+              </p:ext>
+            </p:extLst>
+          </p:nvPr>
+        </p:nvGraphicFramePr>
+        <p:xfrm>
+          <a:off x="3902477" y="1796068"/>
+          <a:ext cx="7424928" cy="4287520"/>
+        </p:xfrm>
+        <a:graphic>
+          <a:graphicData uri="http://schemas.openxmlformats.org/drawingml/2006/table">
+            <a:tbl>
+              <a:tblPr firstRow="1" bandRow="1">
+                <a:tableStyleId>{5C22544A-7EE6-4342-B048-85BDC9FD1C3A}</a:tableStyleId>
+              </a:tblPr>
+              <a:tblGrid>
+                <a:gridCol w="1250843">
+                  <a:extLst>
+                    <a:ext uri="{9D8B030D-6E8A-4147-A177-3AD203B41FA5}">
+                      <a16:colId xmlns:a16="http://schemas.microsoft.com/office/drawing/2014/main" val="867014534"/>
+                    </a:ext>
+                  </a:extLst>
+                </a:gridCol>
+                <a:gridCol w="961534">
+                  <a:extLst>
+                    <a:ext uri="{9D8B030D-6E8A-4147-A177-3AD203B41FA5}">
+                      <a16:colId xmlns:a16="http://schemas.microsoft.com/office/drawing/2014/main" val="3818453585"/>
+                    </a:ext>
+                  </a:extLst>
+                </a:gridCol>
+                <a:gridCol w="5212551">
+                  <a:extLst>
+                    <a:ext uri="{9D8B030D-6E8A-4147-A177-3AD203B41FA5}">
+                      <a16:colId xmlns:a16="http://schemas.microsoft.com/office/drawing/2014/main" val="310901765"/>
+                    </a:ext>
+                  </a:extLst>
+                </a:gridCol>
+              </a:tblGrid>
+              <a:tr h="370840">
+                <a:tc>
+                  <a:txBody>
+                    <a:bodyPr/>
+                    <a:lstStyle/>
+                    <a:p>
+                      <a:r>
+                        <a:rPr lang="nl-BE" sz="1600" dirty="0">
+                          <a:effectLst/>
+                        </a:rPr>
+                        <a:t>Data Type</a:t>
+                      </a:r>
+                    </a:p>
+                  </a:txBody>
+                  <a:tcPr anchor="ctr"/>
+                </a:tc>
+                <a:tc>
+                  <a:txBody>
+                    <a:bodyPr/>
+                    <a:lstStyle/>
+                    <a:p>
+                      <a:r>
+                        <a:rPr lang="nl-BE" sz="1600">
+                          <a:effectLst/>
+                        </a:rPr>
+                        <a:t>Size</a:t>
+                      </a:r>
+                    </a:p>
+                  </a:txBody>
+                  <a:tcPr anchor="ctr"/>
+                </a:tc>
+                <a:tc>
+                  <a:txBody>
+                    <a:bodyPr/>
+                    <a:lstStyle/>
+                    <a:p>
+                      <a:r>
+                        <a:rPr lang="nl-BE" sz="1600" dirty="0" err="1">
+                          <a:effectLst/>
+                        </a:rPr>
+                        <a:t>Description</a:t>
+                      </a:r>
+                      <a:endParaRPr lang="nl-BE" sz="1600" dirty="0">
+                        <a:effectLst/>
+                      </a:endParaRPr>
+                    </a:p>
+                  </a:txBody>
+                  <a:tcPr anchor="ctr"/>
+                </a:tc>
+                <a:extLst>
+                  <a:ext uri="{0D108BD9-81ED-4DB2-BD59-A6C34878D82A}">
+                    <a16:rowId xmlns:a16="http://schemas.microsoft.com/office/drawing/2014/main" val="1743026397"/>
+                  </a:ext>
+                </a:extLst>
+              </a:tr>
+              <a:tr h="370840">
+                <a:tc>
+                  <a:txBody>
+                    <a:bodyPr/>
+                    <a:lstStyle/>
+                    <a:p>
+                      <a:r>
+                        <a:rPr lang="nl-BE" sz="1600"/>
+                        <a:t>int</a:t>
+                      </a:r>
+                    </a:p>
+                  </a:txBody>
+                  <a:tcPr anchor="ctr"/>
+                </a:tc>
+                <a:tc>
+                  <a:txBody>
+                    <a:bodyPr/>
+                    <a:lstStyle/>
+                    <a:p>
+                      <a:r>
+                        <a:rPr lang="nl-BE" sz="1600"/>
+                        <a:t>4 bytes</a:t>
+                      </a:r>
+                    </a:p>
+                  </a:txBody>
+                  <a:tcPr anchor="ctr"/>
+                </a:tc>
+                <a:tc>
+                  <a:txBody>
+                    <a:bodyPr/>
+                    <a:lstStyle/>
+                    <a:p>
+                      <a:r>
+                        <a:rPr lang="en-US" sz="1600"/>
+                        <a:t>Stores whole numbers from -2,147,483,648 to 2,147,483,647</a:t>
+                      </a:r>
+                    </a:p>
+                  </a:txBody>
+                  <a:tcPr anchor="ctr"/>
+                </a:tc>
+                <a:extLst>
+                  <a:ext uri="{0D108BD9-81ED-4DB2-BD59-A6C34878D82A}">
+                    <a16:rowId xmlns:a16="http://schemas.microsoft.com/office/drawing/2014/main" val="325108994"/>
+                  </a:ext>
+                </a:extLst>
+              </a:tr>
+              <a:tr h="370840">
+                <a:tc>
+                  <a:txBody>
+                    <a:bodyPr/>
+                    <a:lstStyle/>
+                    <a:p>
+                      <a:r>
+                        <a:rPr lang="nl-BE" sz="1600"/>
+                        <a:t>long</a:t>
+                      </a:r>
+                    </a:p>
+                  </a:txBody>
+                  <a:tcPr anchor="ctr"/>
+                </a:tc>
+                <a:tc>
+                  <a:txBody>
+                    <a:bodyPr/>
+                    <a:lstStyle/>
+                    <a:p>
+                      <a:r>
+                        <a:rPr lang="nl-BE" sz="1600"/>
+                        <a:t>8 bytes</a:t>
+                      </a:r>
+                    </a:p>
+                  </a:txBody>
+                  <a:tcPr anchor="ctr"/>
+                </a:tc>
+                <a:tc>
+                  <a:txBody>
+                    <a:bodyPr/>
+                    <a:lstStyle/>
+                    <a:p>
+                      <a:r>
+                        <a:rPr lang="en-US" sz="1600"/>
+                        <a:t>Stores whole numbers from -9,223,372,036,854,775,808 to 9,223,372,036,854,775,807</a:t>
+                      </a:r>
+                    </a:p>
+                  </a:txBody>
+                  <a:tcPr anchor="ctr"/>
+                </a:tc>
+                <a:extLst>
+                  <a:ext uri="{0D108BD9-81ED-4DB2-BD59-A6C34878D82A}">
+                    <a16:rowId xmlns:a16="http://schemas.microsoft.com/office/drawing/2014/main" val="3291429979"/>
+                  </a:ext>
+                </a:extLst>
+              </a:tr>
+              <a:tr h="370840">
+                <a:tc>
+                  <a:txBody>
+                    <a:bodyPr/>
+                    <a:lstStyle/>
+                    <a:p>
+                      <a:r>
+                        <a:rPr lang="nl-BE" sz="1600"/>
+                        <a:t>float</a:t>
+                      </a:r>
+                    </a:p>
+                  </a:txBody>
+                  <a:tcPr anchor="ctr"/>
+                </a:tc>
+                <a:tc>
+                  <a:txBody>
+                    <a:bodyPr/>
+                    <a:lstStyle/>
+                    <a:p>
+                      <a:r>
+                        <a:rPr lang="nl-BE" sz="1600"/>
+                        <a:t>4 bytes</a:t>
+                      </a:r>
+                    </a:p>
+                  </a:txBody>
+                  <a:tcPr anchor="ctr"/>
+                </a:tc>
+                <a:tc>
+                  <a:txBody>
+                    <a:bodyPr/>
+                    <a:lstStyle/>
+                    <a:p>
+                      <a:r>
+                        <a:rPr lang="en-US" sz="1600" dirty="0"/>
+                        <a:t>Stores fractional numbers. Sufficient for storing 6 to 7 decimal digits</a:t>
+                      </a:r>
+                    </a:p>
+                  </a:txBody>
+                  <a:tcPr anchor="ctr"/>
+                </a:tc>
+                <a:extLst>
+                  <a:ext uri="{0D108BD9-81ED-4DB2-BD59-A6C34878D82A}">
+                    <a16:rowId xmlns:a16="http://schemas.microsoft.com/office/drawing/2014/main" val="1419404301"/>
+                  </a:ext>
+                </a:extLst>
+              </a:tr>
+              <a:tr h="399330">
+                <a:tc>
+                  <a:txBody>
+                    <a:bodyPr/>
+                    <a:lstStyle/>
+                    <a:p>
+                      <a:r>
+                        <a:rPr lang="nl-BE" sz="1600"/>
+                        <a:t>double</a:t>
+                      </a:r>
+                    </a:p>
+                  </a:txBody>
+                  <a:tcPr anchor="ctr"/>
+                </a:tc>
+                <a:tc>
+                  <a:txBody>
+                    <a:bodyPr/>
+                    <a:lstStyle/>
+                    <a:p>
+                      <a:r>
+                        <a:rPr lang="nl-BE" sz="1600"/>
+                        <a:t>8 bytes</a:t>
+                      </a:r>
+                    </a:p>
+                  </a:txBody>
+                  <a:tcPr anchor="ctr"/>
+                </a:tc>
+                <a:tc>
+                  <a:txBody>
+                    <a:bodyPr/>
+                    <a:lstStyle/>
+                    <a:p>
+                      <a:r>
+                        <a:rPr lang="en-US" sz="1600" dirty="0"/>
+                        <a:t>Stores fractional numbers. Sufficient for storing 15 decimal digits</a:t>
+                      </a:r>
+                    </a:p>
+                  </a:txBody>
+                  <a:tcPr anchor="ctr"/>
+                </a:tc>
+                <a:extLst>
+                  <a:ext uri="{0D108BD9-81ED-4DB2-BD59-A6C34878D82A}">
+                    <a16:rowId xmlns:a16="http://schemas.microsoft.com/office/drawing/2014/main" val="1488285282"/>
+                  </a:ext>
+                </a:extLst>
+              </a:tr>
+              <a:tr h="370840">
+                <a:tc>
+                  <a:txBody>
+                    <a:bodyPr/>
+                    <a:lstStyle/>
+                    <a:p>
+                      <a:r>
+                        <a:rPr lang="nl-BE" sz="1600"/>
+                        <a:t>bool</a:t>
+                      </a:r>
+                    </a:p>
+                  </a:txBody>
+                  <a:tcPr anchor="ctr"/>
+                </a:tc>
+                <a:tc>
+                  <a:txBody>
+                    <a:bodyPr/>
+                    <a:lstStyle/>
+                    <a:p>
+                      <a:r>
+                        <a:rPr lang="nl-BE" sz="1600" dirty="0"/>
+                        <a:t>1 bit</a:t>
+                      </a:r>
+                    </a:p>
+                  </a:txBody>
+                  <a:tcPr anchor="ctr"/>
+                </a:tc>
+                <a:tc>
+                  <a:txBody>
+                    <a:bodyPr/>
+                    <a:lstStyle/>
+                    <a:p>
+                      <a:r>
+                        <a:rPr lang="nl-BE" sz="1600" dirty="0"/>
+                        <a:t>Stores </a:t>
+                      </a:r>
+                      <a:r>
+                        <a:rPr lang="nl-BE" sz="1600" dirty="0" err="1"/>
+                        <a:t>true</a:t>
+                      </a:r>
+                      <a:r>
+                        <a:rPr lang="nl-BE" sz="1600" dirty="0"/>
+                        <a:t> or </a:t>
+                      </a:r>
+                      <a:r>
+                        <a:rPr lang="nl-BE" sz="1600" dirty="0" err="1"/>
+                        <a:t>false</a:t>
+                      </a:r>
+                      <a:r>
+                        <a:rPr lang="nl-BE" sz="1600" dirty="0"/>
+                        <a:t> </a:t>
+                      </a:r>
+                      <a:r>
+                        <a:rPr lang="nl-BE" sz="1600" dirty="0" err="1"/>
+                        <a:t>values</a:t>
+                      </a:r>
+                      <a:endParaRPr lang="nl-BE" sz="1600" dirty="0"/>
+                    </a:p>
+                  </a:txBody>
+                  <a:tcPr anchor="ctr"/>
+                </a:tc>
+                <a:extLst>
+                  <a:ext uri="{0D108BD9-81ED-4DB2-BD59-A6C34878D82A}">
+                    <a16:rowId xmlns:a16="http://schemas.microsoft.com/office/drawing/2014/main" val="4243803874"/>
+                  </a:ext>
+                </a:extLst>
+              </a:tr>
+              <a:tr h="370840">
+                <a:tc>
+                  <a:txBody>
+                    <a:bodyPr/>
+                    <a:lstStyle/>
+                    <a:p>
+                      <a:r>
+                        <a:rPr lang="nl-BE" sz="1600" dirty="0" err="1"/>
+                        <a:t>char</a:t>
+                      </a:r>
+                      <a:endParaRPr lang="nl-BE" sz="1600" dirty="0"/>
+                    </a:p>
+                  </a:txBody>
+                  <a:tcPr anchor="ctr"/>
+                </a:tc>
+                <a:tc>
+                  <a:txBody>
+                    <a:bodyPr/>
+                    <a:lstStyle/>
+                    <a:p>
+                      <a:r>
+                        <a:rPr lang="nl-BE" sz="1600" dirty="0"/>
+                        <a:t>2 bytes</a:t>
+                      </a:r>
+                    </a:p>
+                  </a:txBody>
+                  <a:tcPr anchor="ctr"/>
+                </a:tc>
+                <a:tc>
+                  <a:txBody>
+                    <a:bodyPr/>
+                    <a:lstStyle/>
+                    <a:p>
+                      <a:r>
+                        <a:rPr lang="en-US" sz="1600" dirty="0"/>
+                        <a:t>Stores a single character/letter, surrounded by single quotes</a:t>
+                      </a:r>
+                    </a:p>
+                  </a:txBody>
+                  <a:tcPr anchor="ctr"/>
+                </a:tc>
+                <a:extLst>
+                  <a:ext uri="{0D108BD9-81ED-4DB2-BD59-A6C34878D82A}">
+                    <a16:rowId xmlns:a16="http://schemas.microsoft.com/office/drawing/2014/main" val="753997006"/>
+                  </a:ext>
+                </a:extLst>
+              </a:tr>
+              <a:tr h="370840">
+                <a:tc>
+                  <a:txBody>
+                    <a:bodyPr/>
+                    <a:lstStyle/>
+                    <a:p>
+                      <a:r>
+                        <a:rPr lang="nl-BE" sz="1600"/>
+                        <a:t>string</a:t>
+                      </a:r>
+                    </a:p>
+                  </a:txBody>
+                  <a:tcPr anchor="ctr"/>
+                </a:tc>
+                <a:tc>
+                  <a:txBody>
+                    <a:bodyPr/>
+                    <a:lstStyle/>
+                    <a:p>
+                      <a:r>
+                        <a:rPr lang="nl-BE" sz="1600"/>
+                        <a:t>2 bytes per character</a:t>
+                      </a:r>
+                    </a:p>
+                  </a:txBody>
+                  <a:tcPr anchor="ctr"/>
+                </a:tc>
+                <a:tc>
+                  <a:txBody>
+                    <a:bodyPr/>
+                    <a:lstStyle/>
+                    <a:p>
+                      <a:r>
+                        <a:rPr lang="en-US" sz="1600" dirty="0"/>
+                        <a:t>Stores a sequence of characters, surrounded by double quotes</a:t>
+                      </a:r>
+                    </a:p>
+                  </a:txBody>
+                  <a:tcPr anchor="ctr"/>
+                </a:tc>
+                <a:extLst>
+                  <a:ext uri="{0D108BD9-81ED-4DB2-BD59-A6C34878D82A}">
+                    <a16:rowId xmlns:a16="http://schemas.microsoft.com/office/drawing/2014/main" val="3799405008"/>
+                  </a:ext>
+                </a:extLst>
+              </a:tr>
+            </a:tbl>
+          </a:graphicData>
+        </a:graphic>
+      </p:graphicFrame>
+    </p:spTree>
+    <p:extLst>
+      <p:ext uri="{BB962C8B-B14F-4D97-AF65-F5344CB8AC3E}">
+        <p14:creationId xmlns:p14="http://schemas.microsoft.com/office/powerpoint/2010/main" val="3329759737"/>
+      </p:ext>
+    </p:extLst>
+  </p:cSld>
+  <p:clrMapOvr>
+    <a:masterClrMapping/>
+  </p:clrMapOvr>
+</p:sld>
+</file>
+
+<file path=ppt/slides/slide22.xml><?xml version="1.0" encoding="utf-8"?>
+<p:sld xmlns:a="http://schemas.openxmlformats.org/drawingml/2006/main" xmlns:r="http://schemas.openxmlformats.org/officeDocument/2006/relationships" xmlns:p="http://schemas.openxmlformats.org/presentationml/2006/main">
+  <p:cSld>
+    <p:spTree>
+      <p:nvGrpSpPr>
+        <p:cNvPr id="1" name=""/>
+        <p:cNvGrpSpPr/>
+        <p:nvPr/>
+      </p:nvGrpSpPr>
+      <p:grpSpPr>
+        <a:xfrm>
+          <a:off x="0" y="0"/>
+          <a:ext cx="0" cy="0"/>
+          <a:chOff x="0" y="0"/>
+          <a:chExt cx="0" cy="0"/>
+        </a:xfrm>
+      </p:grpSpPr>
+      <p:sp>
+        <p:nvSpPr>
+          <p:cNvPr id="5" name="Title 4">
+            <a:extLst>
+              <a:ext uri="{FF2B5EF4-FFF2-40B4-BE49-F238E27FC236}">
+                <a16:creationId xmlns:a16="http://schemas.microsoft.com/office/drawing/2014/main" id="{9195BC3B-6BF4-4ADF-A801-8BBFD7C88AFA}"/>
+              </a:ext>
+            </a:extLst>
+          </p:cNvPr>
+          <p:cNvSpPr>
+            <a:spLocks noGrp="1"/>
+          </p:cNvSpPr>
+          <p:nvPr>
+            <p:ph type="title"/>
+          </p:nvPr>
+        </p:nvSpPr>
+        <p:spPr/>
+        <p:txBody>
+          <a:bodyPr/>
+          <a:lstStyle/>
+          <a:p>
+            <a:r>
+              <a:rPr lang="en-US" dirty="0"/>
+              <a:t>Data Types</a:t>
+            </a:r>
+            <a:endParaRPr lang="en-BE" dirty="0"/>
+          </a:p>
+        </p:txBody>
+      </p:sp>
+      <p:sp>
+        <p:nvSpPr>
+          <p:cNvPr id="6" name="Content Placeholder 5">
+            <a:extLst>
+              <a:ext uri="{FF2B5EF4-FFF2-40B4-BE49-F238E27FC236}">
+                <a16:creationId xmlns:a16="http://schemas.microsoft.com/office/drawing/2014/main" id="{E3F5B5C5-B61A-4BB9-932F-7200152C134D}"/>
+              </a:ext>
+            </a:extLst>
+          </p:cNvPr>
+          <p:cNvSpPr>
+            <a:spLocks noGrp="1"/>
+          </p:cNvSpPr>
+          <p:nvPr>
+            <p:ph idx="1"/>
+          </p:nvPr>
+        </p:nvSpPr>
+        <p:spPr>
+          <a:xfrm>
+            <a:off x="3657600" y="864108"/>
+            <a:ext cx="8182466" cy="5120640"/>
+          </a:xfrm>
+        </p:spPr>
+        <p:txBody>
+          <a:bodyPr/>
+          <a:lstStyle/>
+          <a:p>
+            <a:r>
+              <a:rPr lang="en-US" dirty="0"/>
+              <a:t>Examples</a:t>
+            </a:r>
+          </a:p>
+          <a:p>
+            <a:pPr lvl="1"/>
+            <a:r>
+              <a:rPr lang="en-US" dirty="0"/>
+              <a:t>int number = 2;	-&gt; create integer called number with value 2</a:t>
+            </a:r>
+          </a:p>
+          <a:p>
+            <a:pPr lvl="1"/>
+            <a:r>
+              <a:rPr lang="en-US" dirty="0"/>
+              <a:t>string text = “Hello!”;	-&gt; create string called text with value Hello!</a:t>
+            </a:r>
+          </a:p>
+          <a:p>
+            <a:pPr lvl="1"/>
+            <a:r>
+              <a:rPr lang="en-US" dirty="0"/>
+              <a:t>bool </a:t>
+            </a:r>
+            <a:r>
+              <a:rPr lang="en-US" dirty="0" err="1"/>
+              <a:t>boolean</a:t>
+            </a:r>
+            <a:r>
+              <a:rPr lang="en-US" dirty="0"/>
+              <a:t>;	-&gt; create Boolean with no value</a:t>
+            </a:r>
+          </a:p>
+          <a:p>
+            <a:pPr lvl="1"/>
+            <a:r>
+              <a:rPr lang="en-US" dirty="0" err="1"/>
+              <a:t>Console.Write</a:t>
+            </a:r>
+            <a:r>
+              <a:rPr lang="en-US" dirty="0"/>
+              <a:t>(text); 	-&gt; shows Hello! in console</a:t>
+            </a:r>
+          </a:p>
+          <a:p>
+            <a:r>
+              <a:rPr lang="en-US" dirty="0"/>
+              <a:t>Tip</a:t>
+            </a:r>
+          </a:p>
+          <a:p>
+            <a:pPr lvl="1"/>
+            <a:r>
+              <a:rPr lang="en-US" dirty="0"/>
+              <a:t>Check what + operator does in brackets of </a:t>
+            </a:r>
+            <a:r>
+              <a:rPr lang="en-US" dirty="0" err="1"/>
+              <a:t>Console.Write</a:t>
+            </a:r>
+            <a:r>
+              <a:rPr lang="en-US" dirty="0"/>
+              <a:t>();</a:t>
+            </a:r>
+          </a:p>
+          <a:p>
+            <a:pPr lvl="1"/>
+            <a:r>
+              <a:rPr lang="en-US" dirty="0"/>
+              <a:t>Check how to combine different variables in one line via composite formatting &amp; string interpolation</a:t>
+            </a:r>
+          </a:p>
+        </p:txBody>
+      </p:sp>
+    </p:spTree>
+    <p:extLst>
+      <p:ext uri="{BB962C8B-B14F-4D97-AF65-F5344CB8AC3E}">
+        <p14:creationId xmlns:p14="http://schemas.microsoft.com/office/powerpoint/2010/main" val="1723176856"/>
+      </p:ext>
+    </p:extLst>
+  </p:cSld>
+  <p:clrMapOvr>
+    <a:masterClrMapping/>
+  </p:clrMapOvr>
+</p:sld>
+</file>
+
+<file path=ppt/slides/slide23.xml><?xml version="1.0" encoding="utf-8"?>
+<p:sld xmlns:a="http://schemas.openxmlformats.org/drawingml/2006/main" xmlns:r="http://schemas.openxmlformats.org/officeDocument/2006/relationships" xmlns:p="http://schemas.openxmlformats.org/presentationml/2006/main">
+  <p:cSld>
+    <p:spTree>
+      <p:nvGrpSpPr>
+        <p:cNvPr id="1" name=""/>
+        <p:cNvGrpSpPr/>
+        <p:nvPr/>
+      </p:nvGrpSpPr>
+      <p:grpSpPr>
+        <a:xfrm>
+          <a:off x="0" y="0"/>
+          <a:ext cx="0" cy="0"/>
+          <a:chOff x="0" y="0"/>
+          <a:chExt cx="0" cy="0"/>
+        </a:xfrm>
+      </p:grpSpPr>
+      <p:sp>
+        <p:nvSpPr>
+          <p:cNvPr id="2" name="Title 1">
+            <a:extLst>
+              <a:ext uri="{FF2B5EF4-FFF2-40B4-BE49-F238E27FC236}">
+                <a16:creationId xmlns:a16="http://schemas.microsoft.com/office/drawing/2014/main" id="{04066FAB-C6E3-492F-A589-5FCDE47FA5FA}"/>
+              </a:ext>
+            </a:extLst>
+          </p:cNvPr>
+          <p:cNvSpPr>
+            <a:spLocks noGrp="1"/>
+          </p:cNvSpPr>
+          <p:nvPr>
+            <p:ph type="title"/>
+          </p:nvPr>
+        </p:nvSpPr>
+        <p:spPr/>
+        <p:txBody>
+          <a:bodyPr/>
+          <a:lstStyle/>
+          <a:p>
+            <a:r>
+              <a:rPr lang="en-US" dirty="0"/>
+              <a:t>Data Types</a:t>
+            </a:r>
+            <a:endParaRPr lang="en-BE" dirty="0"/>
+          </a:p>
+        </p:txBody>
+      </p:sp>
+      <p:sp>
+        <p:nvSpPr>
+          <p:cNvPr id="3" name="Content Placeholder 2">
+            <a:extLst>
+              <a:ext uri="{FF2B5EF4-FFF2-40B4-BE49-F238E27FC236}">
+                <a16:creationId xmlns:a16="http://schemas.microsoft.com/office/drawing/2014/main" id="{8543595F-FAF6-423F-8087-23F937092D6F}"/>
+              </a:ext>
+            </a:extLst>
+          </p:cNvPr>
+          <p:cNvSpPr>
+            <a:spLocks noGrp="1"/>
+          </p:cNvSpPr>
+          <p:nvPr>
+            <p:ph idx="1"/>
+          </p:nvPr>
+        </p:nvSpPr>
+        <p:spPr/>
+        <p:txBody>
+          <a:bodyPr/>
+          <a:lstStyle/>
+          <a:p>
+            <a:r>
+              <a:rPr lang="en-US" dirty="0"/>
+              <a:t>Exercise 1</a:t>
+            </a:r>
+          </a:p>
+          <a:p>
+            <a:pPr lvl="1"/>
+            <a:r>
+              <a:rPr lang="en-US" dirty="0"/>
+              <a:t>Declare 2 integers and show the sum on the console</a:t>
+            </a:r>
+          </a:p>
+          <a:p>
+            <a:r>
+              <a:rPr lang="en-US" dirty="0"/>
+              <a:t>Exercise 2</a:t>
+            </a:r>
+          </a:p>
+          <a:p>
+            <a:pPr lvl="1"/>
+            <a:r>
+              <a:rPr lang="en-US" dirty="0"/>
+              <a:t>Declare 2 variables and show them on one line in the console (do this with 3 or less lines of code)</a:t>
+            </a:r>
+          </a:p>
+          <a:p>
+            <a:r>
+              <a:rPr lang="en-US" dirty="0"/>
+              <a:t>Exercise 3</a:t>
+            </a:r>
+          </a:p>
+          <a:p>
+            <a:pPr lvl="1"/>
+            <a:r>
+              <a:rPr lang="en-US" dirty="0"/>
+              <a:t>Declare 1 char with no value; give it a value through the console</a:t>
+            </a:r>
+          </a:p>
+          <a:p>
+            <a:pPr lvl="1"/>
+            <a:r>
+              <a:rPr lang="en-US" dirty="0"/>
+              <a:t>Show in the console “My favorite character is: .”</a:t>
+            </a:r>
+          </a:p>
+          <a:p>
+            <a:r>
+              <a:rPr lang="en-US" dirty="0"/>
+              <a:t>Exercise 4 (Difficult)</a:t>
+            </a:r>
+          </a:p>
+          <a:p>
+            <a:pPr lvl="1"/>
+            <a:r>
+              <a:rPr lang="en-US" dirty="0"/>
+              <a:t>What happens if you give a decimal number to an integer? Show the value in the console</a:t>
+            </a:r>
+          </a:p>
+          <a:p>
+            <a:pPr lvl="1"/>
+            <a:r>
+              <a:rPr lang="en-US" dirty="0"/>
+              <a:t>What is the maximum value you can give to </a:t>
+            </a:r>
+            <a:r>
+              <a:rPr lang="en-US" dirty="0" err="1"/>
+              <a:t>ushort</a:t>
+            </a:r>
+            <a:r>
+              <a:rPr lang="en-US" dirty="0"/>
+              <a:t>? What if you assign a bigger number? Show the value in the console</a:t>
+            </a:r>
+          </a:p>
+          <a:p>
+            <a:pPr lvl="1"/>
+            <a:endParaRPr lang="en-BE" dirty="0"/>
+          </a:p>
+        </p:txBody>
+      </p:sp>
+    </p:spTree>
+    <p:extLst>
+      <p:ext uri="{BB962C8B-B14F-4D97-AF65-F5344CB8AC3E}">
+        <p14:creationId xmlns:p14="http://schemas.microsoft.com/office/powerpoint/2010/main" val="3257990484"/>
       </p:ext>
     </p:extLst>
   </p:cSld>

--- a/Presentation.pptx
+++ b/Presentation.pptx
@@ -5,7 +5,7 @@
     <p:sldMasterId id="2147483840" r:id="rId1"/>
   </p:sldMasterIdLst>
   <p:notesMasterIdLst>
-    <p:notesMasterId r:id="rId25"/>
+    <p:notesMasterId r:id="rId27"/>
   </p:notesMasterIdLst>
   <p:sldIdLst>
     <p:sldId id="256" r:id="rId2"/>
@@ -31,6 +31,8 @@
     <p:sldId id="277" r:id="rId22"/>
     <p:sldId id="278" r:id="rId23"/>
     <p:sldId id="279" r:id="rId24"/>
+    <p:sldId id="280" r:id="rId25"/>
+    <p:sldId id="281" r:id="rId26"/>
   </p:sldIdLst>
   <p:sldSz cx="12192000" cy="6858000"/>
   <p:notesSz cx="6858000" cy="9144000"/>
@@ -169,6 +171,8 @@
             <p14:sldId id="277"/>
             <p14:sldId id="278"/>
             <p14:sldId id="279"/>
+            <p14:sldId id="280"/>
+            <p14:sldId id="281"/>
           </p14:sldIdLst>
         </p14:section>
       </p14:sectionLst>
@@ -6660,7 +6664,7 @@
           <a:p>
             <a:r>
               <a:rPr lang="en-US" dirty="0"/>
-              <a:t>Tip</a:t>
+              <a:t>Tips</a:t>
             </a:r>
           </a:p>
           <a:p>
@@ -6683,6 +6687,13 @@
             <a:r>
               <a:rPr lang="en-US" dirty="0"/>
               <a:t>Check how to combine different variables in one line via composite formatting &amp; string interpolation</a:t>
+            </a:r>
+          </a:p>
+          <a:p>
+            <a:pPr lvl="1"/>
+            <a:r>
+              <a:rPr lang="en-US" dirty="0"/>
+              <a:t>Check how to convert a variable name through convert</a:t>
             </a:r>
           </a:p>
         </p:txBody>
@@ -6850,6 +6861,304 @@
     <p:extLst>
       <p:ext uri="{BB962C8B-B14F-4D97-AF65-F5344CB8AC3E}">
         <p14:creationId xmlns:p14="http://schemas.microsoft.com/office/powerpoint/2010/main" val="3257990484"/>
+      </p:ext>
+    </p:extLst>
+  </p:cSld>
+  <p:clrMapOvr>
+    <a:masterClrMapping/>
+  </p:clrMapOvr>
+</p:sld>
+</file>
+
+<file path=ppt/slides/slide24.xml><?xml version="1.0" encoding="utf-8"?>
+<p:sld xmlns:a="http://schemas.openxmlformats.org/drawingml/2006/main" xmlns:r="http://schemas.openxmlformats.org/officeDocument/2006/relationships" xmlns:p="http://schemas.openxmlformats.org/presentationml/2006/main">
+  <p:cSld>
+    <p:spTree>
+      <p:nvGrpSpPr>
+        <p:cNvPr id="1" name=""/>
+        <p:cNvGrpSpPr/>
+        <p:nvPr/>
+      </p:nvGrpSpPr>
+      <p:grpSpPr>
+        <a:xfrm>
+          <a:off x="0" y="0"/>
+          <a:ext cx="0" cy="0"/>
+          <a:chOff x="0" y="0"/>
+          <a:chExt cx="0" cy="0"/>
+        </a:xfrm>
+      </p:grpSpPr>
+      <p:sp>
+        <p:nvSpPr>
+          <p:cNvPr id="2" name="Title 1">
+            <a:extLst>
+              <a:ext uri="{FF2B5EF4-FFF2-40B4-BE49-F238E27FC236}">
+                <a16:creationId xmlns:a16="http://schemas.microsoft.com/office/drawing/2014/main" id="{713B8804-C251-4B42-B22E-5A4ACB29A896}"/>
+              </a:ext>
+            </a:extLst>
+          </p:cNvPr>
+          <p:cNvSpPr>
+            <a:spLocks noGrp="1"/>
+          </p:cNvSpPr>
+          <p:nvPr>
+            <p:ph type="title"/>
+          </p:nvPr>
+        </p:nvSpPr>
+        <p:spPr/>
+        <p:txBody>
+          <a:bodyPr/>
+          <a:lstStyle/>
+          <a:p>
+            <a:r>
+              <a:rPr lang="en-US" dirty="0"/>
+              <a:t>Functions</a:t>
+            </a:r>
+            <a:endParaRPr lang="en-BE" dirty="0"/>
+          </a:p>
+        </p:txBody>
+      </p:sp>
+      <p:sp>
+        <p:nvSpPr>
+          <p:cNvPr id="3" name="Content Placeholder 2">
+            <a:extLst>
+              <a:ext uri="{FF2B5EF4-FFF2-40B4-BE49-F238E27FC236}">
+                <a16:creationId xmlns:a16="http://schemas.microsoft.com/office/drawing/2014/main" id="{0816A7A7-BAEB-474B-828B-F461912CE9D1}"/>
+              </a:ext>
+            </a:extLst>
+          </p:cNvPr>
+          <p:cNvSpPr>
+            <a:spLocks noGrp="1"/>
+          </p:cNvSpPr>
+          <p:nvPr>
+            <p:ph idx="1"/>
+          </p:nvPr>
+        </p:nvSpPr>
+        <p:spPr/>
+        <p:txBody>
+          <a:bodyPr/>
+          <a:lstStyle/>
+          <a:p>
+            <a:r>
+              <a:rPr lang="en-US" dirty="0"/>
+              <a:t>Function is code that’s written in a way that you can reuse it several times</a:t>
+            </a:r>
+          </a:p>
+          <a:p>
+            <a:r>
+              <a:rPr lang="en-US" dirty="0"/>
+              <a:t>Functions can be written inside the scope of static Main() function</a:t>
+            </a:r>
+          </a:p>
+          <a:p>
+            <a:r>
+              <a:rPr lang="en-US" dirty="0"/>
+              <a:t>Function can also be inside the scope of the class</a:t>
+            </a:r>
+          </a:p>
+          <a:p>
+            <a:r>
+              <a:rPr lang="en-US" dirty="0"/>
+              <a:t>You always need to define the visibility, return type and name; parameters are optional</a:t>
+            </a:r>
+          </a:p>
+          <a:p>
+            <a:r>
+              <a:rPr lang="en-US" dirty="0"/>
+              <a:t>Examples:</a:t>
+            </a:r>
+          </a:p>
+          <a:p>
+            <a:pPr lvl="1"/>
+            <a:r>
+              <a:rPr lang="en-US" dirty="0"/>
+              <a:t>Public void Hello() { </a:t>
+            </a:r>
+            <a:r>
+              <a:rPr lang="en-US" dirty="0" err="1"/>
+              <a:t>Console.WriteLine</a:t>
+            </a:r>
+            <a:r>
+              <a:rPr lang="en-US" dirty="0"/>
+              <a:t>(“Hello!”);</a:t>
+            </a:r>
+          </a:p>
+          <a:p>
+            <a:pPr lvl="1"/>
+            <a:r>
+              <a:rPr lang="en-US" dirty="0"/>
+              <a:t>Public int Sum(int a) { return a * 2};</a:t>
+            </a:r>
+          </a:p>
+          <a:p>
+            <a:pPr lvl="1"/>
+            <a:r>
+              <a:rPr lang="en-US" dirty="0"/>
+              <a:t>Hello();		-&gt; prints out Hello! in console</a:t>
+            </a:r>
+          </a:p>
+          <a:p>
+            <a:pPr lvl="1"/>
+            <a:r>
+              <a:rPr lang="en-US" dirty="0"/>
+              <a:t>Sum(5);		-&gt; returns 10</a:t>
+            </a:r>
+          </a:p>
+        </p:txBody>
+      </p:sp>
+    </p:spTree>
+    <p:extLst>
+      <p:ext uri="{BB962C8B-B14F-4D97-AF65-F5344CB8AC3E}">
+        <p14:creationId xmlns:p14="http://schemas.microsoft.com/office/powerpoint/2010/main" val="3961278480"/>
+      </p:ext>
+    </p:extLst>
+  </p:cSld>
+  <p:clrMapOvr>
+    <a:masterClrMapping/>
+  </p:clrMapOvr>
+</p:sld>
+</file>
+
+<file path=ppt/slides/slide25.xml><?xml version="1.0" encoding="utf-8"?>
+<p:sld xmlns:a="http://schemas.openxmlformats.org/drawingml/2006/main" xmlns:r="http://schemas.openxmlformats.org/officeDocument/2006/relationships" xmlns:p="http://schemas.openxmlformats.org/presentationml/2006/main">
+  <p:cSld>
+    <p:spTree>
+      <p:nvGrpSpPr>
+        <p:cNvPr id="1" name=""/>
+        <p:cNvGrpSpPr/>
+        <p:nvPr/>
+      </p:nvGrpSpPr>
+      <p:grpSpPr>
+        <a:xfrm>
+          <a:off x="0" y="0"/>
+          <a:ext cx="0" cy="0"/>
+          <a:chOff x="0" y="0"/>
+          <a:chExt cx="0" cy="0"/>
+        </a:xfrm>
+      </p:grpSpPr>
+      <p:sp>
+        <p:nvSpPr>
+          <p:cNvPr id="2" name="Title 1">
+            <a:extLst>
+              <a:ext uri="{FF2B5EF4-FFF2-40B4-BE49-F238E27FC236}">
+                <a16:creationId xmlns:a16="http://schemas.microsoft.com/office/drawing/2014/main" id="{D815E7C4-3C05-4E17-88F7-E6D19271C79A}"/>
+              </a:ext>
+            </a:extLst>
+          </p:cNvPr>
+          <p:cNvSpPr>
+            <a:spLocks noGrp="1"/>
+          </p:cNvSpPr>
+          <p:nvPr>
+            <p:ph type="title"/>
+          </p:nvPr>
+        </p:nvSpPr>
+        <p:spPr/>
+        <p:txBody>
+          <a:bodyPr/>
+          <a:lstStyle/>
+          <a:p>
+            <a:r>
+              <a:rPr lang="en-US" dirty="0"/>
+              <a:t>Functions</a:t>
+            </a:r>
+            <a:endParaRPr lang="en-BE" dirty="0"/>
+          </a:p>
+        </p:txBody>
+      </p:sp>
+      <p:sp>
+        <p:nvSpPr>
+          <p:cNvPr id="3" name="Content Placeholder 2">
+            <a:extLst>
+              <a:ext uri="{FF2B5EF4-FFF2-40B4-BE49-F238E27FC236}">
+                <a16:creationId xmlns:a16="http://schemas.microsoft.com/office/drawing/2014/main" id="{2AB943D6-77C5-4AF7-803B-0BBA74C6DF4B}"/>
+              </a:ext>
+            </a:extLst>
+          </p:cNvPr>
+          <p:cNvSpPr>
+            <a:spLocks noGrp="1"/>
+          </p:cNvSpPr>
+          <p:nvPr>
+            <p:ph idx="1"/>
+          </p:nvPr>
+        </p:nvSpPr>
+        <p:spPr/>
+        <p:txBody>
+          <a:bodyPr/>
+          <a:lstStyle/>
+          <a:p>
+            <a:r>
+              <a:rPr lang="en-US" dirty="0"/>
+              <a:t>Exercise 1</a:t>
+            </a:r>
+          </a:p>
+          <a:p>
+            <a:pPr lvl="1"/>
+            <a:r>
+              <a:rPr lang="en-US" dirty="0"/>
+              <a:t>Have the console ask for your name; use a function to display the following message: Hello </a:t>
+            </a:r>
+            <a:r>
+              <a:rPr lang="en-US" i="1" dirty="0"/>
+              <a:t>name</a:t>
+            </a:r>
+            <a:r>
+              <a:rPr lang="en-US" dirty="0"/>
+              <a:t>!</a:t>
+            </a:r>
+          </a:p>
+          <a:p>
+            <a:r>
+              <a:rPr lang="en-US" dirty="0"/>
+              <a:t>Exercise 2</a:t>
+            </a:r>
+          </a:p>
+          <a:p>
+            <a:pPr lvl="1"/>
+            <a:r>
+              <a:rPr lang="en-US" dirty="0"/>
+              <a:t>Have the console ask for 3 numbers and multiply them through a function; show the result in the console</a:t>
+            </a:r>
+          </a:p>
+          <a:p>
+            <a:pPr lvl="1"/>
+            <a:r>
+              <a:rPr lang="en-US" dirty="0"/>
+              <a:t>If you put the function in the Main() scope put it in the Class scope and thus outside the Main() scope; what’s the difference between both functions?</a:t>
+            </a:r>
+          </a:p>
+          <a:p>
+            <a:r>
+              <a:rPr lang="en-US" dirty="0"/>
+              <a:t>Exercise 3 (difficult)</a:t>
+            </a:r>
+          </a:p>
+          <a:p>
+            <a:pPr lvl="1"/>
+            <a:r>
+              <a:rPr lang="en-US" dirty="0"/>
+              <a:t>Build 4 functions for addition, subtraction ,multiplication and division; ask through the console which calculation they want to perform and then ask them two numbers and give </a:t>
+            </a:r>
+            <a:r>
+              <a:rPr lang="en-US"/>
+              <a:t>the result</a:t>
+            </a:r>
+            <a:endParaRPr lang="en-US" dirty="0"/>
+          </a:p>
+          <a:p>
+            <a:pPr lvl="1"/>
+            <a:r>
+              <a:rPr lang="en-US" dirty="0"/>
+              <a:t>Tip: use if or switch</a:t>
+            </a:r>
+          </a:p>
+          <a:p>
+            <a:pPr lvl="1"/>
+            <a:endParaRPr lang="en-US" dirty="0"/>
+          </a:p>
+        </p:txBody>
+      </p:sp>
+    </p:spTree>
+    <p:extLst>
+      <p:ext uri="{BB962C8B-B14F-4D97-AF65-F5344CB8AC3E}">
+        <p14:creationId xmlns:p14="http://schemas.microsoft.com/office/powerpoint/2010/main" val="993471959"/>
       </p:ext>
     </p:extLst>
   </p:cSld>

--- a/Presentation.pptx
+++ b/Presentation.pptx
@@ -5,7 +5,7 @@
     <p:sldMasterId id="2147483840" r:id="rId1"/>
   </p:sldMasterIdLst>
   <p:notesMasterIdLst>
-    <p:notesMasterId r:id="rId27"/>
+    <p:notesMasterId r:id="rId29"/>
   </p:notesMasterIdLst>
   <p:sldIdLst>
     <p:sldId id="256" r:id="rId2"/>
@@ -33,6 +33,8 @@
     <p:sldId id="279" r:id="rId24"/>
     <p:sldId id="280" r:id="rId25"/>
     <p:sldId id="281" r:id="rId26"/>
+    <p:sldId id="282" r:id="rId27"/>
+    <p:sldId id="283" r:id="rId28"/>
   </p:sldIdLst>
   <p:sldSz cx="12192000" cy="6858000"/>
   <p:notesSz cx="6858000" cy="9144000"/>
@@ -173,6 +175,8 @@
             <p14:sldId id="279"/>
             <p14:sldId id="280"/>
             <p14:sldId id="281"/>
+            <p14:sldId id="282"/>
+            <p14:sldId id="283"/>
           </p14:sldIdLst>
         </p14:section>
       </p14:sectionLst>
@@ -5566,7 +5570,7 @@
           <a:p>
             <a:r>
               <a:rPr lang="en-US" dirty="0"/>
-              <a:t>Loops</a:t>
+              <a:t>Control structures</a:t>
             </a:r>
           </a:p>
           <a:p>
@@ -7134,24 +7138,15 @@
             <a:pPr lvl="1"/>
             <a:r>
               <a:rPr lang="en-US" dirty="0"/>
-              <a:t>Build 4 functions for addition, subtraction ,multiplication and division; ask through the console which calculation they want to perform and then ask them two numbers and give </a:t>
-            </a:r>
-            <a:r>
-              <a:rPr lang="en-US"/>
-              <a:t>the result</a:t>
-            </a:r>
-            <a:endParaRPr lang="en-US" dirty="0"/>
+              <a:t>Create two functions with the same name but with different parameters (can be string vs int; 1 or 2 parameters)</a:t>
+            </a:r>
           </a:p>
           <a:p>
             <a:pPr lvl="1"/>
             <a:r>
               <a:rPr lang="en-US" dirty="0"/>
-              <a:t>Tip: use if or switch</a:t>
-            </a:r>
-          </a:p>
-          <a:p>
-            <a:pPr lvl="1"/>
-            <a:endParaRPr lang="en-US" dirty="0"/>
+              <a:t>When calling the function which function is called?</a:t>
+            </a:r>
           </a:p>
         </p:txBody>
       </p:sp>
@@ -7159,6 +7154,311 @@
     <p:extLst>
       <p:ext uri="{BB962C8B-B14F-4D97-AF65-F5344CB8AC3E}">
         <p14:creationId xmlns:p14="http://schemas.microsoft.com/office/powerpoint/2010/main" val="993471959"/>
+      </p:ext>
+    </p:extLst>
+  </p:cSld>
+  <p:clrMapOvr>
+    <a:masterClrMapping/>
+  </p:clrMapOvr>
+</p:sld>
+</file>
+
+<file path=ppt/slides/slide26.xml><?xml version="1.0" encoding="utf-8"?>
+<p:sld xmlns:a="http://schemas.openxmlformats.org/drawingml/2006/main" xmlns:r="http://schemas.openxmlformats.org/officeDocument/2006/relationships" xmlns:p="http://schemas.openxmlformats.org/presentationml/2006/main">
+  <p:cSld>
+    <p:spTree>
+      <p:nvGrpSpPr>
+        <p:cNvPr id="1" name=""/>
+        <p:cNvGrpSpPr/>
+        <p:nvPr/>
+      </p:nvGrpSpPr>
+      <p:grpSpPr>
+        <a:xfrm>
+          <a:off x="0" y="0"/>
+          <a:ext cx="0" cy="0"/>
+          <a:chOff x="0" y="0"/>
+          <a:chExt cx="0" cy="0"/>
+        </a:xfrm>
+      </p:grpSpPr>
+      <p:sp>
+        <p:nvSpPr>
+          <p:cNvPr id="2" name="Title 1">
+            <a:extLst>
+              <a:ext uri="{FF2B5EF4-FFF2-40B4-BE49-F238E27FC236}">
+                <a16:creationId xmlns:a16="http://schemas.microsoft.com/office/drawing/2014/main" id="{9A975458-7BC4-4D51-A1BA-72667B1083EA}"/>
+              </a:ext>
+            </a:extLst>
+          </p:cNvPr>
+          <p:cNvSpPr>
+            <a:spLocks noGrp="1"/>
+          </p:cNvSpPr>
+          <p:nvPr>
+            <p:ph type="title"/>
+          </p:nvPr>
+        </p:nvSpPr>
+        <p:spPr>
+          <a:xfrm>
+            <a:off x="0" y="1123837"/>
+            <a:ext cx="3469064" cy="4601183"/>
+          </a:xfrm>
+        </p:spPr>
+        <p:txBody>
+          <a:bodyPr/>
+          <a:lstStyle/>
+          <a:p>
+            <a:r>
+              <a:rPr lang="en-US" dirty="0"/>
+              <a:t>Control structures</a:t>
+            </a:r>
+            <a:endParaRPr lang="en-BE" dirty="0"/>
+          </a:p>
+        </p:txBody>
+      </p:sp>
+      <p:sp>
+        <p:nvSpPr>
+          <p:cNvPr id="3" name="Content Placeholder 2">
+            <a:extLst>
+              <a:ext uri="{FF2B5EF4-FFF2-40B4-BE49-F238E27FC236}">
+                <a16:creationId xmlns:a16="http://schemas.microsoft.com/office/drawing/2014/main" id="{75556BB6-4CEE-4ED7-8DF2-59EE15A7D16A}"/>
+              </a:ext>
+            </a:extLst>
+          </p:cNvPr>
+          <p:cNvSpPr>
+            <a:spLocks noGrp="1"/>
+          </p:cNvSpPr>
+          <p:nvPr>
+            <p:ph idx="1"/>
+          </p:nvPr>
+        </p:nvSpPr>
+        <p:spPr/>
+        <p:txBody>
+          <a:bodyPr>
+            <a:normAutofit/>
+          </a:bodyPr>
+          <a:lstStyle/>
+          <a:p>
+            <a:r>
+              <a:rPr lang="en-US" dirty="0"/>
+              <a:t>Control structure is a block of programming where you can choose which code is used and how many times you can use them</a:t>
+            </a:r>
+          </a:p>
+          <a:p>
+            <a:r>
+              <a:rPr lang="en-US" dirty="0"/>
+              <a:t>If, switch and loops are control structures</a:t>
+            </a:r>
+          </a:p>
+          <a:p>
+            <a:r>
+              <a:rPr lang="en-US" dirty="0"/>
+              <a:t>Control structures always have condition(s) in them deciding if the code is to run or not</a:t>
+            </a:r>
+          </a:p>
+          <a:p>
+            <a:r>
+              <a:rPr lang="en-US" dirty="0"/>
+              <a:t>Operators are used to define conditions</a:t>
+            </a:r>
+          </a:p>
+          <a:p>
+            <a:pPr lvl="1"/>
+            <a:r>
+              <a:rPr lang="en-US" dirty="0"/>
+              <a:t>var a == var b	-&gt; values are equal</a:t>
+            </a:r>
+          </a:p>
+          <a:p>
+            <a:pPr lvl="1"/>
+            <a:r>
+              <a:rPr lang="en-US" dirty="0"/>
+              <a:t>var a != var b	-&gt; values are unequal</a:t>
+            </a:r>
+          </a:p>
+          <a:p>
+            <a:pPr lvl="1"/>
+            <a:r>
+              <a:rPr lang="en-US" dirty="0"/>
+              <a:t>var a &gt; var b		-&gt; a is greater than b</a:t>
+            </a:r>
+          </a:p>
+          <a:p>
+            <a:pPr lvl="1"/>
+            <a:r>
+              <a:rPr lang="en-US" dirty="0"/>
+              <a:t>var a &lt;= var b	-&gt; b is greater or equal to a</a:t>
+            </a:r>
+          </a:p>
+          <a:p>
+            <a:r>
+              <a:rPr lang="en-US" dirty="0"/>
+              <a:t>Tips</a:t>
+            </a:r>
+          </a:p>
+          <a:p>
+            <a:pPr lvl="1"/>
+            <a:r>
+              <a:rPr lang="en-US" dirty="0"/>
+              <a:t>Check the difference between do while loop &amp; while loop</a:t>
+            </a:r>
+          </a:p>
+          <a:p>
+            <a:pPr lvl="1"/>
+            <a:r>
+              <a:rPr lang="en-US" dirty="0"/>
+              <a:t> Check how to run code indefinitely with a while loop</a:t>
+            </a:r>
+          </a:p>
+        </p:txBody>
+      </p:sp>
+    </p:spTree>
+    <p:extLst>
+      <p:ext uri="{BB962C8B-B14F-4D97-AF65-F5344CB8AC3E}">
+        <p14:creationId xmlns:p14="http://schemas.microsoft.com/office/powerpoint/2010/main" val="3382825098"/>
+      </p:ext>
+    </p:extLst>
+  </p:cSld>
+  <p:clrMapOvr>
+    <a:masterClrMapping/>
+  </p:clrMapOvr>
+</p:sld>
+</file>
+
+<file path=ppt/slides/slide27.xml><?xml version="1.0" encoding="utf-8"?>
+<p:sld xmlns:a="http://schemas.openxmlformats.org/drawingml/2006/main" xmlns:r="http://schemas.openxmlformats.org/officeDocument/2006/relationships" xmlns:p="http://schemas.openxmlformats.org/presentationml/2006/main">
+  <p:cSld>
+    <p:spTree>
+      <p:nvGrpSpPr>
+        <p:cNvPr id="1" name=""/>
+        <p:cNvGrpSpPr/>
+        <p:nvPr/>
+      </p:nvGrpSpPr>
+      <p:grpSpPr>
+        <a:xfrm>
+          <a:off x="0" y="0"/>
+          <a:ext cx="0" cy="0"/>
+          <a:chOff x="0" y="0"/>
+          <a:chExt cx="0" cy="0"/>
+        </a:xfrm>
+      </p:grpSpPr>
+      <p:sp>
+        <p:nvSpPr>
+          <p:cNvPr id="2" name="Title 1">
+            <a:extLst>
+              <a:ext uri="{FF2B5EF4-FFF2-40B4-BE49-F238E27FC236}">
+                <a16:creationId xmlns:a16="http://schemas.microsoft.com/office/drawing/2014/main" id="{5BF2569C-FDBC-48EE-9F13-5F6947BA0DDC}"/>
+              </a:ext>
+            </a:extLst>
+          </p:cNvPr>
+          <p:cNvSpPr>
+            <a:spLocks noGrp="1"/>
+          </p:cNvSpPr>
+          <p:nvPr>
+            <p:ph type="title"/>
+          </p:nvPr>
+        </p:nvSpPr>
+        <p:spPr>
+          <a:xfrm>
+            <a:off x="0" y="1123837"/>
+            <a:ext cx="3469063" cy="4601183"/>
+          </a:xfrm>
+        </p:spPr>
+        <p:txBody>
+          <a:bodyPr/>
+          <a:lstStyle/>
+          <a:p>
+            <a:r>
+              <a:rPr lang="en-US" dirty="0"/>
+              <a:t>Control structures</a:t>
+            </a:r>
+            <a:endParaRPr lang="en-BE" dirty="0"/>
+          </a:p>
+        </p:txBody>
+      </p:sp>
+      <p:sp>
+        <p:nvSpPr>
+          <p:cNvPr id="3" name="Content Placeholder 2">
+            <a:extLst>
+              <a:ext uri="{FF2B5EF4-FFF2-40B4-BE49-F238E27FC236}">
+                <a16:creationId xmlns:a16="http://schemas.microsoft.com/office/drawing/2014/main" id="{8CA9B0F6-F330-4CCC-98A1-3865090A0360}"/>
+              </a:ext>
+            </a:extLst>
+          </p:cNvPr>
+          <p:cNvSpPr>
+            <a:spLocks noGrp="1"/>
+          </p:cNvSpPr>
+          <p:nvPr>
+            <p:ph idx="1"/>
+          </p:nvPr>
+        </p:nvSpPr>
+        <p:spPr/>
+        <p:txBody>
+          <a:bodyPr/>
+          <a:lstStyle/>
+          <a:p>
+            <a:r>
+              <a:rPr lang="en-US" dirty="0"/>
+              <a:t>Exercise 1</a:t>
+            </a:r>
+          </a:p>
+          <a:p>
+            <a:pPr lvl="1"/>
+            <a:r>
+              <a:rPr lang="en-US" dirty="0"/>
+              <a:t>Create a loop that counts 1+2+..+5 and gives you the result</a:t>
+            </a:r>
+          </a:p>
+          <a:p>
+            <a:pPr lvl="1"/>
+            <a:r>
+              <a:rPr lang="en-US" dirty="0"/>
+              <a:t>Tip: use the for loop</a:t>
+            </a:r>
+          </a:p>
+          <a:p>
+            <a:pPr lvl="1"/>
+            <a:r>
+              <a:rPr lang="en-US" dirty="0"/>
+              <a:t>Can you ask a user through the console until what number he has to count?</a:t>
+            </a:r>
+          </a:p>
+          <a:p>
+            <a:r>
+              <a:rPr lang="en-US" dirty="0"/>
+              <a:t>Exercise 2 (difficult)</a:t>
+            </a:r>
+          </a:p>
+          <a:p>
+            <a:pPr lvl="1"/>
+            <a:r>
+              <a:rPr lang="en-US" dirty="0"/>
+              <a:t>Build 4 functions for addition, subtraction ,multiplication and division; ask through the console which calculation they want to perform and then ask them two numbers and give the result</a:t>
+            </a:r>
+          </a:p>
+          <a:p>
+            <a:pPr lvl="1"/>
+            <a:r>
+              <a:rPr lang="en-US" dirty="0"/>
+              <a:t>Tip: use if or switch structure</a:t>
+            </a:r>
+          </a:p>
+          <a:p>
+            <a:pPr lvl="1"/>
+            <a:r>
+              <a:rPr lang="en-US" dirty="0"/>
+              <a:t>Can you add this extra features? Have the console ask if the user wants to do another calculation. At the start of the exercise ask the user to give his name; when the user decides for no new calculation print out a message telling him goodbye with </a:t>
+            </a:r>
+            <a:r>
+              <a:rPr lang="en-US"/>
+              <a:t>his name </a:t>
+            </a:r>
+            <a:endParaRPr lang="en-BE" dirty="0"/>
+          </a:p>
+        </p:txBody>
+      </p:sp>
+    </p:spTree>
+    <p:extLst>
+      <p:ext uri="{BB962C8B-B14F-4D97-AF65-F5344CB8AC3E}">
+        <p14:creationId xmlns:p14="http://schemas.microsoft.com/office/powerpoint/2010/main" val="3875095538"/>
       </p:ext>
     </p:extLst>
   </p:cSld>

--- a/Presentation.pptx
+++ b/Presentation.pptx
@@ -5,7 +5,7 @@
     <p:sldMasterId id="2147483840" r:id="rId1"/>
   </p:sldMasterIdLst>
   <p:notesMasterIdLst>
-    <p:notesMasterId r:id="rId29"/>
+    <p:notesMasterId r:id="rId41"/>
   </p:notesMasterIdLst>
   <p:sldIdLst>
     <p:sldId id="256" r:id="rId2"/>
@@ -35,6 +35,18 @@
     <p:sldId id="281" r:id="rId26"/>
     <p:sldId id="282" r:id="rId27"/>
     <p:sldId id="283" r:id="rId28"/>
+    <p:sldId id="284" r:id="rId29"/>
+    <p:sldId id="285" r:id="rId30"/>
+    <p:sldId id="289" r:id="rId31"/>
+    <p:sldId id="290" r:id="rId32"/>
+    <p:sldId id="291" r:id="rId33"/>
+    <p:sldId id="292" r:id="rId34"/>
+    <p:sldId id="294" r:id="rId35"/>
+    <p:sldId id="293" r:id="rId36"/>
+    <p:sldId id="295" r:id="rId37"/>
+    <p:sldId id="286" r:id="rId38"/>
+    <p:sldId id="287" r:id="rId39"/>
+    <p:sldId id="296" r:id="rId40"/>
   </p:sldIdLst>
   <p:sldSz cx="12192000" cy="6858000"/>
   <p:notesSz cx="6858000" cy="9144000"/>
@@ -177,6 +189,26 @@
             <p14:sldId id="281"/>
             <p14:sldId id="282"/>
             <p14:sldId id="283"/>
+            <p14:sldId id="284"/>
+            <p14:sldId id="285"/>
+            <p14:sldId id="289"/>
+            <p14:sldId id="290"/>
+            <p14:sldId id="291"/>
+            <p14:sldId id="292"/>
+            <p14:sldId id="294"/>
+            <p14:sldId id="293"/>
+          </p14:sldIdLst>
+        </p14:section>
+        <p14:section name="Showcase" id="{2D95A53C-E5C1-41FA-AA36-1BC45A0E74EB}">
+          <p14:sldIdLst>
+            <p14:sldId id="295"/>
+            <p14:sldId id="286"/>
+            <p14:sldId id="287"/>
+          </p14:sldIdLst>
+        </p14:section>
+        <p14:section name="Resources" id="{09E3224A-0336-4311-88D0-0E283CCD3EA2}">
+          <p14:sldIdLst>
+            <p14:sldId id="296"/>
           </p14:sldIdLst>
         </p14:section>
       </p14:sectionLst>
@@ -270,7 +302,7 @@
           <a:p>
             <a:fld id="{A27FBE8F-6136-40DC-AF55-4DBA9E8E089E}" type="datetimeFigureOut">
               <a:rPr lang="en-BE" smtClean="0"/>
-              <a:t>13/01/2020</a:t>
+              <a:t>17/01/2020</a:t>
             </a:fld>
             <a:endParaRPr lang="en-BE"/>
           </a:p>
@@ -851,7 +883,7 @@
             <a:fld id="{5586B75A-687E-405C-8A0B-8D00578BA2C3}" type="datetimeFigureOut">
               <a:rPr lang="en-US" dirty="0"/>
               <a:pPr/>
-              <a:t>1/13/2020</a:t>
+              <a:t>1/17/2020</a:t>
             </a:fld>
             <a:endParaRPr lang="en-US" dirty="0"/>
           </a:p>
@@ -1018,7 +1050,7 @@
             <a:fld id="{5586B75A-687E-405C-8A0B-8D00578BA2C3}" type="datetimeFigureOut">
               <a:rPr lang="en-US" dirty="0"/>
               <a:pPr/>
-              <a:t>1/13/2020</a:t>
+              <a:t>1/17/2020</a:t>
             </a:fld>
             <a:endParaRPr lang="en-US" dirty="0"/>
           </a:p>
@@ -1195,7 +1227,7 @@
             <a:fld id="{5586B75A-687E-405C-8A0B-8D00578BA2C3}" type="datetimeFigureOut">
               <a:rPr lang="en-US" dirty="0"/>
               <a:pPr/>
-              <a:t>1/13/2020</a:t>
+              <a:t>1/17/2020</a:t>
             </a:fld>
             <a:endParaRPr lang="en-US" dirty="0"/>
           </a:p>
@@ -1362,7 +1394,7 @@
             <a:fld id="{5586B75A-687E-405C-8A0B-8D00578BA2C3}" type="datetimeFigureOut">
               <a:rPr lang="en-US" dirty="0"/>
               <a:pPr/>
-              <a:t>1/13/2020</a:t>
+              <a:t>1/17/2020</a:t>
             </a:fld>
             <a:endParaRPr lang="en-US" dirty="0"/>
           </a:p>
@@ -1613,7 +1645,7 @@
             <a:fld id="{5586B75A-687E-405C-8A0B-8D00578BA2C3}" type="datetimeFigureOut">
               <a:rPr lang="en-US" dirty="0"/>
               <a:pPr/>
-              <a:t>1/13/2020</a:t>
+              <a:t>1/17/2020</a:t>
             </a:fld>
             <a:endParaRPr lang="en-US" dirty="0"/>
           </a:p>
@@ -1898,7 +1930,7 @@
             <a:fld id="{5586B75A-687E-405C-8A0B-8D00578BA2C3}" type="datetimeFigureOut">
               <a:rPr lang="en-US" dirty="0"/>
               <a:pPr/>
-              <a:t>1/13/2020</a:t>
+              <a:t>1/17/2020</a:t>
             </a:fld>
             <a:endParaRPr lang="en-US" dirty="0"/>
           </a:p>
@@ -2337,7 +2369,7 @@
             <a:fld id="{5586B75A-687E-405C-8A0B-8D00578BA2C3}" type="datetimeFigureOut">
               <a:rPr lang="en-US" dirty="0"/>
               <a:pPr/>
-              <a:t>1/13/2020</a:t>
+              <a:t>1/17/2020</a:t>
             </a:fld>
             <a:endParaRPr lang="en-US" dirty="0"/>
           </a:p>
@@ -2452,7 +2484,7 @@
             <a:fld id="{5586B75A-687E-405C-8A0B-8D00578BA2C3}" type="datetimeFigureOut">
               <a:rPr lang="en-US" dirty="0"/>
               <a:pPr/>
-              <a:t>1/13/2020</a:t>
+              <a:t>1/17/2020</a:t>
             </a:fld>
             <a:endParaRPr lang="en-US" dirty="0"/>
           </a:p>
@@ -2544,7 +2576,7 @@
             <a:fld id="{5586B75A-687E-405C-8A0B-8D00578BA2C3}" type="datetimeFigureOut">
               <a:rPr lang="en-US" dirty="0"/>
               <a:pPr/>
-              <a:t>1/13/2020</a:t>
+              <a:t>1/17/2020</a:t>
             </a:fld>
             <a:endParaRPr lang="en-US" dirty="0"/>
           </a:p>
@@ -2829,7 +2861,7 @@
             <a:fld id="{5586B75A-687E-405C-8A0B-8D00578BA2C3}" type="datetimeFigureOut">
               <a:rPr lang="en-US" dirty="0"/>
               <a:pPr/>
-              <a:t>1/13/2020</a:t>
+              <a:t>1/17/2020</a:t>
             </a:fld>
             <a:endParaRPr lang="en-US" dirty="0"/>
           </a:p>
@@ -3099,7 +3131,7 @@
             <a:fld id="{5586B75A-687E-405C-8A0B-8D00578BA2C3}" type="datetimeFigureOut">
               <a:rPr lang="en-US" dirty="0"/>
               <a:pPr/>
-              <a:t>1/13/2020</a:t>
+              <a:t>1/17/2020</a:t>
             </a:fld>
             <a:endParaRPr lang="en-US" dirty="0"/>
           </a:p>
@@ -3393,7 +3425,7 @@
             <a:fld id="{5586B75A-687E-405C-8A0B-8D00578BA2C3}" type="datetimeFigureOut">
               <a:rPr lang="en-US" dirty="0"/>
               <a:pPr/>
-              <a:t>1/13/2020</a:t>
+              <a:t>1/17/2020</a:t>
             </a:fld>
             <a:endParaRPr lang="en-US" dirty="0"/>
           </a:p>
@@ -4637,7 +4669,7 @@
             </a:r>
             <a:r>
               <a:rPr lang="en-US" dirty="0"/>
-              <a:t>” add **/*.</a:t>
+              <a:t>”.sln add **/*.</a:t>
             </a:r>
             <a:r>
               <a:rPr lang="en-US" dirty="0" err="1"/>
@@ -4651,11 +4683,11 @@
           <a:p>
             <a:r>
               <a:rPr lang="en-US" dirty="0"/>
-              <a:t>Change your directory to your solution with ‘cd </a:t>
+              <a:t>Change your directory to your project with ‘cd </a:t>
             </a:r>
             <a:r>
               <a:rPr lang="en-US" i="1" dirty="0"/>
-              <a:t>Solution Name’</a:t>
+              <a:t>Project Name’</a:t>
             </a:r>
             <a:endParaRPr lang="en-US" dirty="0"/>
           </a:p>
@@ -4719,7 +4751,7 @@
       </p:grpSpPr>
       <p:sp>
         <p:nvSpPr>
-          <p:cNvPr id="34" name="Rectangle 33">
+          <p:cNvPr id="48" name="Rectangle 47">
             <a:extLst>
               <a:ext uri="{FF2B5EF4-FFF2-40B4-BE49-F238E27FC236}">
                 <a16:creationId xmlns:a16="http://schemas.microsoft.com/office/drawing/2014/main" id="{C9EC6C74-53A2-4F7F-B1BA-11496B105E94}"/>
@@ -4774,7 +4806,7 @@
       </p:sp>
       <p:sp>
         <p:nvSpPr>
-          <p:cNvPr id="36" name="Rectangle 35">
+          <p:cNvPr id="50" name="Rectangle 49">
             <a:extLst>
               <a:ext uri="{FF2B5EF4-FFF2-40B4-BE49-F238E27FC236}">
                 <a16:creationId xmlns:a16="http://schemas.microsoft.com/office/drawing/2014/main" id="{6B21CDB9-62E9-478E-ADD6-D1595D57A3A8}"/>
@@ -4831,7 +4863,7 @@
       </p:sp>
       <p:sp>
         <p:nvSpPr>
-          <p:cNvPr id="38" name="Rectangle 37">
+          <p:cNvPr id="52" name="Rectangle 51">
             <a:extLst>
               <a:ext uri="{FF2B5EF4-FFF2-40B4-BE49-F238E27FC236}">
                 <a16:creationId xmlns:a16="http://schemas.microsoft.com/office/drawing/2014/main" id="{2C646E12-0101-4F38-BE55-A8B73816D400}"/>
@@ -5000,10 +5032,10 @@
       </p:sp>
       <p:pic>
         <p:nvPicPr>
-          <p:cNvPr id="9" name="Content Placeholder 8" descr="A screenshot of a computer screen&#10;&#10;Description automatically generated">
+          <p:cNvPr id="11" name="Content Placeholder 10" descr="A screenshot of a computer screen&#10;&#10;Description automatically generated">
             <a:extLst>
               <a:ext uri="{FF2B5EF4-FFF2-40B4-BE49-F238E27FC236}">
-                <a16:creationId xmlns:a16="http://schemas.microsoft.com/office/drawing/2014/main" id="{5F9059BD-235E-4A8B-8F1C-A7D2E2BA417F}"/>
+                <a16:creationId xmlns:a16="http://schemas.microsoft.com/office/drawing/2014/main" id="{6A77D1F1-905C-4715-83AF-E1A64294713E}"/>
               </a:ext>
             </a:extLst>
           </p:cNvPr>
@@ -5282,7 +5314,7 @@
       </p:grpSpPr>
       <p:sp>
         <p:nvSpPr>
-          <p:cNvPr id="22" name="Rectangle 21">
+          <p:cNvPr id="27" name="Rectangle 26">
             <a:extLst>
               <a:ext uri="{FF2B5EF4-FFF2-40B4-BE49-F238E27FC236}">
                 <a16:creationId xmlns:a16="http://schemas.microsoft.com/office/drawing/2014/main" id="{2C646E12-0101-4F38-BE55-A8B73816D400}"/>
@@ -5399,6 +5431,11 @@
           </a:bodyPr>
           <a:lstStyle/>
           <a:p>
+            <a:pPr>
+              <a:buClr>
+                <a:schemeClr val="bg1"/>
+              </a:buClr>
+            </a:pPr>
             <a:r>
               <a:rPr lang="en-US" dirty="0">
                 <a:solidFill>
@@ -5409,6 +5446,11 @@
             </a:r>
           </a:p>
           <a:p>
+            <a:pPr>
+              <a:buClr>
+                <a:schemeClr val="bg1"/>
+              </a:buClr>
+            </a:pPr>
             <a:r>
               <a:rPr lang="en-US" dirty="0">
                 <a:solidFill>
@@ -5419,6 +5461,11 @@
             </a:r>
           </a:p>
           <a:p>
+            <a:pPr>
+              <a:buClr>
+                <a:schemeClr val="bg1"/>
+              </a:buClr>
+            </a:pPr>
             <a:r>
               <a:rPr lang="en-US" dirty="0">
                 <a:solidFill>
@@ -5429,6 +5476,11 @@
             </a:r>
           </a:p>
           <a:p>
+            <a:pPr>
+              <a:buClr>
+                <a:schemeClr val="bg1"/>
+              </a:buClr>
+            </a:pPr>
             <a:r>
               <a:rPr lang="en-US" dirty="0">
                 <a:solidFill>
@@ -5442,10 +5494,10 @@
       </p:sp>
       <p:pic>
         <p:nvPicPr>
-          <p:cNvPr id="15" name="Content Placeholder 14" descr="A screen shot of a smart phone&#10;&#10;Description automatically generated">
+          <p:cNvPr id="3" name="Picture 2" descr="A screen shot of a smart phone&#10;&#10;Description automatically generated">
             <a:extLst>
               <a:ext uri="{FF2B5EF4-FFF2-40B4-BE49-F238E27FC236}">
-                <a16:creationId xmlns:a16="http://schemas.microsoft.com/office/drawing/2014/main" id="{DE3B9940-677E-4FF5-9F14-6C6A94D57628}"/>
+                <a16:creationId xmlns:a16="http://schemas.microsoft.com/office/drawing/2014/main" id="{525DF976-D331-4EFA-97D8-D66F5BCF270E}"/>
               </a:ext>
             </a:extLst>
           </p:cNvPr>
@@ -5582,7 +5634,7 @@
           <a:p>
             <a:r>
               <a:rPr lang="en-US" dirty="0"/>
-              <a:t>LINQ</a:t>
+              <a:t>Access modifiers</a:t>
             </a:r>
           </a:p>
           <a:p>
@@ -5590,27 +5642,6 @@
               <a:rPr lang="en-US" dirty="0"/>
               <a:t>Classes</a:t>
             </a:r>
-          </a:p>
-          <a:p>
-            <a:r>
-              <a:rPr lang="en-US" dirty="0"/>
-              <a:t>Access modifiers</a:t>
-            </a:r>
-          </a:p>
-          <a:p>
-            <a:r>
-              <a:rPr lang="en-US" dirty="0"/>
-              <a:t>Unit Testing</a:t>
-            </a:r>
-          </a:p>
-          <a:p>
-            <a:r>
-              <a:rPr lang="en-US" dirty="0"/>
-              <a:t>NuGet Packages</a:t>
-            </a:r>
-          </a:p>
-          <a:p>
-            <a:endParaRPr lang="en-BE" dirty="0"/>
           </a:p>
         </p:txBody>
       </p:sp>
@@ -5858,7 +5889,13 @@
           <a:p>
             <a:r>
               <a:rPr lang="en-US" dirty="0"/>
-              <a:t>Showcase of more complex projects (WPF, NuGet, ASP.NET)</a:t>
+              <a:t>Showcase of more complex projects and where to continue (WPF, Unit Testing, Web API’s, ASP.NET, LINQ)</a:t>
+            </a:r>
+          </a:p>
+          <a:p>
+            <a:r>
+              <a:rPr lang="en-US" dirty="0"/>
+              <a:t>Resources</a:t>
             </a:r>
           </a:p>
         </p:txBody>
@@ -6697,7 +6734,14 @@
             <a:pPr lvl="1"/>
             <a:r>
               <a:rPr lang="en-US" dirty="0"/>
-              <a:t>Check how to convert a variable name through convert</a:t>
+              <a:t>Check how to convert a variable name through Convert class</a:t>
+            </a:r>
+          </a:p>
+          <a:p>
+            <a:pPr lvl="1"/>
+            <a:r>
+              <a:rPr lang="en-US" dirty="0"/>
+              <a:t>Check what happens when you type the variable name and add a ‘.’</a:t>
             </a:r>
           </a:p>
         </p:txBody>
@@ -6804,7 +6848,7 @@
             <a:pPr lvl="1"/>
             <a:r>
               <a:rPr lang="en-US" dirty="0"/>
-              <a:t>Declare 2 variables and show them on one line in the console (do this with 3 or less lines of code)</a:t>
+              <a:t>Declare 2 strings and show them on one line in the console (do this with 3 or less lines of code)</a:t>
             </a:r>
           </a:p>
           <a:p>
@@ -6824,7 +6868,7 @@
             <a:pPr lvl="1"/>
             <a:r>
               <a:rPr lang="en-US" dirty="0"/>
-              <a:t>Show in the console “My favorite character is: .”</a:t>
+              <a:t>Show in the console “My favorite character is ‘.’ because …”</a:t>
             </a:r>
           </a:p>
           <a:p>
@@ -7118,14 +7162,14 @@
             <a:pPr lvl="1"/>
             <a:r>
               <a:rPr lang="en-US" dirty="0"/>
-              <a:t>Have the console ask for 3 numbers and multiply them through a function; show the result in the console</a:t>
+              <a:t>Have the console ask for 3 numbers</a:t>
             </a:r>
           </a:p>
           <a:p>
             <a:pPr lvl="1"/>
             <a:r>
               <a:rPr lang="en-US" dirty="0"/>
-              <a:t>If you put the function in the Main() scope put it in the Class scope and thus outside the Main() scope; what’s the difference between both functions?</a:t>
+              <a:t>Have a function multiply those numbers and return the result</a:t>
             </a:r>
           </a:p>
           <a:p>
@@ -7431,13 +7475,27 @@
             <a:pPr lvl="1"/>
             <a:r>
               <a:rPr lang="en-US" dirty="0"/>
-              <a:t>Build 4 functions for addition, subtraction ,multiplication and division; ask through the console which calculation they want to perform and then ask them two numbers and give the result</a:t>
+              <a:t>Ask through the console which calculation to do: addition, reduction, multiplication or division</a:t>
             </a:r>
           </a:p>
           <a:p>
             <a:pPr lvl="1"/>
             <a:r>
               <a:rPr lang="en-US" dirty="0"/>
+              <a:t>Ask through the console 2 numbers</a:t>
+            </a:r>
+          </a:p>
+          <a:p>
+            <a:pPr lvl="1"/>
+            <a:r>
+              <a:rPr lang="en-US" dirty="0"/>
+              <a:t>Show result in the console</a:t>
+            </a:r>
+          </a:p>
+          <a:p>
+            <a:pPr lvl="1"/>
+            <a:r>
+              <a:rPr lang="en-US" dirty="0"/>
               <a:t>Tip: use if or switch structure</a:t>
             </a:r>
           </a:p>
@@ -7445,13 +7503,12 @@
             <a:pPr lvl="1"/>
             <a:r>
               <a:rPr lang="en-US" dirty="0"/>
-              <a:t>Can you add this extra features? Have the console ask if the user wants to do another calculation. At the start of the exercise ask the user to give his name; when the user decides for no new calculation print out a message telling him goodbye with </a:t>
-            </a:r>
-            <a:r>
-              <a:rPr lang="en-US"/>
-              <a:t>his name </a:t>
-            </a:r>
-            <a:endParaRPr lang="en-BE" dirty="0"/>
+              <a:t>Can you add extra features? Add an extra option to quit </a:t>
+            </a:r>
+          </a:p>
+          <a:p>
+            <a:pPr lvl="1"/>
+            <a:endParaRPr lang="en-US" dirty="0"/>
           </a:p>
         </p:txBody>
       </p:sp>
@@ -7459,6 +7516,319 @@
     <p:extLst>
       <p:ext uri="{BB962C8B-B14F-4D97-AF65-F5344CB8AC3E}">
         <p14:creationId xmlns:p14="http://schemas.microsoft.com/office/powerpoint/2010/main" val="3875095538"/>
+      </p:ext>
+    </p:extLst>
+  </p:cSld>
+  <p:clrMapOvr>
+    <a:masterClrMapping/>
+  </p:clrMapOvr>
+</p:sld>
+</file>
+
+<file path=ppt/slides/slide28.xml><?xml version="1.0" encoding="utf-8"?>
+<p:sld xmlns:a="http://schemas.openxmlformats.org/drawingml/2006/main" xmlns:r="http://schemas.openxmlformats.org/officeDocument/2006/relationships" xmlns:p="http://schemas.openxmlformats.org/presentationml/2006/main">
+  <p:cSld>
+    <p:spTree>
+      <p:nvGrpSpPr>
+        <p:cNvPr id="1" name=""/>
+        <p:cNvGrpSpPr/>
+        <p:nvPr/>
+      </p:nvGrpSpPr>
+      <p:grpSpPr>
+        <a:xfrm>
+          <a:off x="0" y="0"/>
+          <a:ext cx="0" cy="0"/>
+          <a:chOff x="0" y="0"/>
+          <a:chExt cx="0" cy="0"/>
+        </a:xfrm>
+      </p:grpSpPr>
+      <p:sp>
+        <p:nvSpPr>
+          <p:cNvPr id="2" name="Title 1">
+            <a:extLst>
+              <a:ext uri="{FF2B5EF4-FFF2-40B4-BE49-F238E27FC236}">
+                <a16:creationId xmlns:a16="http://schemas.microsoft.com/office/drawing/2014/main" id="{5448CFB8-E18D-4E9C-AD65-45E1EE2E8724}"/>
+              </a:ext>
+            </a:extLst>
+          </p:cNvPr>
+          <p:cNvSpPr>
+            <a:spLocks noGrp="1"/>
+          </p:cNvSpPr>
+          <p:nvPr>
+            <p:ph type="title"/>
+          </p:nvPr>
+        </p:nvSpPr>
+        <p:spPr/>
+        <p:txBody>
+          <a:bodyPr/>
+          <a:lstStyle/>
+          <a:p>
+            <a:r>
+              <a:rPr lang="en-US" dirty="0"/>
+              <a:t>Collections</a:t>
+            </a:r>
+            <a:endParaRPr lang="en-BE" dirty="0"/>
+          </a:p>
+        </p:txBody>
+      </p:sp>
+      <p:sp>
+        <p:nvSpPr>
+          <p:cNvPr id="3" name="Content Placeholder 2">
+            <a:extLst>
+              <a:ext uri="{FF2B5EF4-FFF2-40B4-BE49-F238E27FC236}">
+                <a16:creationId xmlns:a16="http://schemas.microsoft.com/office/drawing/2014/main" id="{7AC159FF-9C5E-44A0-BA4A-9FDBAB0BC42C}"/>
+              </a:ext>
+            </a:extLst>
+          </p:cNvPr>
+          <p:cNvSpPr>
+            <a:spLocks noGrp="1"/>
+          </p:cNvSpPr>
+          <p:nvPr>
+            <p:ph idx="1"/>
+          </p:nvPr>
+        </p:nvSpPr>
+        <p:spPr>
+          <a:xfrm>
+            <a:off x="3869268" y="864108"/>
+            <a:ext cx="7622006" cy="5120640"/>
+          </a:xfrm>
+        </p:spPr>
+        <p:txBody>
+          <a:bodyPr/>
+          <a:lstStyle/>
+          <a:p>
+            <a:r>
+              <a:rPr lang="en-US" dirty="0"/>
+              <a:t>Collections are datatypes where you can group related objects</a:t>
+            </a:r>
+          </a:p>
+          <a:p>
+            <a:r>
+              <a:rPr lang="en-US" dirty="0"/>
+              <a:t>All datatypes are objects so you can also group specific items (for example have a collection of only integers)</a:t>
+            </a:r>
+          </a:p>
+          <a:p>
+            <a:r>
+              <a:rPr lang="en-US" dirty="0"/>
+              <a:t>Examples</a:t>
+            </a:r>
+          </a:p>
+          <a:p>
+            <a:pPr lvl="1"/>
+            <a:r>
+              <a:rPr lang="en-US" dirty="0"/>
+              <a:t>String[] array1 = new int[5]	-&gt; declares empty array with 5 length</a:t>
+            </a:r>
+          </a:p>
+          <a:p>
+            <a:pPr lvl="1"/>
+            <a:r>
+              <a:rPr lang="en-US" dirty="0"/>
+              <a:t>List&lt;T&gt; object = new List&lt;T&gt;()	-&gt; declares empty list of type T</a:t>
+            </a:r>
+          </a:p>
+          <a:p>
+            <a:pPr lvl="1"/>
+            <a:r>
+              <a:rPr lang="en-US" dirty="0" err="1"/>
+              <a:t>ArrayList</a:t>
+            </a:r>
+            <a:r>
+              <a:rPr lang="en-US" dirty="0"/>
+              <a:t> test = new </a:t>
+            </a:r>
+            <a:r>
+              <a:rPr lang="en-US" dirty="0" err="1"/>
+              <a:t>ArrayList</a:t>
+            </a:r>
+            <a:r>
+              <a:rPr lang="en-US" dirty="0"/>
+              <a:t>() 	-&gt; declares </a:t>
+            </a:r>
+            <a:r>
+              <a:rPr lang="en-US" dirty="0" err="1"/>
+              <a:t>ArrayList</a:t>
+            </a:r>
+            <a:endParaRPr lang="en-US" dirty="0"/>
+          </a:p>
+          <a:p>
+            <a:r>
+              <a:rPr lang="en-US" dirty="0"/>
+              <a:t>Tips</a:t>
+            </a:r>
+          </a:p>
+          <a:p>
+            <a:pPr lvl="1"/>
+            <a:r>
+              <a:rPr lang="en-US" dirty="0"/>
+              <a:t>Check what’s the difference between array &amp; list; how does </a:t>
+            </a:r>
+            <a:r>
+              <a:rPr lang="en-US" dirty="0" err="1"/>
+              <a:t>arraylist</a:t>
+            </a:r>
+            <a:r>
+              <a:rPr lang="en-US" dirty="0"/>
+              <a:t> play into them?</a:t>
+            </a:r>
+          </a:p>
+        </p:txBody>
+      </p:sp>
+    </p:spTree>
+    <p:extLst>
+      <p:ext uri="{BB962C8B-B14F-4D97-AF65-F5344CB8AC3E}">
+        <p14:creationId xmlns:p14="http://schemas.microsoft.com/office/powerpoint/2010/main" val="2669236875"/>
+      </p:ext>
+    </p:extLst>
+  </p:cSld>
+  <p:clrMapOvr>
+    <a:masterClrMapping/>
+  </p:clrMapOvr>
+</p:sld>
+</file>
+
+<file path=ppt/slides/slide29.xml><?xml version="1.0" encoding="utf-8"?>
+<p:sld xmlns:a="http://schemas.openxmlformats.org/drawingml/2006/main" xmlns:r="http://schemas.openxmlformats.org/officeDocument/2006/relationships" xmlns:p="http://schemas.openxmlformats.org/presentationml/2006/main">
+  <p:cSld>
+    <p:spTree>
+      <p:nvGrpSpPr>
+        <p:cNvPr id="1" name=""/>
+        <p:cNvGrpSpPr/>
+        <p:nvPr/>
+      </p:nvGrpSpPr>
+      <p:grpSpPr>
+        <a:xfrm>
+          <a:off x="0" y="0"/>
+          <a:ext cx="0" cy="0"/>
+          <a:chOff x="0" y="0"/>
+          <a:chExt cx="0" cy="0"/>
+        </a:xfrm>
+      </p:grpSpPr>
+      <p:sp>
+        <p:nvSpPr>
+          <p:cNvPr id="2" name="Title 1">
+            <a:extLst>
+              <a:ext uri="{FF2B5EF4-FFF2-40B4-BE49-F238E27FC236}">
+                <a16:creationId xmlns:a16="http://schemas.microsoft.com/office/drawing/2014/main" id="{59BBCAF7-413D-40AC-A83E-4D2CC70DB9F0}"/>
+              </a:ext>
+            </a:extLst>
+          </p:cNvPr>
+          <p:cNvSpPr>
+            <a:spLocks noGrp="1"/>
+          </p:cNvSpPr>
+          <p:nvPr>
+            <p:ph type="title"/>
+          </p:nvPr>
+        </p:nvSpPr>
+        <p:spPr/>
+        <p:txBody>
+          <a:bodyPr/>
+          <a:lstStyle/>
+          <a:p>
+            <a:r>
+              <a:rPr lang="en-US" dirty="0"/>
+              <a:t>Collections</a:t>
+            </a:r>
+            <a:endParaRPr lang="en-BE" dirty="0"/>
+          </a:p>
+        </p:txBody>
+      </p:sp>
+      <p:sp>
+        <p:nvSpPr>
+          <p:cNvPr id="3" name="Content Placeholder 2">
+            <a:extLst>
+              <a:ext uri="{FF2B5EF4-FFF2-40B4-BE49-F238E27FC236}">
+                <a16:creationId xmlns:a16="http://schemas.microsoft.com/office/drawing/2014/main" id="{F6CE1F46-C99D-4EB0-B3A6-AEA5F7A322D4}"/>
+              </a:ext>
+            </a:extLst>
+          </p:cNvPr>
+          <p:cNvSpPr>
+            <a:spLocks noGrp="1"/>
+          </p:cNvSpPr>
+          <p:nvPr>
+            <p:ph idx="1"/>
+          </p:nvPr>
+        </p:nvSpPr>
+        <p:spPr/>
+        <p:txBody>
+          <a:bodyPr/>
+          <a:lstStyle/>
+          <a:p>
+            <a:r>
+              <a:rPr lang="en-US" dirty="0"/>
+              <a:t>Exercise 1</a:t>
+            </a:r>
+          </a:p>
+          <a:p>
+            <a:pPr lvl="1"/>
+            <a:r>
+              <a:rPr lang="en-US" dirty="0"/>
+              <a:t>Instantiate</a:t>
+            </a:r>
+            <a:r>
+              <a:rPr lang="nl-BE" dirty="0"/>
+              <a:t> </a:t>
+            </a:r>
+            <a:r>
+              <a:rPr lang="en-US" dirty="0"/>
+              <a:t>a list and add everybody’s name in this workshop to that list. Show all those names in the console.</a:t>
+            </a:r>
+          </a:p>
+          <a:p>
+            <a:pPr lvl="1"/>
+            <a:r>
+              <a:rPr lang="en-US" dirty="0"/>
+              <a:t>Can you find the different ways to add a name to the list?</a:t>
+            </a:r>
+          </a:p>
+          <a:p>
+            <a:pPr lvl="1"/>
+            <a:r>
+              <a:rPr lang="en-US" dirty="0"/>
+              <a:t>Can you find different ways to show the names in the console?</a:t>
+            </a:r>
+          </a:p>
+          <a:p>
+            <a:r>
+              <a:rPr lang="en-US" dirty="0"/>
+              <a:t>Exercise 2</a:t>
+            </a:r>
+          </a:p>
+          <a:p>
+            <a:pPr lvl="1"/>
+            <a:r>
+              <a:rPr lang="en-US" dirty="0"/>
+              <a:t>Make 2 arrays with 10 random numbers. Put the quotient in a new array. Show the whole division and quotient in the console.</a:t>
+            </a:r>
+          </a:p>
+          <a:p>
+            <a:pPr lvl="1"/>
+            <a:r>
+              <a:rPr lang="en-US" dirty="0"/>
+              <a:t> Tip: check the Random class documentation on generating random numbers</a:t>
+            </a:r>
+          </a:p>
+          <a:p>
+            <a:r>
+              <a:rPr lang="en-US" dirty="0"/>
+              <a:t>Exercise 3 (difficult)</a:t>
+            </a:r>
+          </a:p>
+          <a:p>
+            <a:pPr lvl="1"/>
+            <a:r>
+              <a:rPr lang="en-US" dirty="0"/>
+              <a:t>What are Queue&lt;T&gt; and Stack&lt;T&gt;? What is the difference between LIFO and FIFO?</a:t>
+            </a:r>
+            <a:endParaRPr lang="en-BE" dirty="0"/>
+          </a:p>
+        </p:txBody>
+      </p:sp>
+    </p:spTree>
+    <p:extLst>
+      <p:ext uri="{BB962C8B-B14F-4D97-AF65-F5344CB8AC3E}">
+        <p14:creationId xmlns:p14="http://schemas.microsoft.com/office/powerpoint/2010/main" val="739387924"/>
       </p:ext>
     </p:extLst>
   </p:cSld>
@@ -7564,6 +7934,1845 @@
     <p:extLst>
       <p:ext uri="{BB962C8B-B14F-4D97-AF65-F5344CB8AC3E}">
         <p14:creationId xmlns:p14="http://schemas.microsoft.com/office/powerpoint/2010/main" val="1807228308"/>
+      </p:ext>
+    </p:extLst>
+  </p:cSld>
+  <p:clrMapOvr>
+    <a:masterClrMapping/>
+  </p:clrMapOvr>
+</p:sld>
+</file>
+
+<file path=ppt/slides/slide30.xml><?xml version="1.0" encoding="utf-8"?>
+<p:sld xmlns:a="http://schemas.openxmlformats.org/drawingml/2006/main" xmlns:r="http://schemas.openxmlformats.org/officeDocument/2006/relationships" xmlns:p="http://schemas.openxmlformats.org/presentationml/2006/main">
+  <p:cSld>
+    <p:spTree>
+      <p:nvGrpSpPr>
+        <p:cNvPr id="1" name=""/>
+        <p:cNvGrpSpPr/>
+        <p:nvPr/>
+      </p:nvGrpSpPr>
+      <p:grpSpPr>
+        <a:xfrm>
+          <a:off x="0" y="0"/>
+          <a:ext cx="0" cy="0"/>
+          <a:chOff x="0" y="0"/>
+          <a:chExt cx="0" cy="0"/>
+        </a:xfrm>
+      </p:grpSpPr>
+      <p:sp>
+        <p:nvSpPr>
+          <p:cNvPr id="2" name="Title 1">
+            <a:extLst>
+              <a:ext uri="{FF2B5EF4-FFF2-40B4-BE49-F238E27FC236}">
+                <a16:creationId xmlns:a16="http://schemas.microsoft.com/office/drawing/2014/main" id="{13EE882F-449D-48F4-AC47-C122BC90AF64}"/>
+              </a:ext>
+            </a:extLst>
+          </p:cNvPr>
+          <p:cNvSpPr>
+            <a:spLocks noGrp="1"/>
+          </p:cNvSpPr>
+          <p:nvPr>
+            <p:ph type="title"/>
+          </p:nvPr>
+        </p:nvSpPr>
+        <p:spPr>
+          <a:xfrm>
+            <a:off x="0" y="1123837"/>
+            <a:ext cx="3416967" cy="4601183"/>
+          </a:xfrm>
+        </p:spPr>
+        <p:txBody>
+          <a:bodyPr/>
+          <a:lstStyle/>
+          <a:p>
+            <a:r>
+              <a:rPr lang="en-US" dirty="0"/>
+              <a:t>Access Modifiers</a:t>
+            </a:r>
+            <a:endParaRPr lang="en-BE" dirty="0"/>
+          </a:p>
+        </p:txBody>
+      </p:sp>
+      <p:sp>
+        <p:nvSpPr>
+          <p:cNvPr id="3" name="Content Placeholder 2">
+            <a:extLst>
+              <a:ext uri="{FF2B5EF4-FFF2-40B4-BE49-F238E27FC236}">
+                <a16:creationId xmlns:a16="http://schemas.microsoft.com/office/drawing/2014/main" id="{3EB85C99-7DF0-46D3-8E11-430C5441703C}"/>
+              </a:ext>
+            </a:extLst>
+          </p:cNvPr>
+          <p:cNvSpPr>
+            <a:spLocks noGrp="1"/>
+          </p:cNvSpPr>
+          <p:nvPr>
+            <p:ph idx="1"/>
+          </p:nvPr>
+        </p:nvSpPr>
+        <p:spPr>
+          <a:xfrm>
+            <a:off x="3609474" y="864108"/>
+            <a:ext cx="8197515" cy="5120640"/>
+          </a:xfrm>
+        </p:spPr>
+        <p:txBody>
+          <a:bodyPr/>
+          <a:lstStyle/>
+          <a:p>
+            <a:r>
+              <a:rPr lang="en-US" dirty="0"/>
+              <a:t>Protects code from being accessible to other projects, classes and scopes</a:t>
+            </a:r>
+          </a:p>
+          <a:p>
+            <a:r>
+              <a:rPr lang="en-US" dirty="0"/>
+              <a:t>This is C# specific and other languages can use other keywords</a:t>
+            </a:r>
+          </a:p>
+          <a:p>
+            <a:r>
+              <a:rPr lang="en-US" dirty="0"/>
+              <a:t>Examples</a:t>
+            </a:r>
+          </a:p>
+          <a:p>
+            <a:pPr lvl="1"/>
+            <a:r>
+              <a:rPr lang="en-US" dirty="0"/>
+              <a:t>Private        	=&gt;    Accessible only if it’s in the same class or scope</a:t>
+            </a:r>
+          </a:p>
+          <a:p>
+            <a:pPr lvl="1"/>
+            <a:r>
+              <a:rPr lang="en-US" dirty="0"/>
+              <a:t>Protected  	=&gt;    Accessible in derived classes</a:t>
+            </a:r>
+          </a:p>
+          <a:p>
+            <a:pPr lvl="1"/>
+            <a:r>
+              <a:rPr lang="en-US" dirty="0"/>
+              <a:t>Internal	=&gt;    Accessible in the same assembly / project</a:t>
+            </a:r>
+          </a:p>
+          <a:p>
+            <a:pPr lvl="1"/>
+            <a:r>
+              <a:rPr lang="en-US" dirty="0"/>
+              <a:t>Public	=&gt;    Accessible everywhere</a:t>
+            </a:r>
+          </a:p>
+          <a:p>
+            <a:r>
+              <a:rPr lang="en-US" dirty="0"/>
+              <a:t>Exercise 1</a:t>
+            </a:r>
+          </a:p>
+          <a:p>
+            <a:pPr lvl="1"/>
+            <a:r>
+              <a:rPr lang="en-US" dirty="0"/>
+              <a:t>What does protected internal mean?</a:t>
+            </a:r>
+            <a:endParaRPr lang="en-BE" dirty="0"/>
+          </a:p>
+        </p:txBody>
+      </p:sp>
+    </p:spTree>
+    <p:extLst>
+      <p:ext uri="{BB962C8B-B14F-4D97-AF65-F5344CB8AC3E}">
+        <p14:creationId xmlns:p14="http://schemas.microsoft.com/office/powerpoint/2010/main" val="3891456316"/>
+      </p:ext>
+    </p:extLst>
+  </p:cSld>
+  <p:clrMapOvr>
+    <a:masterClrMapping/>
+  </p:clrMapOvr>
+</p:sld>
+</file>
+
+<file path=ppt/slides/slide31.xml><?xml version="1.0" encoding="utf-8"?>
+<p:sld xmlns:a="http://schemas.openxmlformats.org/drawingml/2006/main" xmlns:r="http://schemas.openxmlformats.org/officeDocument/2006/relationships" xmlns:p="http://schemas.openxmlformats.org/presentationml/2006/main">
+  <p:cSld>
+    <p:spTree>
+      <p:nvGrpSpPr>
+        <p:cNvPr id="1" name=""/>
+        <p:cNvGrpSpPr/>
+        <p:nvPr/>
+      </p:nvGrpSpPr>
+      <p:grpSpPr>
+        <a:xfrm>
+          <a:off x="0" y="0"/>
+          <a:ext cx="0" cy="0"/>
+          <a:chOff x="0" y="0"/>
+          <a:chExt cx="0" cy="0"/>
+        </a:xfrm>
+      </p:grpSpPr>
+      <p:sp>
+        <p:nvSpPr>
+          <p:cNvPr id="2" name="Title 1">
+            <a:extLst>
+              <a:ext uri="{FF2B5EF4-FFF2-40B4-BE49-F238E27FC236}">
+                <a16:creationId xmlns:a16="http://schemas.microsoft.com/office/drawing/2014/main" id="{0CF35D9E-ED33-4475-B27E-5D3F72482B6F}"/>
+              </a:ext>
+            </a:extLst>
+          </p:cNvPr>
+          <p:cNvSpPr>
+            <a:spLocks noGrp="1"/>
+          </p:cNvSpPr>
+          <p:nvPr>
+            <p:ph type="title"/>
+          </p:nvPr>
+        </p:nvSpPr>
+        <p:spPr>
+          <a:xfrm>
+            <a:off x="0" y="1123837"/>
+            <a:ext cx="3449053" cy="4601183"/>
+          </a:xfrm>
+        </p:spPr>
+        <p:txBody>
+          <a:bodyPr/>
+          <a:lstStyle/>
+          <a:p>
+            <a:r>
+              <a:rPr lang="en-US" dirty="0"/>
+              <a:t>Access Modifiers</a:t>
+            </a:r>
+            <a:endParaRPr lang="en-BE" dirty="0"/>
+          </a:p>
+        </p:txBody>
+      </p:sp>
+      <p:pic>
+        <p:nvPicPr>
+          <p:cNvPr id="5" name="Content Placeholder 4" descr="A picture containing map, text&#10;&#10;Description automatically generated">
+            <a:extLst>
+              <a:ext uri="{FF2B5EF4-FFF2-40B4-BE49-F238E27FC236}">
+                <a16:creationId xmlns:a16="http://schemas.microsoft.com/office/drawing/2014/main" id="{29B16AE4-55A6-4AEE-8879-5552613BF902}"/>
+              </a:ext>
+            </a:extLst>
+          </p:cNvPr>
+          <p:cNvPicPr>
+            <a:picLocks noGrp="1" noChangeAspect="1"/>
+          </p:cNvPicPr>
+          <p:nvPr>
+            <p:ph idx="1"/>
+          </p:nvPr>
+        </p:nvPicPr>
+        <p:blipFill>
+          <a:blip r:embed="rId2"/>
+          <a:stretch>
+            <a:fillRect/>
+          </a:stretch>
+        </p:blipFill>
+        <p:spPr>
+          <a:xfrm>
+            <a:off x="4957011" y="223994"/>
+            <a:ext cx="5085347" cy="6334091"/>
+          </a:xfrm>
+        </p:spPr>
+      </p:pic>
+    </p:spTree>
+    <p:extLst>
+      <p:ext uri="{BB962C8B-B14F-4D97-AF65-F5344CB8AC3E}">
+        <p14:creationId xmlns:p14="http://schemas.microsoft.com/office/powerpoint/2010/main" val="2564667199"/>
+      </p:ext>
+    </p:extLst>
+  </p:cSld>
+  <p:clrMapOvr>
+    <a:masterClrMapping/>
+  </p:clrMapOvr>
+</p:sld>
+</file>
+
+<file path=ppt/slides/slide32.xml><?xml version="1.0" encoding="utf-8"?>
+<p:sld xmlns:a="http://schemas.openxmlformats.org/drawingml/2006/main" xmlns:r="http://schemas.openxmlformats.org/officeDocument/2006/relationships" xmlns:p="http://schemas.openxmlformats.org/presentationml/2006/main">
+  <p:cSld>
+    <p:spTree>
+      <p:nvGrpSpPr>
+        <p:cNvPr id="1" name=""/>
+        <p:cNvGrpSpPr/>
+        <p:nvPr/>
+      </p:nvGrpSpPr>
+      <p:grpSpPr>
+        <a:xfrm>
+          <a:off x="0" y="0"/>
+          <a:ext cx="0" cy="0"/>
+          <a:chOff x="0" y="0"/>
+          <a:chExt cx="0" cy="0"/>
+        </a:xfrm>
+      </p:grpSpPr>
+      <p:sp>
+        <p:nvSpPr>
+          <p:cNvPr id="2" name="Title 1">
+            <a:extLst>
+              <a:ext uri="{FF2B5EF4-FFF2-40B4-BE49-F238E27FC236}">
+                <a16:creationId xmlns:a16="http://schemas.microsoft.com/office/drawing/2014/main" id="{FBD2ECD7-DD24-4F33-A799-08F5C9247E0A}"/>
+              </a:ext>
+            </a:extLst>
+          </p:cNvPr>
+          <p:cNvSpPr>
+            <a:spLocks noGrp="1"/>
+          </p:cNvSpPr>
+          <p:nvPr>
+            <p:ph type="title"/>
+          </p:nvPr>
+        </p:nvSpPr>
+        <p:spPr/>
+        <p:txBody>
+          <a:bodyPr/>
+          <a:lstStyle/>
+          <a:p>
+            <a:r>
+              <a:rPr lang="en-US" dirty="0"/>
+              <a:t>Class</a:t>
+            </a:r>
+            <a:endParaRPr lang="en-BE" dirty="0"/>
+          </a:p>
+        </p:txBody>
+      </p:sp>
+      <p:sp>
+        <p:nvSpPr>
+          <p:cNvPr id="3" name="Content Placeholder 2">
+            <a:extLst>
+              <a:ext uri="{FF2B5EF4-FFF2-40B4-BE49-F238E27FC236}">
+                <a16:creationId xmlns:a16="http://schemas.microsoft.com/office/drawing/2014/main" id="{61331905-1C11-459F-994C-FA57A53E7D21}"/>
+              </a:ext>
+            </a:extLst>
+          </p:cNvPr>
+          <p:cNvSpPr>
+            <a:spLocks noGrp="1"/>
+          </p:cNvSpPr>
+          <p:nvPr>
+            <p:ph idx="1"/>
+          </p:nvPr>
+        </p:nvSpPr>
+        <p:spPr/>
+        <p:txBody>
+          <a:bodyPr/>
+          <a:lstStyle/>
+          <a:p>
+            <a:r>
+              <a:rPr lang="en-US" dirty="0"/>
+              <a:t>Blueprint for creating a </a:t>
+            </a:r>
+            <a:r>
+              <a:rPr lang="en-US" i="1" dirty="0"/>
+              <a:t>specific </a:t>
+            </a:r>
+            <a:r>
+              <a:rPr lang="en-US" dirty="0"/>
+              <a:t>object</a:t>
+            </a:r>
+          </a:p>
+          <a:p>
+            <a:r>
+              <a:rPr lang="en-US" dirty="0"/>
+              <a:t>Why?</a:t>
+            </a:r>
+          </a:p>
+          <a:p>
+            <a:pPr lvl="1"/>
+            <a:r>
+              <a:rPr lang="en-US" dirty="0"/>
+              <a:t>Abstraction; keep everything separated</a:t>
+            </a:r>
+          </a:p>
+          <a:p>
+            <a:pPr lvl="1"/>
+            <a:r>
+              <a:rPr lang="en-US" dirty="0"/>
+              <a:t>State which properties an object can have</a:t>
+            </a:r>
+          </a:p>
+          <a:p>
+            <a:pPr lvl="1"/>
+            <a:r>
+              <a:rPr lang="en-US" dirty="0"/>
+              <a:t>Create specific methods (functions) for that class</a:t>
+            </a:r>
+          </a:p>
+          <a:p>
+            <a:r>
+              <a:rPr lang="en-US" dirty="0"/>
+              <a:t>Classes are divided in 3 components:</a:t>
+            </a:r>
+          </a:p>
+          <a:p>
+            <a:pPr lvl="1"/>
+            <a:r>
+              <a:rPr lang="en-US" dirty="0"/>
+              <a:t>Properties	 =&gt;    define which variables an instance/object of that 		          class will have</a:t>
+            </a:r>
+          </a:p>
+          <a:p>
+            <a:pPr lvl="1"/>
+            <a:r>
+              <a:rPr lang="en-US" dirty="0"/>
+              <a:t>Constructor  =&gt;    defines how an instance/object of a class can be 		           made</a:t>
+            </a:r>
+          </a:p>
+          <a:p>
+            <a:pPr lvl="1"/>
+            <a:r>
+              <a:rPr lang="en-US" dirty="0"/>
+              <a:t>Methods	  =&gt;    defines which functions are accessible to the 		           objects belonging to that class</a:t>
+            </a:r>
+          </a:p>
+        </p:txBody>
+      </p:sp>
+    </p:spTree>
+    <p:extLst>
+      <p:ext uri="{BB962C8B-B14F-4D97-AF65-F5344CB8AC3E}">
+        <p14:creationId xmlns:p14="http://schemas.microsoft.com/office/powerpoint/2010/main" val="2011363068"/>
+      </p:ext>
+    </p:extLst>
+  </p:cSld>
+  <p:clrMapOvr>
+    <a:masterClrMapping/>
+  </p:clrMapOvr>
+</p:sld>
+</file>
+
+<file path=ppt/slides/slide33.xml><?xml version="1.0" encoding="utf-8"?>
+<p:sld xmlns:a="http://schemas.openxmlformats.org/drawingml/2006/main" xmlns:r="http://schemas.openxmlformats.org/officeDocument/2006/relationships" xmlns:p="http://schemas.openxmlformats.org/presentationml/2006/main">
+  <p:cSld>
+    <p:spTree>
+      <p:nvGrpSpPr>
+        <p:cNvPr id="1" name=""/>
+        <p:cNvGrpSpPr/>
+        <p:nvPr/>
+      </p:nvGrpSpPr>
+      <p:grpSpPr>
+        <a:xfrm>
+          <a:off x="0" y="0"/>
+          <a:ext cx="0" cy="0"/>
+          <a:chOff x="0" y="0"/>
+          <a:chExt cx="0" cy="0"/>
+        </a:xfrm>
+      </p:grpSpPr>
+      <p:sp>
+        <p:nvSpPr>
+          <p:cNvPr id="2" name="Title 1">
+            <a:extLst>
+              <a:ext uri="{FF2B5EF4-FFF2-40B4-BE49-F238E27FC236}">
+                <a16:creationId xmlns:a16="http://schemas.microsoft.com/office/drawing/2014/main" id="{373DFB60-27A9-4804-B8BE-4A60D3381C28}"/>
+              </a:ext>
+            </a:extLst>
+          </p:cNvPr>
+          <p:cNvSpPr>
+            <a:spLocks noGrp="1"/>
+          </p:cNvSpPr>
+          <p:nvPr>
+            <p:ph type="title"/>
+          </p:nvPr>
+        </p:nvSpPr>
+        <p:spPr/>
+        <p:txBody>
+          <a:bodyPr/>
+          <a:lstStyle/>
+          <a:p>
+            <a:r>
+              <a:rPr lang="en-US" dirty="0"/>
+              <a:t>Class</a:t>
+            </a:r>
+            <a:endParaRPr lang="en-BE" dirty="0"/>
+          </a:p>
+        </p:txBody>
+      </p:sp>
+      <p:sp>
+        <p:nvSpPr>
+          <p:cNvPr id="3" name="Content Placeholder 2">
+            <a:extLst>
+              <a:ext uri="{FF2B5EF4-FFF2-40B4-BE49-F238E27FC236}">
+                <a16:creationId xmlns:a16="http://schemas.microsoft.com/office/drawing/2014/main" id="{1458DD71-4B62-4378-B3C4-5867AA2662E4}"/>
+              </a:ext>
+            </a:extLst>
+          </p:cNvPr>
+          <p:cNvSpPr>
+            <a:spLocks noGrp="1"/>
+          </p:cNvSpPr>
+          <p:nvPr>
+            <p:ph idx="1"/>
+          </p:nvPr>
+        </p:nvSpPr>
+        <p:spPr>
+          <a:xfrm>
+            <a:off x="3869268" y="461912"/>
+            <a:ext cx="7315200" cy="5769206"/>
+          </a:xfrm>
+        </p:spPr>
+        <p:txBody>
+          <a:bodyPr>
+            <a:normAutofit lnSpcReduction="10000"/>
+          </a:bodyPr>
+          <a:lstStyle/>
+          <a:p>
+            <a:r>
+              <a:rPr lang="en-US" dirty="0"/>
+              <a:t>Example</a:t>
+            </a:r>
+          </a:p>
+          <a:p>
+            <a:pPr lvl="1"/>
+            <a:r>
+              <a:rPr lang="en-US" dirty="0"/>
+              <a:t>public class Student </a:t>
+            </a:r>
+            <a:br>
+              <a:rPr lang="en-US" dirty="0"/>
+            </a:br>
+            <a:r>
+              <a:rPr lang="en-US" dirty="0"/>
+              <a:t>{</a:t>
+            </a:r>
+            <a:br>
+              <a:rPr lang="en-US" dirty="0"/>
+            </a:br>
+            <a:r>
+              <a:rPr lang="en-US" dirty="0"/>
+              <a:t>	// properties</a:t>
+            </a:r>
+            <a:br>
+              <a:rPr lang="en-US" dirty="0"/>
+            </a:br>
+            <a:r>
+              <a:rPr lang="en-US" dirty="0"/>
+              <a:t>	string name (get; set;)</a:t>
+            </a:r>
+            <a:br>
+              <a:rPr lang="en-US" dirty="0"/>
+            </a:br>
+            <a:r>
+              <a:rPr lang="en-US" dirty="0"/>
+              <a:t>	string class (get; set;)</a:t>
+            </a:r>
+            <a:br>
+              <a:rPr lang="en-US" dirty="0"/>
+            </a:br>
+            <a:r>
+              <a:rPr lang="en-US" dirty="0"/>
+              <a:t>	int age (get; set;)</a:t>
+            </a:r>
+            <a:br>
+              <a:rPr lang="en-US" dirty="0"/>
+            </a:br>
+            <a:r>
+              <a:rPr lang="en-US" dirty="0"/>
+              <a:t>	</a:t>
+            </a:r>
+            <a:br>
+              <a:rPr lang="en-US" dirty="0"/>
+            </a:br>
+            <a:r>
+              <a:rPr lang="en-US" dirty="0"/>
+              <a:t>	// constructor</a:t>
+            </a:r>
+            <a:br>
+              <a:rPr lang="en-US" dirty="0"/>
+            </a:br>
+            <a:r>
+              <a:rPr lang="en-US" dirty="0"/>
+              <a:t>	public Student(string Name, string Class, int Age)</a:t>
+            </a:r>
+            <a:br>
+              <a:rPr lang="en-US" dirty="0"/>
+            </a:br>
+            <a:r>
+              <a:rPr lang="en-US" dirty="0"/>
+              <a:t>	{</a:t>
+            </a:r>
+            <a:br>
+              <a:rPr lang="en-US" dirty="0"/>
+            </a:br>
+            <a:r>
+              <a:rPr lang="en-US" dirty="0"/>
+              <a:t>	    this.name = Name;</a:t>
+            </a:r>
+            <a:br>
+              <a:rPr lang="en-US" dirty="0"/>
+            </a:br>
+            <a:r>
+              <a:rPr lang="en-US" dirty="0"/>
+              <a:t>	    </a:t>
+            </a:r>
+            <a:r>
+              <a:rPr lang="en-US" dirty="0" err="1"/>
+              <a:t>this.class</a:t>
+            </a:r>
+            <a:r>
+              <a:rPr lang="en-US" dirty="0"/>
+              <a:t> = Class;</a:t>
+            </a:r>
+            <a:br>
+              <a:rPr lang="en-US" dirty="0"/>
+            </a:br>
+            <a:r>
+              <a:rPr lang="en-US" dirty="0"/>
+              <a:t>	    </a:t>
+            </a:r>
+            <a:r>
+              <a:rPr lang="en-US" dirty="0" err="1"/>
+              <a:t>this.age</a:t>
+            </a:r>
+            <a:r>
+              <a:rPr lang="en-US" dirty="0"/>
+              <a:t> = Age;</a:t>
+            </a:r>
+            <a:br>
+              <a:rPr lang="en-US" dirty="0"/>
+            </a:br>
+            <a:r>
+              <a:rPr lang="en-US" dirty="0"/>
+              <a:t>	}</a:t>
+            </a:r>
+            <a:br>
+              <a:rPr lang="en-US" dirty="0"/>
+            </a:br>
+            <a:r>
+              <a:rPr lang="en-US" dirty="0"/>
+              <a:t>	</a:t>
+            </a:r>
+            <a:br>
+              <a:rPr lang="en-US" dirty="0"/>
+            </a:br>
+            <a:r>
+              <a:rPr lang="en-US" dirty="0"/>
+              <a:t>	// methods</a:t>
+            </a:r>
+            <a:br>
+              <a:rPr lang="en-US" dirty="0"/>
+            </a:br>
+            <a:r>
+              <a:rPr lang="en-US" dirty="0"/>
+              <a:t>	public void Details()</a:t>
+            </a:r>
+            <a:br>
+              <a:rPr lang="en-US" dirty="0"/>
+            </a:br>
+            <a:r>
+              <a:rPr lang="en-US" dirty="0"/>
+              <a:t>	{</a:t>
+            </a:r>
+            <a:br>
+              <a:rPr lang="en-US" dirty="0"/>
+            </a:br>
+            <a:r>
+              <a:rPr lang="en-US" dirty="0"/>
+              <a:t>	     </a:t>
+            </a:r>
+            <a:r>
+              <a:rPr lang="en-US" dirty="0" err="1"/>
+              <a:t>Console.WriteLine</a:t>
+            </a:r>
+            <a:r>
+              <a:rPr lang="en-US" dirty="0"/>
+              <a:t>($”Name: {this.name}”);</a:t>
+            </a:r>
+            <a:br>
+              <a:rPr lang="en-US" dirty="0"/>
+            </a:br>
+            <a:r>
+              <a:rPr lang="en-US" dirty="0"/>
+              <a:t>	     </a:t>
+            </a:r>
+            <a:r>
+              <a:rPr lang="en-US" dirty="0" err="1"/>
+              <a:t>Console.WriteLine</a:t>
+            </a:r>
+            <a:r>
+              <a:rPr lang="en-US" dirty="0"/>
+              <a:t>($”Class: {</a:t>
+            </a:r>
+            <a:r>
+              <a:rPr lang="en-US" dirty="0" err="1"/>
+              <a:t>this.class</a:t>
+            </a:r>
+            <a:r>
+              <a:rPr lang="en-US" dirty="0"/>
+              <a:t>}”);</a:t>
+            </a:r>
+            <a:br>
+              <a:rPr lang="en-US" dirty="0"/>
+            </a:br>
+            <a:r>
+              <a:rPr lang="en-US" dirty="0"/>
+              <a:t>          </a:t>
+            </a:r>
+            <a:r>
+              <a:rPr lang="en-US" dirty="0" err="1"/>
+              <a:t>Console.WriteLine</a:t>
+            </a:r>
+            <a:r>
+              <a:rPr lang="en-US" dirty="0"/>
+              <a:t>($”Age: {</a:t>
+            </a:r>
+            <a:r>
+              <a:rPr lang="en-US" dirty="0" err="1"/>
+              <a:t>this.age</a:t>
+            </a:r>
+            <a:r>
+              <a:rPr lang="en-US" dirty="0"/>
+              <a:t>}”);</a:t>
+            </a:r>
+            <a:br>
+              <a:rPr lang="en-US" dirty="0"/>
+            </a:br>
+            <a:r>
+              <a:rPr lang="en-US" dirty="0"/>
+              <a:t>	}</a:t>
+            </a:r>
+            <a:br>
+              <a:rPr lang="en-US" dirty="0"/>
+            </a:br>
+            <a:r>
+              <a:rPr lang="en-US" dirty="0"/>
+              <a:t>}</a:t>
+            </a:r>
+            <a:endParaRPr lang="en-BE" dirty="0"/>
+          </a:p>
+        </p:txBody>
+      </p:sp>
+    </p:spTree>
+    <p:extLst>
+      <p:ext uri="{BB962C8B-B14F-4D97-AF65-F5344CB8AC3E}">
+        <p14:creationId xmlns:p14="http://schemas.microsoft.com/office/powerpoint/2010/main" val="1736202554"/>
+      </p:ext>
+    </p:extLst>
+  </p:cSld>
+  <p:clrMapOvr>
+    <a:masterClrMapping/>
+  </p:clrMapOvr>
+</p:sld>
+</file>
+
+<file path=ppt/slides/slide34.xml><?xml version="1.0" encoding="utf-8"?>
+<p:sld xmlns:a="http://schemas.openxmlformats.org/drawingml/2006/main" xmlns:r="http://schemas.openxmlformats.org/officeDocument/2006/relationships" xmlns:p="http://schemas.openxmlformats.org/presentationml/2006/main">
+  <p:cSld>
+    <p:spTree>
+      <p:nvGrpSpPr>
+        <p:cNvPr id="1" name=""/>
+        <p:cNvGrpSpPr/>
+        <p:nvPr/>
+      </p:nvGrpSpPr>
+      <p:grpSpPr>
+        <a:xfrm>
+          <a:off x="0" y="0"/>
+          <a:ext cx="0" cy="0"/>
+          <a:chOff x="0" y="0"/>
+          <a:chExt cx="0" cy="0"/>
+        </a:xfrm>
+      </p:grpSpPr>
+      <p:sp>
+        <p:nvSpPr>
+          <p:cNvPr id="2" name="Title 1">
+            <a:extLst>
+              <a:ext uri="{FF2B5EF4-FFF2-40B4-BE49-F238E27FC236}">
+                <a16:creationId xmlns:a16="http://schemas.microsoft.com/office/drawing/2014/main" id="{BD4741D6-2C2E-491C-BC3C-F0A797CC3BA0}"/>
+              </a:ext>
+            </a:extLst>
+          </p:cNvPr>
+          <p:cNvSpPr>
+            <a:spLocks noGrp="1"/>
+          </p:cNvSpPr>
+          <p:nvPr>
+            <p:ph type="title"/>
+          </p:nvPr>
+        </p:nvSpPr>
+        <p:spPr/>
+        <p:txBody>
+          <a:bodyPr/>
+          <a:lstStyle/>
+          <a:p>
+            <a:r>
+              <a:rPr lang="en-US" dirty="0"/>
+              <a:t>Class</a:t>
+            </a:r>
+            <a:endParaRPr lang="en-BE" dirty="0"/>
+          </a:p>
+        </p:txBody>
+      </p:sp>
+      <p:sp>
+        <p:nvSpPr>
+          <p:cNvPr id="3" name="Content Placeholder 2">
+            <a:extLst>
+              <a:ext uri="{FF2B5EF4-FFF2-40B4-BE49-F238E27FC236}">
+                <a16:creationId xmlns:a16="http://schemas.microsoft.com/office/drawing/2014/main" id="{219886B3-86D0-40C3-A390-9749C9E778AA}"/>
+              </a:ext>
+            </a:extLst>
+          </p:cNvPr>
+          <p:cNvSpPr>
+            <a:spLocks noGrp="1"/>
+          </p:cNvSpPr>
+          <p:nvPr>
+            <p:ph idx="1"/>
+          </p:nvPr>
+        </p:nvSpPr>
+        <p:spPr/>
+        <p:txBody>
+          <a:bodyPr/>
+          <a:lstStyle/>
+          <a:p>
+            <a:r>
+              <a:rPr lang="en-US" dirty="0"/>
+              <a:t>Example (continued)</a:t>
+            </a:r>
+          </a:p>
+          <a:p>
+            <a:pPr lvl="1"/>
+            <a:r>
+              <a:rPr lang="en-US" dirty="0"/>
+              <a:t>Using System;</a:t>
+            </a:r>
+            <a:br>
+              <a:rPr lang="en-US" dirty="0"/>
+            </a:br>
+            <a:r>
+              <a:rPr lang="en-US" dirty="0"/>
+              <a:t>Using Student;</a:t>
+            </a:r>
+            <a:br>
+              <a:rPr lang="en-US" dirty="0"/>
+            </a:br>
+            <a:br>
+              <a:rPr lang="en-US" dirty="0"/>
+            </a:br>
+            <a:r>
+              <a:rPr lang="en-US" dirty="0"/>
+              <a:t>….</a:t>
+            </a:r>
+            <a:br>
+              <a:rPr lang="en-US" dirty="0"/>
+            </a:br>
+            <a:br>
+              <a:rPr lang="en-US" dirty="0"/>
+            </a:br>
+            <a:r>
+              <a:rPr lang="en-US" dirty="0"/>
+              <a:t>static void Main()</a:t>
+            </a:r>
+            <a:br>
+              <a:rPr lang="en-US" dirty="0"/>
+            </a:br>
+            <a:r>
+              <a:rPr lang="en-US" dirty="0"/>
+              <a:t>{</a:t>
+            </a:r>
+            <a:br>
+              <a:rPr lang="en-US" dirty="0"/>
+            </a:br>
+            <a:r>
+              <a:rPr lang="en-US" dirty="0"/>
+              <a:t>	Student </a:t>
+            </a:r>
+            <a:r>
+              <a:rPr lang="en-US" dirty="0" err="1"/>
+              <a:t>manny</a:t>
+            </a:r>
+            <a:r>
+              <a:rPr lang="en-US" dirty="0"/>
+              <a:t> = new Student(“Manny Apsel”, “</a:t>
+            </a:r>
+            <a:r>
+              <a:rPr lang="en-US" dirty="0" err="1"/>
+              <a:t>Lammarr</a:t>
+            </a:r>
+            <a:r>
+              <a:rPr lang="en-US" dirty="0"/>
+              <a:t>”, </a:t>
+            </a:r>
+            <a:br>
+              <a:rPr lang="en-US" dirty="0"/>
+            </a:br>
+            <a:r>
+              <a:rPr lang="en-US" dirty="0"/>
+              <a:t>	</a:t>
+            </a:r>
+            <a:r>
+              <a:rPr lang="en-US" dirty="0" err="1"/>
+              <a:t>ConsoleWrite</a:t>
+            </a:r>
+            <a:r>
+              <a:rPr lang="en-US" dirty="0"/>
+              <a:t>(</a:t>
+            </a:r>
+            <a:r>
+              <a:rPr lang="en-US" dirty="0" err="1"/>
+              <a:t>manny.age</a:t>
+            </a:r>
+            <a:r>
+              <a:rPr lang="en-US" dirty="0"/>
+              <a:t>);	=&gt;	gives 24 in the console</a:t>
+            </a:r>
+            <a:br>
+              <a:rPr lang="en-US" dirty="0"/>
+            </a:br>
+            <a:r>
+              <a:rPr lang="en-US" dirty="0"/>
+              <a:t>}</a:t>
+            </a:r>
+            <a:br>
+              <a:rPr lang="en-US" dirty="0"/>
+            </a:br>
+            <a:br>
+              <a:rPr lang="en-US" dirty="0"/>
+            </a:br>
+            <a:r>
+              <a:rPr lang="en-US" dirty="0"/>
+              <a:t>….</a:t>
+            </a:r>
+            <a:endParaRPr lang="en-BE" dirty="0"/>
+          </a:p>
+        </p:txBody>
+      </p:sp>
+    </p:spTree>
+    <p:extLst>
+      <p:ext uri="{BB962C8B-B14F-4D97-AF65-F5344CB8AC3E}">
+        <p14:creationId xmlns:p14="http://schemas.microsoft.com/office/powerpoint/2010/main" val="2058492893"/>
+      </p:ext>
+    </p:extLst>
+  </p:cSld>
+  <p:clrMapOvr>
+    <a:masterClrMapping/>
+  </p:clrMapOvr>
+</p:sld>
+</file>
+
+<file path=ppt/slides/slide35.xml><?xml version="1.0" encoding="utf-8"?>
+<p:sld xmlns:a="http://schemas.openxmlformats.org/drawingml/2006/main" xmlns:r="http://schemas.openxmlformats.org/officeDocument/2006/relationships" xmlns:p="http://schemas.openxmlformats.org/presentationml/2006/main">
+  <p:cSld>
+    <p:spTree>
+      <p:nvGrpSpPr>
+        <p:cNvPr id="1" name=""/>
+        <p:cNvGrpSpPr/>
+        <p:nvPr/>
+      </p:nvGrpSpPr>
+      <p:grpSpPr>
+        <a:xfrm>
+          <a:off x="0" y="0"/>
+          <a:ext cx="0" cy="0"/>
+          <a:chOff x="0" y="0"/>
+          <a:chExt cx="0" cy="0"/>
+        </a:xfrm>
+      </p:grpSpPr>
+      <p:sp>
+        <p:nvSpPr>
+          <p:cNvPr id="2" name="Title 1">
+            <a:extLst>
+              <a:ext uri="{FF2B5EF4-FFF2-40B4-BE49-F238E27FC236}">
+                <a16:creationId xmlns:a16="http://schemas.microsoft.com/office/drawing/2014/main" id="{5C43D995-77F6-4540-AD88-F223B54067DF}"/>
+              </a:ext>
+            </a:extLst>
+          </p:cNvPr>
+          <p:cNvSpPr>
+            <a:spLocks noGrp="1"/>
+          </p:cNvSpPr>
+          <p:nvPr>
+            <p:ph type="title"/>
+          </p:nvPr>
+        </p:nvSpPr>
+        <p:spPr/>
+        <p:txBody>
+          <a:bodyPr/>
+          <a:lstStyle/>
+          <a:p>
+            <a:r>
+              <a:rPr lang="en-US" dirty="0"/>
+              <a:t>Class</a:t>
+            </a:r>
+            <a:endParaRPr lang="en-BE" dirty="0"/>
+          </a:p>
+        </p:txBody>
+      </p:sp>
+      <p:sp>
+        <p:nvSpPr>
+          <p:cNvPr id="3" name="Content Placeholder 2">
+            <a:extLst>
+              <a:ext uri="{FF2B5EF4-FFF2-40B4-BE49-F238E27FC236}">
+                <a16:creationId xmlns:a16="http://schemas.microsoft.com/office/drawing/2014/main" id="{90037250-2F6B-47CF-B83E-3D133D3394C1}"/>
+              </a:ext>
+            </a:extLst>
+          </p:cNvPr>
+          <p:cNvSpPr>
+            <a:spLocks noGrp="1"/>
+          </p:cNvSpPr>
+          <p:nvPr>
+            <p:ph idx="1"/>
+          </p:nvPr>
+        </p:nvSpPr>
+        <p:spPr/>
+        <p:txBody>
+          <a:bodyPr>
+            <a:normAutofit fontScale="92500" lnSpcReduction="20000"/>
+          </a:bodyPr>
+          <a:lstStyle/>
+          <a:p>
+            <a:r>
+              <a:rPr lang="en-US" dirty="0"/>
+              <a:t>Exercise 1</a:t>
+            </a:r>
+          </a:p>
+          <a:p>
+            <a:pPr lvl="1"/>
+            <a:r>
+              <a:rPr lang="en-US" dirty="0"/>
+              <a:t>Create a class Animal with three or more properties; one of the properties should be name</a:t>
+            </a:r>
+          </a:p>
+          <a:p>
+            <a:pPr lvl="1"/>
+            <a:r>
+              <a:rPr lang="en-US" dirty="0"/>
+              <a:t>Create an instance of the animal class in the main method</a:t>
+            </a:r>
+          </a:p>
+          <a:p>
+            <a:pPr lvl="1"/>
+            <a:r>
+              <a:rPr lang="en-US" dirty="0"/>
+              <a:t>Show name of instance in the console through a class method</a:t>
+            </a:r>
+          </a:p>
+          <a:p>
+            <a:r>
+              <a:rPr lang="en-US" dirty="0"/>
+              <a:t>Exercise 2</a:t>
+            </a:r>
+          </a:p>
+          <a:p>
+            <a:pPr lvl="1"/>
+            <a:r>
+              <a:rPr lang="en-US" dirty="0"/>
+              <a:t>Use the class Animal from the previous exercise</a:t>
+            </a:r>
+          </a:p>
+          <a:p>
+            <a:pPr lvl="1"/>
+            <a:r>
+              <a:rPr lang="en-US" dirty="0"/>
+              <a:t>Add sound property</a:t>
+            </a:r>
+          </a:p>
+          <a:p>
+            <a:pPr lvl="1"/>
+            <a:r>
+              <a:rPr lang="en-US" dirty="0"/>
+              <a:t>Create a list from animals</a:t>
+            </a:r>
+          </a:p>
+          <a:p>
+            <a:pPr lvl="1"/>
+            <a:r>
+              <a:rPr lang="en-US" dirty="0"/>
+              <a:t>Add at least 3 animals to the list</a:t>
+            </a:r>
+          </a:p>
+          <a:p>
+            <a:pPr lvl="1"/>
+            <a:r>
+              <a:rPr lang="en-US" dirty="0"/>
+              <a:t>Show in the console all animals name and the sound they make</a:t>
+            </a:r>
+          </a:p>
+          <a:p>
+            <a:r>
+              <a:rPr lang="en-US" dirty="0"/>
+              <a:t>Exercise 3 (difficult)</a:t>
+            </a:r>
+          </a:p>
+          <a:p>
+            <a:pPr lvl="1"/>
+            <a:r>
+              <a:rPr lang="en-US" dirty="0"/>
+              <a:t>Create class Lion</a:t>
+            </a:r>
+          </a:p>
+          <a:p>
+            <a:pPr lvl="1"/>
+            <a:r>
+              <a:rPr lang="en-US" dirty="0"/>
+              <a:t>Make it inherit from the animal class</a:t>
+            </a:r>
+          </a:p>
+          <a:p>
+            <a:pPr lvl="1"/>
+            <a:r>
+              <a:rPr lang="en-US" dirty="0"/>
+              <a:t>Create a lion object in the main method without sound property because all lions go ‘</a:t>
+            </a:r>
+            <a:r>
+              <a:rPr lang="en-US" dirty="0" err="1"/>
+              <a:t>raaargh</a:t>
+            </a:r>
+            <a:r>
+              <a:rPr lang="en-US" dirty="0"/>
+              <a:t>’</a:t>
+            </a:r>
+          </a:p>
+          <a:p>
+            <a:pPr lvl="1"/>
+            <a:r>
+              <a:rPr lang="en-US" dirty="0"/>
+              <a:t>Add it to the list of exercise 2</a:t>
+            </a:r>
+          </a:p>
+          <a:p>
+            <a:pPr lvl="1"/>
+            <a:r>
+              <a:rPr lang="en-US" dirty="0"/>
+              <a:t>Show all animals name and the sound they make</a:t>
+            </a:r>
+          </a:p>
+          <a:p>
+            <a:pPr lvl="1"/>
+            <a:r>
+              <a:rPr lang="en-US" dirty="0"/>
+              <a:t>Tip: Read about inheritance and polymorphism</a:t>
+            </a:r>
+            <a:endParaRPr lang="en-BE" dirty="0"/>
+          </a:p>
+        </p:txBody>
+      </p:sp>
+    </p:spTree>
+    <p:extLst>
+      <p:ext uri="{BB962C8B-B14F-4D97-AF65-F5344CB8AC3E}">
+        <p14:creationId xmlns:p14="http://schemas.microsoft.com/office/powerpoint/2010/main" val="2882246278"/>
+      </p:ext>
+    </p:extLst>
+  </p:cSld>
+  <p:clrMapOvr>
+    <a:masterClrMapping/>
+  </p:clrMapOvr>
+</p:sld>
+</file>
+
+<file path=ppt/slides/slide36.xml><?xml version="1.0" encoding="utf-8"?>
+<p:sld xmlns:a="http://schemas.openxmlformats.org/drawingml/2006/main" xmlns:r="http://schemas.openxmlformats.org/officeDocument/2006/relationships" xmlns:p="http://schemas.openxmlformats.org/presentationml/2006/main">
+  <p:cSld>
+    <p:spTree>
+      <p:nvGrpSpPr>
+        <p:cNvPr id="1" name=""/>
+        <p:cNvGrpSpPr/>
+        <p:nvPr/>
+      </p:nvGrpSpPr>
+      <p:grpSpPr>
+        <a:xfrm>
+          <a:off x="0" y="0"/>
+          <a:ext cx="0" cy="0"/>
+          <a:chOff x="0" y="0"/>
+          <a:chExt cx="0" cy="0"/>
+        </a:xfrm>
+      </p:grpSpPr>
+      <p:sp>
+        <p:nvSpPr>
+          <p:cNvPr id="2" name="Title 1">
+            <a:extLst>
+              <a:ext uri="{FF2B5EF4-FFF2-40B4-BE49-F238E27FC236}">
+                <a16:creationId xmlns:a16="http://schemas.microsoft.com/office/drawing/2014/main" id="{F3AB9E62-D21E-4FEC-A9E2-612090DE317D}"/>
+              </a:ext>
+            </a:extLst>
+          </p:cNvPr>
+          <p:cNvSpPr>
+            <a:spLocks noGrp="1"/>
+          </p:cNvSpPr>
+          <p:nvPr>
+            <p:ph type="title"/>
+          </p:nvPr>
+        </p:nvSpPr>
+        <p:spPr/>
+        <p:txBody>
+          <a:bodyPr/>
+          <a:lstStyle/>
+          <a:p>
+            <a:r>
+              <a:rPr lang="en-US" dirty="0"/>
+              <a:t>Showcase</a:t>
+            </a:r>
+            <a:endParaRPr lang="en-BE" dirty="0"/>
+          </a:p>
+        </p:txBody>
+      </p:sp>
+      <p:sp>
+        <p:nvSpPr>
+          <p:cNvPr id="3" name="Content Placeholder 2">
+            <a:extLst>
+              <a:ext uri="{FF2B5EF4-FFF2-40B4-BE49-F238E27FC236}">
+                <a16:creationId xmlns:a16="http://schemas.microsoft.com/office/drawing/2014/main" id="{3C45B874-5BAB-4682-A85A-BC9DAF9ECC52}"/>
+              </a:ext>
+            </a:extLst>
+          </p:cNvPr>
+          <p:cNvSpPr>
+            <a:spLocks noGrp="1"/>
+          </p:cNvSpPr>
+          <p:nvPr>
+            <p:ph idx="1"/>
+          </p:nvPr>
+        </p:nvSpPr>
+        <p:spPr>
+          <a:xfrm>
+            <a:off x="3869268" y="529389"/>
+            <a:ext cx="7315200" cy="5983705"/>
+          </a:xfrm>
+        </p:spPr>
+        <p:txBody>
+          <a:bodyPr>
+            <a:normAutofit lnSpcReduction="10000"/>
+          </a:bodyPr>
+          <a:lstStyle/>
+          <a:p>
+            <a:r>
+              <a:rPr lang="en-US" dirty="0"/>
+              <a:t>WPF</a:t>
+            </a:r>
+          </a:p>
+          <a:p>
+            <a:pPr lvl="1"/>
+            <a:r>
+              <a:rPr lang="en-US" dirty="0"/>
+              <a:t>Creates windows application interface</a:t>
+            </a:r>
+          </a:p>
+          <a:p>
+            <a:pPr lvl="1"/>
+            <a:r>
+              <a:rPr lang="en-US" dirty="0"/>
+              <a:t>Written in XAML</a:t>
+            </a:r>
+          </a:p>
+          <a:p>
+            <a:pPr lvl="1"/>
+            <a:r>
+              <a:rPr lang="en-US" dirty="0"/>
+              <a:t>Visual Studio provides a toolbox to slide buttons and textboxes to the screen</a:t>
+            </a:r>
+          </a:p>
+          <a:p>
+            <a:r>
+              <a:rPr lang="en-US" dirty="0"/>
+              <a:t>NuGet</a:t>
+            </a:r>
+          </a:p>
+          <a:p>
+            <a:pPr lvl="1"/>
+            <a:r>
+              <a:rPr lang="en-US" dirty="0"/>
+              <a:t>Package manager for .NET</a:t>
+            </a:r>
+          </a:p>
+          <a:p>
+            <a:pPr lvl="1"/>
+            <a:r>
+              <a:rPr lang="en-US" dirty="0"/>
+              <a:t>Can write library in any .NET language and put it accessible for other .NET languages through NuGet marketplace</a:t>
+            </a:r>
+          </a:p>
+          <a:p>
+            <a:pPr lvl="1"/>
+            <a:r>
+              <a:rPr lang="en-US" dirty="0"/>
+              <a:t>Resembles apt, apt-get (</a:t>
+            </a:r>
+            <a:r>
+              <a:rPr lang="en-US" dirty="0" err="1"/>
+              <a:t>linux</a:t>
+            </a:r>
+            <a:r>
+              <a:rPr lang="en-US" dirty="0"/>
+              <a:t>) or composer (php)</a:t>
+            </a:r>
+          </a:p>
+          <a:p>
+            <a:r>
+              <a:rPr lang="en-US" dirty="0"/>
+              <a:t>ASP.NET</a:t>
+            </a:r>
+          </a:p>
+          <a:p>
+            <a:pPr lvl="1"/>
+            <a:r>
+              <a:rPr lang="en-US" dirty="0"/>
+              <a:t>Web framework for building web apps &amp; services in .NET</a:t>
+            </a:r>
+          </a:p>
+          <a:p>
+            <a:pPr lvl="1"/>
+            <a:r>
+              <a:rPr lang="en-US" dirty="0"/>
+              <a:t>Selection of boiler plates:</a:t>
+            </a:r>
+          </a:p>
+          <a:p>
+            <a:pPr lvl="2"/>
+            <a:r>
+              <a:rPr lang="en-US" dirty="0"/>
+              <a:t>Empty</a:t>
+            </a:r>
+          </a:p>
+          <a:p>
+            <a:pPr lvl="2"/>
+            <a:r>
+              <a:rPr lang="en-US" dirty="0"/>
+              <a:t>API</a:t>
+            </a:r>
+          </a:p>
+          <a:p>
+            <a:pPr lvl="2"/>
+            <a:r>
+              <a:rPr lang="en-US" dirty="0"/>
+              <a:t>Web app with MVC boiler plate</a:t>
+            </a:r>
+          </a:p>
+          <a:p>
+            <a:pPr lvl="2"/>
+            <a:r>
+              <a:rPr lang="en-US" dirty="0"/>
+              <a:t>Angular</a:t>
+            </a:r>
+          </a:p>
+          <a:p>
+            <a:pPr lvl="2"/>
+            <a:r>
+              <a:rPr lang="en-US" dirty="0"/>
+              <a:t>React</a:t>
+            </a:r>
+          </a:p>
+          <a:p>
+            <a:pPr lvl="2"/>
+            <a:r>
+              <a:rPr lang="en-US" dirty="0"/>
+              <a:t>Node.JS</a:t>
+            </a:r>
+          </a:p>
+        </p:txBody>
+      </p:sp>
+    </p:spTree>
+    <p:extLst>
+      <p:ext uri="{BB962C8B-B14F-4D97-AF65-F5344CB8AC3E}">
+        <p14:creationId xmlns:p14="http://schemas.microsoft.com/office/powerpoint/2010/main" val="2992733940"/>
+      </p:ext>
+    </p:extLst>
+  </p:cSld>
+  <p:clrMapOvr>
+    <a:masterClrMapping/>
+  </p:clrMapOvr>
+</p:sld>
+</file>
+
+<file path=ppt/slides/slide37.xml><?xml version="1.0" encoding="utf-8"?>
+<p:sld xmlns:a="http://schemas.openxmlformats.org/drawingml/2006/main" xmlns:r="http://schemas.openxmlformats.org/officeDocument/2006/relationships" xmlns:p="http://schemas.openxmlformats.org/presentationml/2006/main">
+  <p:cSld>
+    <p:spTree>
+      <p:nvGrpSpPr>
+        <p:cNvPr id="1" name=""/>
+        <p:cNvGrpSpPr/>
+        <p:nvPr/>
+      </p:nvGrpSpPr>
+      <p:grpSpPr>
+        <a:xfrm>
+          <a:off x="0" y="0"/>
+          <a:ext cx="0" cy="0"/>
+          <a:chOff x="0" y="0"/>
+          <a:chExt cx="0" cy="0"/>
+        </a:xfrm>
+      </p:grpSpPr>
+      <p:sp>
+        <p:nvSpPr>
+          <p:cNvPr id="2" name="Title 1">
+            <a:extLst>
+              <a:ext uri="{FF2B5EF4-FFF2-40B4-BE49-F238E27FC236}">
+                <a16:creationId xmlns:a16="http://schemas.microsoft.com/office/drawing/2014/main" id="{5CD4F949-1288-424B-ADC4-80CC28A62B42}"/>
+              </a:ext>
+            </a:extLst>
+          </p:cNvPr>
+          <p:cNvSpPr>
+            <a:spLocks noGrp="1"/>
+          </p:cNvSpPr>
+          <p:nvPr>
+            <p:ph type="title"/>
+          </p:nvPr>
+        </p:nvSpPr>
+        <p:spPr>
+          <a:xfrm>
+            <a:off x="0" y="1123837"/>
+            <a:ext cx="3393649" cy="4601183"/>
+          </a:xfrm>
+        </p:spPr>
+        <p:txBody>
+          <a:bodyPr/>
+          <a:lstStyle/>
+          <a:p>
+            <a:r>
+              <a:rPr lang="en-US" dirty="0"/>
+              <a:t>Language-Integrated Query</a:t>
+            </a:r>
+            <a:br>
+              <a:rPr lang="en-US" dirty="0"/>
+            </a:br>
+            <a:r>
+              <a:rPr lang="en-US" dirty="0"/>
+              <a:t>( LINQ)</a:t>
+            </a:r>
+            <a:endParaRPr lang="en-BE" dirty="0"/>
+          </a:p>
+        </p:txBody>
+      </p:sp>
+      <p:sp>
+        <p:nvSpPr>
+          <p:cNvPr id="3" name="Content Placeholder 2">
+            <a:extLst>
+              <a:ext uri="{FF2B5EF4-FFF2-40B4-BE49-F238E27FC236}">
+                <a16:creationId xmlns:a16="http://schemas.microsoft.com/office/drawing/2014/main" id="{5D8ABCB4-02A5-441C-BEDD-C8ADBFFA12A4}"/>
+              </a:ext>
+            </a:extLst>
+          </p:cNvPr>
+          <p:cNvSpPr>
+            <a:spLocks noGrp="1"/>
+          </p:cNvSpPr>
+          <p:nvPr>
+            <p:ph idx="1"/>
+          </p:nvPr>
+        </p:nvSpPr>
+        <p:spPr>
+          <a:xfrm>
+            <a:off x="3869267" y="864108"/>
+            <a:ext cx="7921679" cy="5120640"/>
+          </a:xfrm>
+        </p:spPr>
+        <p:txBody>
+          <a:bodyPr/>
+          <a:lstStyle/>
+          <a:p>
+            <a:r>
+              <a:rPr lang="en-US" dirty="0"/>
+              <a:t>Set of technologies to query data for all .NET languages</a:t>
+            </a:r>
+          </a:p>
+          <a:p>
+            <a:r>
+              <a:rPr lang="en-US" dirty="0"/>
+              <a:t>Can write easy CRUD operations on collections of objects, relational databases and XML and other data sources independent of learning their query language</a:t>
+            </a:r>
+          </a:p>
+          <a:p>
+            <a:r>
+              <a:rPr lang="en-US" dirty="0"/>
+              <a:t>You can use LINQ in query or lambda method</a:t>
+            </a:r>
+          </a:p>
+          <a:p>
+            <a:r>
+              <a:rPr lang="en-US" dirty="0"/>
+              <a:t>Example</a:t>
+            </a:r>
+          </a:p>
+          <a:p>
+            <a:pPr lvl="1"/>
+            <a:r>
+              <a:rPr lang="en-US" dirty="0"/>
+              <a:t>Var </a:t>
+            </a:r>
+            <a:r>
+              <a:rPr lang="en-US" dirty="0" err="1"/>
+              <a:t>longWords</a:t>
+            </a:r>
+            <a:r>
+              <a:rPr lang="en-US" dirty="0"/>
+              <a:t> = from word in words</a:t>
+            </a:r>
+            <a:br>
+              <a:rPr lang="en-US" dirty="0"/>
+            </a:br>
+            <a:r>
+              <a:rPr lang="en-US" dirty="0"/>
+              <a:t>		          where </a:t>
+            </a:r>
+            <a:r>
+              <a:rPr lang="en-US" dirty="0" err="1"/>
+              <a:t>word.Length</a:t>
+            </a:r>
+            <a:r>
+              <a:rPr lang="en-US" dirty="0"/>
+              <a:t> &gt; 10	=&gt; Query method</a:t>
+            </a:r>
+            <a:br>
+              <a:rPr lang="en-US" dirty="0"/>
+            </a:br>
+            <a:r>
+              <a:rPr lang="en-US" dirty="0"/>
+              <a:t>		          select word;</a:t>
+            </a:r>
+          </a:p>
+          <a:p>
+            <a:pPr lvl="1"/>
+            <a:r>
+              <a:rPr lang="en-US" dirty="0"/>
+              <a:t>Var </a:t>
+            </a:r>
+            <a:r>
+              <a:rPr lang="en-US" dirty="0" err="1"/>
+              <a:t>longWords</a:t>
+            </a:r>
+            <a:r>
+              <a:rPr lang="en-US" dirty="0"/>
+              <a:t> = </a:t>
+            </a:r>
+            <a:r>
+              <a:rPr lang="en-US" dirty="0" err="1"/>
+              <a:t>words.Where</a:t>
+            </a:r>
+            <a:r>
+              <a:rPr lang="en-US" dirty="0"/>
+              <a:t>(x =&gt; </a:t>
+            </a:r>
+            <a:r>
+              <a:rPr lang="en-US" dirty="0" err="1"/>
+              <a:t>x.length</a:t>
+            </a:r>
+            <a:r>
+              <a:rPr lang="en-US" dirty="0"/>
+              <a:t> &gt; 10)	=&gt; Lambda method</a:t>
+            </a:r>
+          </a:p>
+        </p:txBody>
+      </p:sp>
+    </p:spTree>
+    <p:extLst>
+      <p:ext uri="{BB962C8B-B14F-4D97-AF65-F5344CB8AC3E}">
+        <p14:creationId xmlns:p14="http://schemas.microsoft.com/office/powerpoint/2010/main" val="233698750"/>
+      </p:ext>
+    </p:extLst>
+  </p:cSld>
+  <p:clrMapOvr>
+    <a:masterClrMapping/>
+  </p:clrMapOvr>
+</p:sld>
+</file>
+
+<file path=ppt/slides/slide38.xml><?xml version="1.0" encoding="utf-8"?>
+<p:sld xmlns:a="http://schemas.openxmlformats.org/drawingml/2006/main" xmlns:r="http://schemas.openxmlformats.org/officeDocument/2006/relationships" xmlns:p="http://schemas.openxmlformats.org/presentationml/2006/main">
+  <p:cSld>
+    <p:spTree>
+      <p:nvGrpSpPr>
+        <p:cNvPr id="1" name=""/>
+        <p:cNvGrpSpPr/>
+        <p:nvPr/>
+      </p:nvGrpSpPr>
+      <p:grpSpPr>
+        <a:xfrm>
+          <a:off x="0" y="0"/>
+          <a:ext cx="0" cy="0"/>
+          <a:chOff x="0" y="0"/>
+          <a:chExt cx="0" cy="0"/>
+        </a:xfrm>
+      </p:grpSpPr>
+      <p:sp>
+        <p:nvSpPr>
+          <p:cNvPr id="2" name="Title 1">
+            <a:extLst>
+              <a:ext uri="{FF2B5EF4-FFF2-40B4-BE49-F238E27FC236}">
+                <a16:creationId xmlns:a16="http://schemas.microsoft.com/office/drawing/2014/main" id="{2EFE557C-2AC2-481F-BA7D-BE8EFEDFC5A9}"/>
+              </a:ext>
+            </a:extLst>
+          </p:cNvPr>
+          <p:cNvSpPr>
+            <a:spLocks noGrp="1"/>
+          </p:cNvSpPr>
+          <p:nvPr>
+            <p:ph type="title"/>
+          </p:nvPr>
+        </p:nvSpPr>
+        <p:spPr>
+          <a:xfrm>
+            <a:off x="0" y="1123837"/>
+            <a:ext cx="3449053" cy="4601183"/>
+          </a:xfrm>
+        </p:spPr>
+        <p:txBody>
+          <a:bodyPr/>
+          <a:lstStyle/>
+          <a:p>
+            <a:r>
+              <a:rPr lang="en-US" dirty="0"/>
+              <a:t>Language-Integrated Query</a:t>
+            </a:r>
+            <a:br>
+              <a:rPr lang="en-US" dirty="0"/>
+            </a:br>
+            <a:r>
+              <a:rPr lang="en-US" dirty="0"/>
+              <a:t>( LINQ)</a:t>
+            </a:r>
+            <a:endParaRPr lang="en-BE" dirty="0"/>
+          </a:p>
+        </p:txBody>
+      </p:sp>
+      <p:sp>
+        <p:nvSpPr>
+          <p:cNvPr id="3" name="Content Placeholder 2">
+            <a:extLst>
+              <a:ext uri="{FF2B5EF4-FFF2-40B4-BE49-F238E27FC236}">
+                <a16:creationId xmlns:a16="http://schemas.microsoft.com/office/drawing/2014/main" id="{B304445C-F130-47D7-8781-CABE1EDF4792}"/>
+              </a:ext>
+            </a:extLst>
+          </p:cNvPr>
+          <p:cNvSpPr>
+            <a:spLocks noGrp="1"/>
+          </p:cNvSpPr>
+          <p:nvPr>
+            <p:ph idx="1"/>
+          </p:nvPr>
+        </p:nvSpPr>
+        <p:spPr>
+          <a:xfrm>
+            <a:off x="3704735" y="864108"/>
+            <a:ext cx="7861954" cy="5120640"/>
+          </a:xfrm>
+        </p:spPr>
+        <p:txBody>
+          <a:bodyPr/>
+          <a:lstStyle/>
+          <a:p>
+            <a:r>
+              <a:rPr lang="en-US" dirty="0"/>
+              <a:t>Query keywords</a:t>
+            </a:r>
+          </a:p>
+          <a:p>
+            <a:pPr lvl="1"/>
+            <a:r>
+              <a:rPr lang="en-US" dirty="0"/>
+              <a:t>from	specifies from where data is coming</a:t>
+            </a:r>
+          </a:p>
+          <a:p>
+            <a:pPr lvl="1"/>
+            <a:r>
+              <a:rPr lang="en-US" dirty="0"/>
+              <a:t>where	filters data through Boolean expression (like an if statement)</a:t>
+            </a:r>
+          </a:p>
+          <a:p>
+            <a:pPr lvl="1"/>
+            <a:r>
+              <a:rPr lang="en-US" dirty="0" err="1"/>
+              <a:t>orderby</a:t>
+            </a:r>
+            <a:r>
+              <a:rPr lang="en-US" dirty="0"/>
+              <a:t>	orders data in ascending or descending order</a:t>
+            </a:r>
+          </a:p>
+          <a:p>
+            <a:pPr lvl="1"/>
+            <a:r>
+              <a:rPr lang="en-US" dirty="0"/>
+              <a:t>select	 specifies what elements in data to select</a:t>
+            </a:r>
+          </a:p>
+          <a:p>
+            <a:r>
+              <a:rPr lang="en-US" dirty="0" err="1"/>
+              <a:t>Lamda</a:t>
+            </a:r>
+            <a:r>
+              <a:rPr lang="en-US" dirty="0"/>
+              <a:t> keywords</a:t>
+            </a:r>
+          </a:p>
+          <a:p>
+            <a:pPr lvl="1"/>
+            <a:r>
+              <a:rPr lang="en-US" dirty="0"/>
+              <a:t>.Contains()	checks if any data contains inserted value</a:t>
+            </a:r>
+          </a:p>
+          <a:p>
+            <a:pPr lvl="1"/>
+            <a:r>
+              <a:rPr lang="en-US" dirty="0"/>
+              <a:t>.Where()	filters data through Boolean expression (like an if statement)</a:t>
+            </a:r>
+          </a:p>
+          <a:p>
+            <a:pPr lvl="1"/>
+            <a:r>
+              <a:rPr lang="en-US" dirty="0"/>
+              <a:t>.</a:t>
+            </a:r>
+            <a:r>
+              <a:rPr lang="en-US" dirty="0" err="1"/>
+              <a:t>Orderby</a:t>
+            </a:r>
+            <a:r>
+              <a:rPr lang="en-US" dirty="0"/>
+              <a:t>()	orders data in ascending or descending order</a:t>
+            </a:r>
+          </a:p>
+        </p:txBody>
+      </p:sp>
+    </p:spTree>
+    <p:extLst>
+      <p:ext uri="{BB962C8B-B14F-4D97-AF65-F5344CB8AC3E}">
+        <p14:creationId xmlns:p14="http://schemas.microsoft.com/office/powerpoint/2010/main" val="3988848439"/>
+      </p:ext>
+    </p:extLst>
+  </p:cSld>
+  <p:clrMapOvr>
+    <a:masterClrMapping/>
+  </p:clrMapOvr>
+</p:sld>
+</file>
+
+<file path=ppt/slides/slide39.xml><?xml version="1.0" encoding="utf-8"?>
+<p:sld xmlns:a="http://schemas.openxmlformats.org/drawingml/2006/main" xmlns:r="http://schemas.openxmlformats.org/officeDocument/2006/relationships" xmlns:p="http://schemas.openxmlformats.org/presentationml/2006/main">
+  <p:cSld>
+    <p:spTree>
+      <p:nvGrpSpPr>
+        <p:cNvPr id="1" name=""/>
+        <p:cNvGrpSpPr/>
+        <p:nvPr/>
+      </p:nvGrpSpPr>
+      <p:grpSpPr>
+        <a:xfrm>
+          <a:off x="0" y="0"/>
+          <a:ext cx="0" cy="0"/>
+          <a:chOff x="0" y="0"/>
+          <a:chExt cx="0" cy="0"/>
+        </a:xfrm>
+      </p:grpSpPr>
+      <p:sp>
+        <p:nvSpPr>
+          <p:cNvPr id="2" name="Title 1">
+            <a:extLst>
+              <a:ext uri="{FF2B5EF4-FFF2-40B4-BE49-F238E27FC236}">
+                <a16:creationId xmlns:a16="http://schemas.microsoft.com/office/drawing/2014/main" id="{C75D4FD4-1E32-4C33-8D3B-B859BC9B0D68}"/>
+              </a:ext>
+            </a:extLst>
+          </p:cNvPr>
+          <p:cNvSpPr>
+            <a:spLocks noGrp="1"/>
+          </p:cNvSpPr>
+          <p:nvPr>
+            <p:ph type="title"/>
+          </p:nvPr>
+        </p:nvSpPr>
+        <p:spPr/>
+        <p:txBody>
+          <a:bodyPr/>
+          <a:lstStyle/>
+          <a:p>
+            <a:r>
+              <a:rPr lang="en-US" dirty="0"/>
+              <a:t>Resources</a:t>
+            </a:r>
+            <a:endParaRPr lang="en-BE" dirty="0"/>
+          </a:p>
+        </p:txBody>
+      </p:sp>
+      <p:sp>
+        <p:nvSpPr>
+          <p:cNvPr id="3" name="Content Placeholder 2">
+            <a:extLst>
+              <a:ext uri="{FF2B5EF4-FFF2-40B4-BE49-F238E27FC236}">
+                <a16:creationId xmlns:a16="http://schemas.microsoft.com/office/drawing/2014/main" id="{26837F14-1DBD-4E42-9480-5EF25B79A761}"/>
+              </a:ext>
+            </a:extLst>
+          </p:cNvPr>
+          <p:cNvSpPr>
+            <a:spLocks noGrp="1"/>
+          </p:cNvSpPr>
+          <p:nvPr>
+            <p:ph idx="1"/>
+          </p:nvPr>
+        </p:nvSpPr>
+        <p:spPr>
+          <a:xfrm>
+            <a:off x="3869267" y="864108"/>
+            <a:ext cx="7873553" cy="5120640"/>
+          </a:xfrm>
+        </p:spPr>
+        <p:txBody>
+          <a:bodyPr/>
+          <a:lstStyle/>
+          <a:p>
+            <a:r>
+              <a:rPr lang="en-US" dirty="0">
+                <a:hlinkClick r:id="rId2"/>
+              </a:rPr>
+              <a:t>https://docs.microsoft.com/</a:t>
+            </a:r>
+            <a:r>
+              <a:rPr lang="en-US" dirty="0"/>
+              <a:t>	=&gt;	Official Microsoft C# 						documentation</a:t>
+            </a:r>
+          </a:p>
+          <a:p>
+            <a:r>
+              <a:rPr lang="en-US" dirty="0"/>
+              <a:t>Tim Corey </a:t>
+            </a:r>
+            <a:r>
+              <a:rPr lang="en-US" dirty="0" err="1"/>
+              <a:t>Youtube</a:t>
+            </a:r>
+            <a:r>
+              <a:rPr lang="en-US" dirty="0"/>
+              <a:t> Channel	=&gt;	Excellent tutorials and 						provides a lot of context 						about the code</a:t>
+            </a:r>
+          </a:p>
+          <a:p>
+            <a:r>
+              <a:rPr lang="nl-BE" dirty="0">
+                <a:hlinkClick r:id="rId3"/>
+              </a:rPr>
+              <a:t>https://csharp.net-tutorials.com/</a:t>
+            </a:r>
+            <a:r>
+              <a:rPr lang="nl-BE" dirty="0"/>
+              <a:t>	=&gt;	Complete tutorial </a:t>
+            </a:r>
+            <a:r>
+              <a:rPr lang="nl-BE" dirty="0" err="1"/>
+              <a:t>about</a:t>
+            </a:r>
+            <a:r>
+              <a:rPr lang="nl-BE" dirty="0"/>
+              <a:t> C# 					</a:t>
+            </a:r>
+            <a:r>
+              <a:rPr lang="nl-BE" dirty="0" err="1"/>
+              <a:t>from</a:t>
+            </a:r>
+            <a:r>
+              <a:rPr lang="nl-BE" dirty="0"/>
+              <a:t> absolute start, has 						</a:t>
+            </a:r>
+            <a:r>
+              <a:rPr lang="nl-BE" dirty="0" err="1"/>
+              <a:t>continuation</a:t>
+            </a:r>
+            <a:r>
+              <a:rPr lang="nl-BE" dirty="0"/>
+              <a:t> tutorial </a:t>
+            </a:r>
+            <a:r>
+              <a:rPr lang="nl-BE" dirty="0" err="1"/>
+              <a:t>about</a:t>
+            </a:r>
+            <a:r>
+              <a:rPr lang="nl-BE" dirty="0"/>
+              <a:t> 					ASP.NET</a:t>
+            </a:r>
+            <a:endParaRPr lang="en-BE" dirty="0"/>
+          </a:p>
+        </p:txBody>
+      </p:sp>
+    </p:spTree>
+    <p:extLst>
+      <p:ext uri="{BB962C8B-B14F-4D97-AF65-F5344CB8AC3E}">
+        <p14:creationId xmlns:p14="http://schemas.microsoft.com/office/powerpoint/2010/main" val="4029050323"/>
       </p:ext>
     </p:extLst>
   </p:cSld>
@@ -7844,10 +10053,10 @@
       </p:sp>
       <p:pic>
         <p:nvPicPr>
-          <p:cNvPr id="7" name="Content Placeholder 6" descr="A screenshot of a cell phone&#10;&#10;Description automatically generated">
+          <p:cNvPr id="6" name="Content Placeholder 5" descr="A close up of a logo&#10;&#10;Description automatically generated">
             <a:extLst>
               <a:ext uri="{FF2B5EF4-FFF2-40B4-BE49-F238E27FC236}">
-                <a16:creationId xmlns:a16="http://schemas.microsoft.com/office/drawing/2014/main" id="{A42FBB55-6CA1-4DD1-8EB0-7A4E55A8B047}"/>
+                <a16:creationId xmlns:a16="http://schemas.microsoft.com/office/drawing/2014/main" id="{ED0D067F-578A-416B-B4A3-FAEC47054026}"/>
               </a:ext>
             </a:extLst>
           </p:cNvPr>
@@ -7866,8 +10075,8 @@
         </p:blipFill>
         <p:spPr>
           <a:xfrm>
-            <a:off x="3868738" y="1477525"/>
-            <a:ext cx="7315200" cy="3893425"/>
+            <a:off x="4067175" y="434292"/>
+            <a:ext cx="6926091" cy="5937933"/>
           </a:xfrm>
         </p:spPr>
       </p:pic>
